--- a/9_ERP đã chỉnh.pptx
+++ b/9_ERP đã chỉnh.pptx
@@ -44,11 +44,11 @@
   <p:notesSz cx="6858000" cy="9144000"/>
   <p:embeddedFontLst>
     <p:embeddedFont>
-      <p:font typeface="Alata" panose="020B0604020202020204" charset="0"/>
+      <p:font typeface="Abel" charset="0"/>
       <p:regular r:id="rId34"/>
     </p:embeddedFont>
     <p:embeddedFont>
-      <p:font typeface="Abel" panose="020B0604020202020204" charset="0"/>
+      <p:font typeface="Alata" charset="0"/>
       <p:regular r:id="rId35"/>
     </p:embeddedFont>
   </p:embeddedFontLst>
@@ -11656,17 +11656,7 @@
                 <a:latin typeface="Times New Roman" panose="02020603050405020304" pitchFamily="18" charset="0"/>
                 <a:cs typeface="Times New Roman" panose="02020603050405020304" pitchFamily="18" charset="0"/>
               </a:rPr>
-              <a:t>HỆ </a:t>
-            </a:r>
-            <a:r>
-              <a:rPr lang="en-US" sz="2400" b="1" dirty="0" smtClean="0">
-                <a:solidFill>
-                  <a:schemeClr val="bg2"/>
-                </a:solidFill>
-                <a:latin typeface="Times New Roman" panose="02020603050405020304" pitchFamily="18" charset="0"/>
-                <a:cs typeface="Times New Roman" panose="02020603050405020304" pitchFamily="18" charset="0"/>
-              </a:rPr>
-              <a:t>THỐNG HOẠCH ĐỊNH NGUỒN LỰC DOANH NGHIỆP</a:t>
+              <a:t>HỆ THỐNG HOẠCH ĐỊNH NGUỒN LỰC DOANH NGHIỆP</a:t>
             </a:r>
           </a:p>
         </p:txBody>
@@ -12554,7 +12544,7 @@
         </p:nvSpPr>
         <p:spPr>
           <a:xfrm>
-            <a:off x="0" y="1405973"/>
+            <a:off x="0" y="1481276"/>
             <a:ext cx="8128486" cy="2821782"/>
           </a:xfrm>
         </p:spPr>
@@ -12571,64 +12561,881 @@
                 <a:latin typeface="Times New Roman" panose="02020603050405020304" pitchFamily="18" charset="0"/>
                 <a:cs typeface="Times New Roman" panose="02020603050405020304" pitchFamily="18" charset="0"/>
               </a:rPr>
-              <a:t>    Trang </a:t>
+              <a:t>    </a:t>
+            </a:r>
+            <a:r>
+              <a:rPr lang="en-US" sz="2800" dirty="0"/>
+              <a:t> </a:t>
+            </a:r>
+            <a:r>
+              <a:rPr lang="en-US" sz="2800" dirty="0" err="1">
+                <a:latin typeface="Times New Roman" pitchFamily="18" charset="0"/>
+                <a:cs typeface="Times New Roman" pitchFamily="18" charset="0"/>
+              </a:rPr>
+              <a:t>Trang</a:t>
             </a:r>
             <a:r>
               <a:rPr lang="en-US" sz="2800" dirty="0">
-                <a:latin typeface="Times New Roman" panose="02020603050405020304" pitchFamily="18" charset="0"/>
-                <a:cs typeface="Times New Roman" panose="02020603050405020304" pitchFamily="18" charset="0"/>
-              </a:rPr>
-              <a:t>bị các máy móc thiết bị phù hợp cho quá trình sản xuất, song song đó là các máy có thể truy cập được phần mềm Odoo trên máy chủ. </a:t>
-            </a:r>
-            <a:endParaRPr lang="en-US" sz="2800" dirty="0" smtClean="0">
-              <a:latin typeface="Times New Roman" panose="02020603050405020304" pitchFamily="18" charset="0"/>
-              <a:cs typeface="Times New Roman" panose="02020603050405020304" pitchFamily="18" charset="0"/>
-            </a:endParaRPr>
-          </a:p>
-          <a:p>
-            <a:pPr marL="571500" indent="-457200">
-              <a:buFont typeface="Wingdings" panose="05000000000000000000" pitchFamily="2" charset="2"/>
-              <a:buChar char="Ø"/>
-            </a:pPr>
+                <a:latin typeface="Times New Roman" pitchFamily="18" charset="0"/>
+                <a:cs typeface="Times New Roman" pitchFamily="18" charset="0"/>
+              </a:rPr>
+              <a:t> </a:t>
+            </a:r>
+            <a:r>
+              <a:rPr lang="en-US" sz="2800" dirty="0" err="1">
+                <a:latin typeface="Times New Roman" pitchFamily="18" charset="0"/>
+                <a:cs typeface="Times New Roman" pitchFamily="18" charset="0"/>
+              </a:rPr>
+              <a:t>bị</a:t>
+            </a:r>
             <a:r>
               <a:rPr lang="en-US" sz="2800" dirty="0">
-                <a:latin typeface="Times New Roman" panose="02020603050405020304" pitchFamily="18" charset="0"/>
-                <a:cs typeface="Times New Roman" panose="02020603050405020304" pitchFamily="18" charset="0"/>
+                <a:latin typeface="Times New Roman" pitchFamily="18" charset="0"/>
+                <a:cs typeface="Times New Roman" pitchFamily="18" charset="0"/>
               </a:rPr>
               <a:t> </a:t>
             </a:r>
             <a:r>
-              <a:rPr lang="en-US" sz="2800" dirty="0" smtClean="0">
-                <a:latin typeface="Times New Roman" panose="02020603050405020304" pitchFamily="18" charset="0"/>
-                <a:cs typeface="Times New Roman" panose="02020603050405020304" pitchFamily="18" charset="0"/>
-              </a:rPr>
-              <a:t>  </a:t>
-            </a:r>
-            <a:r>
-              <a:rPr lang="en-US" sz="2800" dirty="0" err="1" smtClean="0">
-                <a:latin typeface="Times New Roman" panose="02020603050405020304" pitchFamily="18" charset="0"/>
-                <a:cs typeface="Times New Roman" panose="02020603050405020304" pitchFamily="18" charset="0"/>
+              <a:rPr lang="en-US" sz="2800" dirty="0" err="1">
+                <a:latin typeface="Times New Roman" pitchFamily="18" charset="0"/>
+                <a:cs typeface="Times New Roman" pitchFamily="18" charset="0"/>
+              </a:rPr>
+              <a:t>các</a:t>
+            </a:r>
+            <a:r>
+              <a:rPr lang="en-US" sz="2800" dirty="0">
+                <a:latin typeface="Times New Roman" pitchFamily="18" charset="0"/>
+                <a:cs typeface="Times New Roman" pitchFamily="18" charset="0"/>
+              </a:rPr>
+              <a:t> </a:t>
+            </a:r>
+            <a:r>
+              <a:rPr lang="en-US" sz="2800" dirty="0" err="1">
+                <a:latin typeface="Times New Roman" pitchFamily="18" charset="0"/>
+                <a:cs typeface="Times New Roman" pitchFamily="18" charset="0"/>
+              </a:rPr>
+              <a:t>máy</a:t>
+            </a:r>
+            <a:r>
+              <a:rPr lang="en-US" sz="2800" dirty="0">
+                <a:latin typeface="Times New Roman" pitchFamily="18" charset="0"/>
+                <a:cs typeface="Times New Roman" pitchFamily="18" charset="0"/>
+              </a:rPr>
+              <a:t> </a:t>
+            </a:r>
+            <a:r>
+              <a:rPr lang="en-US" sz="2800" dirty="0" err="1">
+                <a:latin typeface="Times New Roman" pitchFamily="18" charset="0"/>
+                <a:cs typeface="Times New Roman" pitchFamily="18" charset="0"/>
+              </a:rPr>
+              <a:t>móc</a:t>
+            </a:r>
+            <a:r>
+              <a:rPr lang="en-US" sz="2800" dirty="0">
+                <a:latin typeface="Times New Roman" pitchFamily="18" charset="0"/>
+                <a:cs typeface="Times New Roman" pitchFamily="18" charset="0"/>
+              </a:rPr>
+              <a:t> </a:t>
+            </a:r>
+            <a:r>
+              <a:rPr lang="en-US" sz="2800" dirty="0" err="1">
+                <a:latin typeface="Times New Roman" pitchFamily="18" charset="0"/>
+                <a:cs typeface="Times New Roman" pitchFamily="18" charset="0"/>
+              </a:rPr>
+              <a:t>thiết</a:t>
+            </a:r>
+            <a:r>
+              <a:rPr lang="en-US" sz="2800" dirty="0">
+                <a:latin typeface="Times New Roman" pitchFamily="18" charset="0"/>
+                <a:cs typeface="Times New Roman" pitchFamily="18" charset="0"/>
+              </a:rPr>
+              <a:t> </a:t>
+            </a:r>
+            <a:r>
+              <a:rPr lang="en-US" sz="2800" dirty="0" err="1">
+                <a:latin typeface="Times New Roman" pitchFamily="18" charset="0"/>
+                <a:cs typeface="Times New Roman" pitchFamily="18" charset="0"/>
+              </a:rPr>
+              <a:t>bị</a:t>
+            </a:r>
+            <a:r>
+              <a:rPr lang="en-US" sz="2800" dirty="0">
+                <a:latin typeface="Times New Roman" pitchFamily="18" charset="0"/>
+                <a:cs typeface="Times New Roman" pitchFamily="18" charset="0"/>
+              </a:rPr>
+              <a:t> </a:t>
+            </a:r>
+            <a:r>
+              <a:rPr lang="en-US" sz="2800" dirty="0" err="1">
+                <a:latin typeface="Times New Roman" pitchFamily="18" charset="0"/>
+                <a:cs typeface="Times New Roman" pitchFamily="18" charset="0"/>
+              </a:rPr>
+              <a:t>phù</a:t>
+            </a:r>
+            <a:r>
+              <a:rPr lang="en-US" sz="2800" dirty="0">
+                <a:latin typeface="Times New Roman" pitchFamily="18" charset="0"/>
+                <a:cs typeface="Times New Roman" pitchFamily="18" charset="0"/>
+              </a:rPr>
+              <a:t> </a:t>
+            </a:r>
+            <a:r>
+              <a:rPr lang="en-US" sz="2800" dirty="0" err="1">
+                <a:latin typeface="Times New Roman" pitchFamily="18" charset="0"/>
+                <a:cs typeface="Times New Roman" pitchFamily="18" charset="0"/>
+              </a:rPr>
+              <a:t>hợp</a:t>
+            </a:r>
+            <a:r>
+              <a:rPr lang="en-US" sz="2800" dirty="0">
+                <a:latin typeface="Times New Roman" pitchFamily="18" charset="0"/>
+                <a:cs typeface="Times New Roman" pitchFamily="18" charset="0"/>
+              </a:rPr>
+              <a:t> </a:t>
+            </a:r>
+            <a:r>
+              <a:rPr lang="en-US" sz="2800" dirty="0" err="1">
+                <a:latin typeface="Times New Roman" pitchFamily="18" charset="0"/>
+                <a:cs typeface="Times New Roman" pitchFamily="18" charset="0"/>
+              </a:rPr>
+              <a:t>cho</a:t>
+            </a:r>
+            <a:r>
+              <a:rPr lang="en-US" sz="2800" dirty="0">
+                <a:latin typeface="Times New Roman" pitchFamily="18" charset="0"/>
+                <a:cs typeface="Times New Roman" pitchFamily="18" charset="0"/>
+              </a:rPr>
+              <a:t> </a:t>
+            </a:r>
+            <a:r>
+              <a:rPr lang="en-US" sz="2800" dirty="0" err="1">
+                <a:latin typeface="Times New Roman" pitchFamily="18" charset="0"/>
+                <a:cs typeface="Times New Roman" pitchFamily="18" charset="0"/>
+              </a:rPr>
+              <a:t>quá</a:t>
+            </a:r>
+            <a:r>
+              <a:rPr lang="en-US" sz="2800" dirty="0">
+                <a:latin typeface="Times New Roman" pitchFamily="18" charset="0"/>
+                <a:cs typeface="Times New Roman" pitchFamily="18" charset="0"/>
+              </a:rPr>
+              <a:t> </a:t>
+            </a:r>
+            <a:r>
+              <a:rPr lang="en-US" sz="2800" dirty="0" err="1">
+                <a:latin typeface="Times New Roman" pitchFamily="18" charset="0"/>
+                <a:cs typeface="Times New Roman" pitchFamily="18" charset="0"/>
+              </a:rPr>
+              <a:t>trình</a:t>
+            </a:r>
+            <a:r>
+              <a:rPr lang="en-US" sz="2800" dirty="0">
+                <a:latin typeface="Times New Roman" pitchFamily="18" charset="0"/>
+                <a:cs typeface="Times New Roman" pitchFamily="18" charset="0"/>
+              </a:rPr>
+              <a:t> </a:t>
+            </a:r>
+            <a:r>
+              <a:rPr lang="en-US" sz="2800" dirty="0" err="1">
+                <a:latin typeface="Times New Roman" pitchFamily="18" charset="0"/>
+                <a:cs typeface="Times New Roman" pitchFamily="18" charset="0"/>
+              </a:rPr>
+              <a:t>kiểm</a:t>
+            </a:r>
+            <a:r>
+              <a:rPr lang="en-US" sz="2800" dirty="0">
+                <a:latin typeface="Times New Roman" pitchFamily="18" charset="0"/>
+                <a:cs typeface="Times New Roman" pitchFamily="18" charset="0"/>
+              </a:rPr>
+              <a:t> </a:t>
+            </a:r>
+            <a:r>
+              <a:rPr lang="en-US" sz="2800" dirty="0" err="1">
+                <a:latin typeface="Times New Roman" pitchFamily="18" charset="0"/>
+                <a:cs typeface="Times New Roman" pitchFamily="18" charset="0"/>
+              </a:rPr>
+              <a:t>tra</a:t>
+            </a:r>
+            <a:r>
+              <a:rPr lang="en-US" sz="2800" dirty="0">
+                <a:latin typeface="Times New Roman" pitchFamily="18" charset="0"/>
+                <a:cs typeface="Times New Roman" pitchFamily="18" charset="0"/>
+              </a:rPr>
+              <a:t> </a:t>
+            </a:r>
+            <a:r>
+              <a:rPr lang="en-US" sz="2800" dirty="0" err="1">
+                <a:latin typeface="Times New Roman" pitchFamily="18" charset="0"/>
+                <a:cs typeface="Times New Roman" pitchFamily="18" charset="0"/>
+              </a:rPr>
+              <a:t>kho</a:t>
+            </a:r>
+            <a:r>
+              <a:rPr lang="en-US" sz="2800" dirty="0">
+                <a:latin typeface="Times New Roman" pitchFamily="18" charset="0"/>
+                <a:cs typeface="Times New Roman" pitchFamily="18" charset="0"/>
+              </a:rPr>
+              <a:t> , song </a:t>
+            </a:r>
+            <a:r>
+              <a:rPr lang="en-US" sz="2800" dirty="0" err="1">
+                <a:latin typeface="Times New Roman" pitchFamily="18" charset="0"/>
+                <a:cs typeface="Times New Roman" pitchFamily="18" charset="0"/>
+              </a:rPr>
+              <a:t>song</a:t>
+            </a:r>
+            <a:r>
+              <a:rPr lang="en-US" sz="2800" dirty="0">
+                <a:latin typeface="Times New Roman" pitchFamily="18" charset="0"/>
+                <a:cs typeface="Times New Roman" pitchFamily="18" charset="0"/>
+              </a:rPr>
+              <a:t> </a:t>
+            </a:r>
+            <a:r>
+              <a:rPr lang="en-US" sz="2800" dirty="0" err="1">
+                <a:latin typeface="Times New Roman" pitchFamily="18" charset="0"/>
+                <a:cs typeface="Times New Roman" pitchFamily="18" charset="0"/>
+              </a:rPr>
+              <a:t>đó</a:t>
+            </a:r>
+            <a:r>
+              <a:rPr lang="en-US" sz="2800" dirty="0">
+                <a:latin typeface="Times New Roman" pitchFamily="18" charset="0"/>
+                <a:cs typeface="Times New Roman" pitchFamily="18" charset="0"/>
+              </a:rPr>
+              <a:t> </a:t>
+            </a:r>
+            <a:r>
+              <a:rPr lang="en-US" sz="2800" dirty="0" err="1">
+                <a:latin typeface="Times New Roman" pitchFamily="18" charset="0"/>
+                <a:cs typeface="Times New Roman" pitchFamily="18" charset="0"/>
+              </a:rPr>
+              <a:t>là</a:t>
+            </a:r>
+            <a:r>
+              <a:rPr lang="en-US" sz="2800" dirty="0">
+                <a:latin typeface="Times New Roman" pitchFamily="18" charset="0"/>
+                <a:cs typeface="Times New Roman" pitchFamily="18" charset="0"/>
+              </a:rPr>
+              <a:t> </a:t>
+            </a:r>
+            <a:r>
+              <a:rPr lang="en-US" sz="2800" dirty="0" err="1">
+                <a:latin typeface="Times New Roman" pitchFamily="18" charset="0"/>
+                <a:cs typeface="Times New Roman" pitchFamily="18" charset="0"/>
+              </a:rPr>
+              <a:t>các</a:t>
+            </a:r>
+            <a:r>
+              <a:rPr lang="en-US" sz="2800" dirty="0">
+                <a:latin typeface="Times New Roman" pitchFamily="18" charset="0"/>
+                <a:cs typeface="Times New Roman" pitchFamily="18" charset="0"/>
+              </a:rPr>
+              <a:t> </a:t>
+            </a:r>
+            <a:r>
+              <a:rPr lang="en-US" sz="2800" dirty="0" err="1">
+                <a:latin typeface="Times New Roman" pitchFamily="18" charset="0"/>
+                <a:cs typeface="Times New Roman" pitchFamily="18" charset="0"/>
+              </a:rPr>
+              <a:t>máy</a:t>
+            </a:r>
+            <a:r>
+              <a:rPr lang="en-US" sz="2800" dirty="0">
+                <a:latin typeface="Times New Roman" pitchFamily="18" charset="0"/>
+                <a:cs typeface="Times New Roman" pitchFamily="18" charset="0"/>
+              </a:rPr>
+              <a:t> </a:t>
+            </a:r>
+            <a:r>
+              <a:rPr lang="en-US" sz="2800" dirty="0" err="1">
+                <a:latin typeface="Times New Roman" pitchFamily="18" charset="0"/>
+                <a:cs typeface="Times New Roman" pitchFamily="18" charset="0"/>
+              </a:rPr>
+              <a:t>có</a:t>
+            </a:r>
+            <a:r>
+              <a:rPr lang="en-US" sz="2800" dirty="0">
+                <a:latin typeface="Times New Roman" pitchFamily="18" charset="0"/>
+                <a:cs typeface="Times New Roman" pitchFamily="18" charset="0"/>
+              </a:rPr>
+              <a:t> </a:t>
+            </a:r>
+            <a:r>
+              <a:rPr lang="en-US" sz="2800" dirty="0" err="1">
+                <a:latin typeface="Times New Roman" pitchFamily="18" charset="0"/>
+                <a:cs typeface="Times New Roman" pitchFamily="18" charset="0"/>
+              </a:rPr>
+              <a:t>thể</a:t>
+            </a:r>
+            <a:r>
+              <a:rPr lang="en-US" sz="2800" dirty="0">
+                <a:latin typeface="Times New Roman" pitchFamily="18" charset="0"/>
+                <a:cs typeface="Times New Roman" pitchFamily="18" charset="0"/>
+              </a:rPr>
+              <a:t> </a:t>
+            </a:r>
+            <a:r>
+              <a:rPr lang="en-US" sz="2800" dirty="0" err="1">
+                <a:latin typeface="Times New Roman" pitchFamily="18" charset="0"/>
+                <a:cs typeface="Times New Roman" pitchFamily="18" charset="0"/>
+              </a:rPr>
+              <a:t>truy</a:t>
+            </a:r>
+            <a:r>
+              <a:rPr lang="en-US" sz="2800" dirty="0">
+                <a:latin typeface="Times New Roman" pitchFamily="18" charset="0"/>
+                <a:cs typeface="Times New Roman" pitchFamily="18" charset="0"/>
+              </a:rPr>
+              <a:t> </a:t>
+            </a:r>
+            <a:r>
+              <a:rPr lang="en-US" sz="2800" dirty="0" err="1">
+                <a:latin typeface="Times New Roman" pitchFamily="18" charset="0"/>
+                <a:cs typeface="Times New Roman" pitchFamily="18" charset="0"/>
+              </a:rPr>
+              <a:t>cập</a:t>
+            </a:r>
+            <a:r>
+              <a:rPr lang="en-US" sz="2800" dirty="0">
+                <a:latin typeface="Times New Roman" pitchFamily="18" charset="0"/>
+                <a:cs typeface="Times New Roman" pitchFamily="18" charset="0"/>
+              </a:rPr>
+              <a:t> </a:t>
+            </a:r>
+            <a:r>
+              <a:rPr lang="en-US" sz="2800" dirty="0" err="1">
+                <a:latin typeface="Times New Roman" pitchFamily="18" charset="0"/>
+                <a:cs typeface="Times New Roman" pitchFamily="18" charset="0"/>
+              </a:rPr>
+              <a:t>được</a:t>
+            </a:r>
+            <a:r>
+              <a:rPr lang="en-US" sz="2800" dirty="0">
+                <a:latin typeface="Times New Roman" pitchFamily="18" charset="0"/>
+                <a:cs typeface="Times New Roman" pitchFamily="18" charset="0"/>
+              </a:rPr>
+              <a:t> </a:t>
+            </a:r>
+            <a:r>
+              <a:rPr lang="en-US" sz="2800" dirty="0" err="1">
+                <a:latin typeface="Times New Roman" pitchFamily="18" charset="0"/>
+                <a:cs typeface="Times New Roman" pitchFamily="18" charset="0"/>
+              </a:rPr>
+              <a:t>phần</a:t>
+            </a:r>
+            <a:r>
+              <a:rPr lang="en-US" sz="2800" dirty="0">
+                <a:latin typeface="Times New Roman" pitchFamily="18" charset="0"/>
+                <a:cs typeface="Times New Roman" pitchFamily="18" charset="0"/>
+              </a:rPr>
+              <a:t> </a:t>
+            </a:r>
+            <a:r>
+              <a:rPr lang="en-US" sz="2800" dirty="0" err="1">
+                <a:latin typeface="Times New Roman" pitchFamily="18" charset="0"/>
+                <a:cs typeface="Times New Roman" pitchFamily="18" charset="0"/>
+              </a:rPr>
+              <a:t>mềm</a:t>
+            </a:r>
+            <a:r>
+              <a:rPr lang="en-US" sz="2800" dirty="0">
+                <a:latin typeface="Times New Roman" pitchFamily="18" charset="0"/>
+                <a:cs typeface="Times New Roman" pitchFamily="18" charset="0"/>
+              </a:rPr>
+              <a:t> </a:t>
+            </a:r>
+            <a:r>
+              <a:rPr lang="en-US" sz="2800" dirty="0" err="1">
+                <a:latin typeface="Times New Roman" pitchFamily="18" charset="0"/>
+                <a:cs typeface="Times New Roman" pitchFamily="18" charset="0"/>
+              </a:rPr>
+              <a:t>Odoo</a:t>
+            </a:r>
+            <a:r>
+              <a:rPr lang="en-US" sz="2800" dirty="0">
+                <a:latin typeface="Times New Roman" pitchFamily="18" charset="0"/>
+                <a:cs typeface="Times New Roman" pitchFamily="18" charset="0"/>
+              </a:rPr>
+              <a:t> </a:t>
+            </a:r>
+            <a:r>
+              <a:rPr lang="en-US" sz="2800" dirty="0" err="1">
+                <a:latin typeface="Times New Roman" pitchFamily="18" charset="0"/>
+                <a:cs typeface="Times New Roman" pitchFamily="18" charset="0"/>
+              </a:rPr>
+              <a:t>trên</a:t>
+            </a:r>
+            <a:r>
+              <a:rPr lang="en-US" sz="2800" dirty="0">
+                <a:latin typeface="Times New Roman" pitchFamily="18" charset="0"/>
+                <a:cs typeface="Times New Roman" pitchFamily="18" charset="0"/>
+              </a:rPr>
+              <a:t> </a:t>
+            </a:r>
+            <a:r>
+              <a:rPr lang="en-US" sz="2800" dirty="0" err="1">
+                <a:latin typeface="Times New Roman" pitchFamily="18" charset="0"/>
+                <a:cs typeface="Times New Roman" pitchFamily="18" charset="0"/>
+              </a:rPr>
+              <a:t>máy</a:t>
+            </a:r>
+            <a:r>
+              <a:rPr lang="en-US" sz="2800" dirty="0">
+                <a:latin typeface="Times New Roman" pitchFamily="18" charset="0"/>
+                <a:cs typeface="Times New Roman" pitchFamily="18" charset="0"/>
+              </a:rPr>
+              <a:t> </a:t>
+            </a:r>
+            <a:r>
+              <a:rPr lang="en-US" sz="2800" dirty="0" err="1">
+                <a:latin typeface="Times New Roman" pitchFamily="18" charset="0"/>
+                <a:cs typeface="Times New Roman" pitchFamily="18" charset="0"/>
+              </a:rPr>
+              <a:t>chủ</a:t>
+            </a:r>
+            <a:r>
+              <a:rPr lang="en-US" sz="2800" dirty="0">
+                <a:latin typeface="Times New Roman" pitchFamily="18" charset="0"/>
+                <a:cs typeface="Times New Roman" pitchFamily="18" charset="0"/>
+              </a:rPr>
+              <a:t>. </a:t>
+            </a:r>
+            <a:r>
+              <a:rPr lang="en-US" sz="2800" dirty="0" err="1">
+                <a:latin typeface="Times New Roman" pitchFamily="18" charset="0"/>
+                <a:cs typeface="Times New Roman" pitchFamily="18" charset="0"/>
               </a:rPr>
               <a:t>Nhân</a:t>
             </a:r>
             <a:r>
-              <a:rPr lang="en-US" sz="2800" dirty="0" smtClean="0">
-                <a:latin typeface="Times New Roman" panose="02020603050405020304" pitchFamily="18" charset="0"/>
-                <a:cs typeface="Times New Roman" panose="02020603050405020304" pitchFamily="18" charset="0"/>
+              <a:rPr lang="en-US" sz="2800" dirty="0">
+                <a:latin typeface="Times New Roman" pitchFamily="18" charset="0"/>
+                <a:cs typeface="Times New Roman" pitchFamily="18" charset="0"/>
               </a:rPr>
               <a:t> </a:t>
             </a:r>
             <a:r>
+              <a:rPr lang="en-US" sz="2800" dirty="0" err="1">
+                <a:latin typeface="Times New Roman" pitchFamily="18" charset="0"/>
+                <a:cs typeface="Times New Roman" pitchFamily="18" charset="0"/>
+              </a:rPr>
+              <a:t>viên</a:t>
+            </a:r>
+            <a:r>
               <a:rPr lang="en-US" sz="2800" dirty="0">
-                <a:latin typeface="Times New Roman" panose="02020603050405020304" pitchFamily="18" charset="0"/>
-                <a:cs typeface="Times New Roman" panose="02020603050405020304" pitchFamily="18" charset="0"/>
-              </a:rPr>
-              <a:t>viên sẽ được sử dụng phần mềm để lập lệnh sản xuất, nhập vào các số liệu phù hợp cho việc sản xuất, các nguyên vật liệu cần thiết để sản xuất ra sản phẩm (BOM), quản lý thời gian làm việc hiệu quả.</a:t>
-            </a:r>
-          </a:p>
-          <a:p>
-            <a:pPr lvl="0"/>
-            <a:endParaRPr lang="en-US" sz="2800" b="1" dirty="0">
+                <a:latin typeface="Times New Roman" pitchFamily="18" charset="0"/>
+                <a:cs typeface="Times New Roman" pitchFamily="18" charset="0"/>
+              </a:rPr>
+              <a:t> </a:t>
+            </a:r>
+            <a:r>
+              <a:rPr lang="en-US" sz="2800" dirty="0" err="1">
+                <a:latin typeface="Times New Roman" pitchFamily="18" charset="0"/>
+                <a:cs typeface="Times New Roman" pitchFamily="18" charset="0"/>
+              </a:rPr>
+              <a:t>sẽ</a:t>
+            </a:r>
+            <a:r>
+              <a:rPr lang="en-US" sz="2800" dirty="0">
+                <a:latin typeface="Times New Roman" pitchFamily="18" charset="0"/>
+                <a:cs typeface="Times New Roman" pitchFamily="18" charset="0"/>
+              </a:rPr>
+              <a:t> </a:t>
+            </a:r>
+            <a:r>
+              <a:rPr lang="en-US" sz="2800" dirty="0" err="1">
+                <a:latin typeface="Times New Roman" pitchFamily="18" charset="0"/>
+                <a:cs typeface="Times New Roman" pitchFamily="18" charset="0"/>
+              </a:rPr>
+              <a:t>được</a:t>
+            </a:r>
+            <a:r>
+              <a:rPr lang="en-US" sz="2800" dirty="0">
+                <a:latin typeface="Times New Roman" pitchFamily="18" charset="0"/>
+                <a:cs typeface="Times New Roman" pitchFamily="18" charset="0"/>
+              </a:rPr>
+              <a:t> </a:t>
+            </a:r>
+            <a:r>
+              <a:rPr lang="en-US" sz="2800" dirty="0" err="1">
+                <a:latin typeface="Times New Roman" pitchFamily="18" charset="0"/>
+                <a:cs typeface="Times New Roman" pitchFamily="18" charset="0"/>
+              </a:rPr>
+              <a:t>sử</a:t>
+            </a:r>
+            <a:r>
+              <a:rPr lang="en-US" sz="2800" dirty="0">
+                <a:latin typeface="Times New Roman" pitchFamily="18" charset="0"/>
+                <a:cs typeface="Times New Roman" pitchFamily="18" charset="0"/>
+              </a:rPr>
+              <a:t> </a:t>
+            </a:r>
+            <a:r>
+              <a:rPr lang="en-US" sz="2800" dirty="0" err="1">
+                <a:latin typeface="Times New Roman" pitchFamily="18" charset="0"/>
+                <a:cs typeface="Times New Roman" pitchFamily="18" charset="0"/>
+              </a:rPr>
+              <a:t>dụng</a:t>
+            </a:r>
+            <a:r>
+              <a:rPr lang="en-US" sz="2800" dirty="0">
+                <a:latin typeface="Times New Roman" pitchFamily="18" charset="0"/>
+                <a:cs typeface="Times New Roman" pitchFamily="18" charset="0"/>
+              </a:rPr>
+              <a:t> </a:t>
+            </a:r>
+            <a:r>
+              <a:rPr lang="en-US" sz="2800" dirty="0" err="1">
+                <a:latin typeface="Times New Roman" pitchFamily="18" charset="0"/>
+                <a:cs typeface="Times New Roman" pitchFamily="18" charset="0"/>
+              </a:rPr>
+              <a:t>phần</a:t>
+            </a:r>
+            <a:r>
+              <a:rPr lang="en-US" sz="2800" dirty="0">
+                <a:latin typeface="Times New Roman" pitchFamily="18" charset="0"/>
+                <a:cs typeface="Times New Roman" pitchFamily="18" charset="0"/>
+              </a:rPr>
+              <a:t> </a:t>
+            </a:r>
+            <a:r>
+              <a:rPr lang="en-US" sz="2800" dirty="0" err="1">
+                <a:latin typeface="Times New Roman" pitchFamily="18" charset="0"/>
+                <a:cs typeface="Times New Roman" pitchFamily="18" charset="0"/>
+              </a:rPr>
+              <a:t>mềm</a:t>
+            </a:r>
+            <a:r>
+              <a:rPr lang="en-US" sz="2800" dirty="0">
+                <a:latin typeface="Times New Roman" pitchFamily="18" charset="0"/>
+                <a:cs typeface="Times New Roman" pitchFamily="18" charset="0"/>
+              </a:rPr>
+              <a:t> </a:t>
+            </a:r>
+            <a:r>
+              <a:rPr lang="en-US" sz="2800" dirty="0" err="1">
+                <a:latin typeface="Times New Roman" pitchFamily="18" charset="0"/>
+                <a:cs typeface="Times New Roman" pitchFamily="18" charset="0"/>
+              </a:rPr>
+              <a:t>để</a:t>
+            </a:r>
+            <a:r>
+              <a:rPr lang="en-US" sz="2800" dirty="0">
+                <a:latin typeface="Times New Roman" pitchFamily="18" charset="0"/>
+                <a:cs typeface="Times New Roman" pitchFamily="18" charset="0"/>
+              </a:rPr>
+              <a:t> </a:t>
+            </a:r>
+            <a:r>
+              <a:rPr lang="en-US" sz="2800" dirty="0" err="1">
+                <a:latin typeface="Times New Roman" pitchFamily="18" charset="0"/>
+                <a:cs typeface="Times New Roman" pitchFamily="18" charset="0"/>
+              </a:rPr>
+              <a:t>lập</a:t>
+            </a:r>
+            <a:r>
+              <a:rPr lang="en-US" sz="2800" dirty="0">
+                <a:latin typeface="Times New Roman" pitchFamily="18" charset="0"/>
+                <a:cs typeface="Times New Roman" pitchFamily="18" charset="0"/>
+              </a:rPr>
+              <a:t> </a:t>
+            </a:r>
+            <a:r>
+              <a:rPr lang="en-US" sz="2800" dirty="0" err="1">
+                <a:latin typeface="Times New Roman" pitchFamily="18" charset="0"/>
+                <a:cs typeface="Times New Roman" pitchFamily="18" charset="0"/>
+              </a:rPr>
+              <a:t>lệnh</a:t>
+            </a:r>
+            <a:r>
+              <a:rPr lang="en-US" sz="2800" dirty="0">
+                <a:latin typeface="Times New Roman" pitchFamily="18" charset="0"/>
+                <a:cs typeface="Times New Roman" pitchFamily="18" charset="0"/>
+              </a:rPr>
+              <a:t> </a:t>
+            </a:r>
+            <a:r>
+              <a:rPr lang="en-US" sz="2800" dirty="0" err="1">
+                <a:latin typeface="Times New Roman" pitchFamily="18" charset="0"/>
+                <a:cs typeface="Times New Roman" pitchFamily="18" charset="0"/>
+              </a:rPr>
+              <a:t>kiểm</a:t>
+            </a:r>
+            <a:r>
+              <a:rPr lang="en-US" sz="2800" dirty="0">
+                <a:latin typeface="Times New Roman" pitchFamily="18" charset="0"/>
+                <a:cs typeface="Times New Roman" pitchFamily="18" charset="0"/>
+              </a:rPr>
+              <a:t> </a:t>
+            </a:r>
+            <a:r>
+              <a:rPr lang="en-US" sz="2800" dirty="0" err="1">
+                <a:latin typeface="Times New Roman" pitchFamily="18" charset="0"/>
+                <a:cs typeface="Times New Roman" pitchFamily="18" charset="0"/>
+              </a:rPr>
+              <a:t>tra</a:t>
+            </a:r>
+            <a:r>
+              <a:rPr lang="en-US" sz="2800" dirty="0">
+                <a:latin typeface="Times New Roman" pitchFamily="18" charset="0"/>
+                <a:cs typeface="Times New Roman" pitchFamily="18" charset="0"/>
+              </a:rPr>
+              <a:t> </a:t>
+            </a:r>
+            <a:r>
+              <a:rPr lang="en-US" sz="2800" dirty="0" err="1">
+                <a:latin typeface="Times New Roman" pitchFamily="18" charset="0"/>
+                <a:cs typeface="Times New Roman" pitchFamily="18" charset="0"/>
+              </a:rPr>
+              <a:t>kho</a:t>
+            </a:r>
+            <a:r>
+              <a:rPr lang="en-US" sz="2800" dirty="0">
+                <a:latin typeface="Times New Roman" pitchFamily="18" charset="0"/>
+                <a:cs typeface="Times New Roman" pitchFamily="18" charset="0"/>
+              </a:rPr>
+              <a:t>, </a:t>
+            </a:r>
+            <a:r>
+              <a:rPr lang="en-US" sz="2800" dirty="0" err="1">
+                <a:latin typeface="Times New Roman" pitchFamily="18" charset="0"/>
+                <a:cs typeface="Times New Roman" pitchFamily="18" charset="0"/>
+              </a:rPr>
+              <a:t>nhập</a:t>
+            </a:r>
+            <a:r>
+              <a:rPr lang="en-US" sz="2800" dirty="0">
+                <a:latin typeface="Times New Roman" pitchFamily="18" charset="0"/>
+                <a:cs typeface="Times New Roman" pitchFamily="18" charset="0"/>
+              </a:rPr>
+              <a:t> </a:t>
+            </a:r>
+            <a:r>
+              <a:rPr lang="en-US" sz="2800" dirty="0" err="1">
+                <a:latin typeface="Times New Roman" pitchFamily="18" charset="0"/>
+                <a:cs typeface="Times New Roman" pitchFamily="18" charset="0"/>
+              </a:rPr>
+              <a:t>vào</a:t>
+            </a:r>
+            <a:r>
+              <a:rPr lang="en-US" sz="2800" dirty="0">
+                <a:latin typeface="Times New Roman" pitchFamily="18" charset="0"/>
+                <a:cs typeface="Times New Roman" pitchFamily="18" charset="0"/>
+              </a:rPr>
+              <a:t> </a:t>
+            </a:r>
+            <a:r>
+              <a:rPr lang="en-US" sz="2800" dirty="0" err="1">
+                <a:latin typeface="Times New Roman" pitchFamily="18" charset="0"/>
+                <a:cs typeface="Times New Roman" pitchFamily="18" charset="0"/>
+              </a:rPr>
+              <a:t>các</a:t>
+            </a:r>
+            <a:r>
+              <a:rPr lang="en-US" sz="2800" dirty="0">
+                <a:latin typeface="Times New Roman" pitchFamily="18" charset="0"/>
+                <a:cs typeface="Times New Roman" pitchFamily="18" charset="0"/>
+              </a:rPr>
+              <a:t> </a:t>
+            </a:r>
+            <a:r>
+              <a:rPr lang="en-US" sz="2800" dirty="0" err="1">
+                <a:latin typeface="Times New Roman" pitchFamily="18" charset="0"/>
+                <a:cs typeface="Times New Roman" pitchFamily="18" charset="0"/>
+              </a:rPr>
+              <a:t>số</a:t>
+            </a:r>
+            <a:r>
+              <a:rPr lang="en-US" sz="2800" dirty="0">
+                <a:latin typeface="Times New Roman" pitchFamily="18" charset="0"/>
+                <a:cs typeface="Times New Roman" pitchFamily="18" charset="0"/>
+              </a:rPr>
+              <a:t> </a:t>
+            </a:r>
+            <a:r>
+              <a:rPr lang="en-US" sz="2800" dirty="0" err="1">
+                <a:latin typeface="Times New Roman" pitchFamily="18" charset="0"/>
+                <a:cs typeface="Times New Roman" pitchFamily="18" charset="0"/>
+              </a:rPr>
+              <a:t>liệu</a:t>
+            </a:r>
+            <a:r>
+              <a:rPr lang="en-US" sz="2800" dirty="0">
+                <a:latin typeface="Times New Roman" pitchFamily="18" charset="0"/>
+                <a:cs typeface="Times New Roman" pitchFamily="18" charset="0"/>
+              </a:rPr>
+              <a:t> </a:t>
+            </a:r>
+            <a:r>
+              <a:rPr lang="en-US" sz="2800" dirty="0" err="1">
+                <a:latin typeface="Times New Roman" pitchFamily="18" charset="0"/>
+                <a:cs typeface="Times New Roman" pitchFamily="18" charset="0"/>
+              </a:rPr>
+              <a:t>phù</a:t>
+            </a:r>
+            <a:r>
+              <a:rPr lang="en-US" sz="2800" dirty="0">
+                <a:latin typeface="Times New Roman" pitchFamily="18" charset="0"/>
+                <a:cs typeface="Times New Roman" pitchFamily="18" charset="0"/>
+              </a:rPr>
+              <a:t> </a:t>
+            </a:r>
+            <a:r>
+              <a:rPr lang="en-US" sz="2800" dirty="0" err="1">
+                <a:latin typeface="Times New Roman" pitchFamily="18" charset="0"/>
+                <a:cs typeface="Times New Roman" pitchFamily="18" charset="0"/>
+              </a:rPr>
+              <a:t>hợp</a:t>
+            </a:r>
+            <a:r>
+              <a:rPr lang="en-US" sz="2800" dirty="0">
+                <a:latin typeface="Times New Roman" pitchFamily="18" charset="0"/>
+                <a:cs typeface="Times New Roman" pitchFamily="18" charset="0"/>
+              </a:rPr>
+              <a:t> </a:t>
+            </a:r>
+            <a:r>
+              <a:rPr lang="en-US" sz="2800" dirty="0" err="1">
+                <a:latin typeface="Times New Roman" pitchFamily="18" charset="0"/>
+                <a:cs typeface="Times New Roman" pitchFamily="18" charset="0"/>
+              </a:rPr>
+              <a:t>cho</a:t>
+            </a:r>
+            <a:r>
+              <a:rPr lang="en-US" sz="2800" dirty="0">
+                <a:latin typeface="Times New Roman" pitchFamily="18" charset="0"/>
+                <a:cs typeface="Times New Roman" pitchFamily="18" charset="0"/>
+              </a:rPr>
+              <a:t> </a:t>
+            </a:r>
+            <a:r>
+              <a:rPr lang="en-US" sz="2800" dirty="0" err="1">
+                <a:latin typeface="Times New Roman" pitchFamily="18" charset="0"/>
+                <a:cs typeface="Times New Roman" pitchFamily="18" charset="0"/>
+              </a:rPr>
+              <a:t>việc</a:t>
+            </a:r>
+            <a:r>
+              <a:rPr lang="en-US" sz="2800" dirty="0">
+                <a:latin typeface="Times New Roman" pitchFamily="18" charset="0"/>
+                <a:cs typeface="Times New Roman" pitchFamily="18" charset="0"/>
+              </a:rPr>
+              <a:t> </a:t>
+            </a:r>
+            <a:r>
+              <a:rPr lang="en-US" sz="2800" dirty="0" err="1">
+                <a:latin typeface="Times New Roman" pitchFamily="18" charset="0"/>
+                <a:cs typeface="Times New Roman" pitchFamily="18" charset="0"/>
+              </a:rPr>
+              <a:t>kiểm</a:t>
+            </a:r>
+            <a:r>
+              <a:rPr lang="en-US" sz="2800" dirty="0">
+                <a:latin typeface="Times New Roman" pitchFamily="18" charset="0"/>
+                <a:cs typeface="Times New Roman" pitchFamily="18" charset="0"/>
+              </a:rPr>
+              <a:t> </a:t>
+            </a:r>
+            <a:r>
+              <a:rPr lang="en-US" sz="2800" dirty="0" err="1">
+                <a:latin typeface="Times New Roman" pitchFamily="18" charset="0"/>
+                <a:cs typeface="Times New Roman" pitchFamily="18" charset="0"/>
+              </a:rPr>
+              <a:t>kho</a:t>
+            </a:r>
+            <a:r>
+              <a:rPr lang="en-US" sz="2800" dirty="0">
+                <a:latin typeface="Times New Roman" pitchFamily="18" charset="0"/>
+                <a:cs typeface="Times New Roman" pitchFamily="18" charset="0"/>
+              </a:rPr>
+              <a:t>, </a:t>
+            </a:r>
+            <a:r>
+              <a:rPr lang="en-US" sz="2800" dirty="0" err="1">
+                <a:latin typeface="Times New Roman" pitchFamily="18" charset="0"/>
+                <a:cs typeface="Times New Roman" pitchFamily="18" charset="0"/>
+              </a:rPr>
+              <a:t>quản</a:t>
+            </a:r>
+            <a:r>
+              <a:rPr lang="en-US" sz="2800" dirty="0">
+                <a:latin typeface="Times New Roman" pitchFamily="18" charset="0"/>
+                <a:cs typeface="Times New Roman" pitchFamily="18" charset="0"/>
+              </a:rPr>
+              <a:t> </a:t>
+            </a:r>
+            <a:r>
+              <a:rPr lang="en-US" sz="2800" dirty="0" err="1">
+                <a:latin typeface="Times New Roman" pitchFamily="18" charset="0"/>
+                <a:cs typeface="Times New Roman" pitchFamily="18" charset="0"/>
+              </a:rPr>
+              <a:t>lý</a:t>
+            </a:r>
+            <a:r>
+              <a:rPr lang="en-US" sz="2800" dirty="0">
+                <a:latin typeface="Times New Roman" pitchFamily="18" charset="0"/>
+                <a:cs typeface="Times New Roman" pitchFamily="18" charset="0"/>
+              </a:rPr>
+              <a:t> hang </a:t>
+            </a:r>
+            <a:r>
+              <a:rPr lang="en-US" sz="2800" dirty="0" err="1">
+                <a:latin typeface="Times New Roman" pitchFamily="18" charset="0"/>
+                <a:cs typeface="Times New Roman" pitchFamily="18" charset="0"/>
+              </a:rPr>
+              <a:t>tồn</a:t>
+            </a:r>
+            <a:r>
+              <a:rPr lang="en-US" sz="2800" dirty="0">
+                <a:latin typeface="Times New Roman" pitchFamily="18" charset="0"/>
+                <a:cs typeface="Times New Roman" pitchFamily="18" charset="0"/>
+              </a:rPr>
+              <a:t> </a:t>
+            </a:r>
+            <a:r>
+              <a:rPr lang="en-US" sz="2800" dirty="0" err="1">
+                <a:latin typeface="Times New Roman" pitchFamily="18" charset="0"/>
+                <a:cs typeface="Times New Roman" pitchFamily="18" charset="0"/>
+              </a:rPr>
+              <a:t>kho</a:t>
+            </a:r>
+            <a:r>
+              <a:rPr lang="en-US" sz="2800" dirty="0">
+                <a:latin typeface="Times New Roman" pitchFamily="18" charset="0"/>
+                <a:cs typeface="Times New Roman" pitchFamily="18" charset="0"/>
+              </a:rPr>
+              <a:t> </a:t>
+            </a:r>
+            <a:r>
+              <a:rPr lang="en-US" sz="2800" dirty="0" err="1">
+                <a:latin typeface="Times New Roman" pitchFamily="18" charset="0"/>
+                <a:cs typeface="Times New Roman" pitchFamily="18" charset="0"/>
+              </a:rPr>
+              <a:t>hiệu</a:t>
+            </a:r>
+            <a:r>
+              <a:rPr lang="en-US" sz="2800" dirty="0">
+                <a:latin typeface="Times New Roman" pitchFamily="18" charset="0"/>
+                <a:cs typeface="Times New Roman" pitchFamily="18" charset="0"/>
+              </a:rPr>
+              <a:t> </a:t>
+            </a:r>
+            <a:r>
+              <a:rPr lang="en-US" sz="2800" dirty="0" err="1">
+                <a:latin typeface="Times New Roman" pitchFamily="18" charset="0"/>
+                <a:cs typeface="Times New Roman" pitchFamily="18" charset="0"/>
+              </a:rPr>
+              <a:t>quả</a:t>
+            </a:r>
+            <a:r>
+              <a:rPr lang="en-US" sz="2800" dirty="0">
+                <a:latin typeface="Times New Roman" pitchFamily="18" charset="0"/>
+                <a:cs typeface="Times New Roman" pitchFamily="18" charset="0"/>
+              </a:rPr>
+              <a:t>.</a:t>
+            </a:r>
+            <a:endParaRPr lang="en-US" sz="2800" b="1" dirty="0" smtClean="0">
               <a:latin typeface="Times New Roman" panose="02020603050405020304" pitchFamily="18" charset="0"/>
               <a:cs typeface="Times New Roman" panose="02020603050405020304" pitchFamily="18" charset="0"/>
             </a:endParaRPr>
@@ -12758,7 +13565,7 @@
         </p:nvSpPr>
         <p:spPr>
           <a:xfrm>
-            <a:off x="0" y="1567337"/>
+            <a:off x="0" y="1847036"/>
             <a:ext cx="8397428" cy="3144511"/>
           </a:xfrm>
         </p:spPr>
@@ -12766,38 +13573,601 @@
           <a:bodyPr/>
           <a:lstStyle/>
           <a:p>
+            <a:pPr marL="571500" lvl="0" indent="-457200">
+              <a:buFont typeface="Wingdings" panose="05000000000000000000" pitchFamily="2" charset="2"/>
+              <a:buChar char="Ø"/>
+            </a:pPr>
+            <a:r>
+              <a:rPr lang="en-US" sz="2800" dirty="0" smtClean="0">
+                <a:latin typeface="Times New Roman" panose="02020603050405020304" pitchFamily="18" charset="0"/>
+                <a:cs typeface="Times New Roman" panose="02020603050405020304" pitchFamily="18" charset="0"/>
+              </a:rPr>
+              <a:t>   </a:t>
+            </a:r>
+            <a:r>
+              <a:rPr lang="en-US" sz="2800" dirty="0" err="1">
+                <a:latin typeface="Times New Roman" pitchFamily="18" charset="0"/>
+                <a:cs typeface="Times New Roman" pitchFamily="18" charset="0"/>
+              </a:rPr>
+              <a:t>Quản</a:t>
+            </a:r>
+            <a:r>
+              <a:rPr lang="en-US" sz="2800" dirty="0">
+                <a:latin typeface="Times New Roman" pitchFamily="18" charset="0"/>
+                <a:cs typeface="Times New Roman" pitchFamily="18" charset="0"/>
+              </a:rPr>
+              <a:t> </a:t>
+            </a:r>
+            <a:r>
+              <a:rPr lang="en-US" sz="2800" dirty="0" err="1">
+                <a:latin typeface="Times New Roman" pitchFamily="18" charset="0"/>
+                <a:cs typeface="Times New Roman" pitchFamily="18" charset="0"/>
+              </a:rPr>
+              <a:t>kho</a:t>
+            </a:r>
+            <a:r>
+              <a:rPr lang="en-US" sz="2800" dirty="0">
+                <a:latin typeface="Times New Roman" pitchFamily="18" charset="0"/>
+                <a:cs typeface="Times New Roman" pitchFamily="18" charset="0"/>
+              </a:rPr>
+              <a:t> </a:t>
+            </a:r>
+            <a:r>
+              <a:rPr lang="en-US" sz="2800" dirty="0" err="1">
+                <a:latin typeface="Times New Roman" pitchFamily="18" charset="0"/>
+                <a:cs typeface="Times New Roman" pitchFamily="18" charset="0"/>
+              </a:rPr>
+              <a:t>chuyển</a:t>
+            </a:r>
+            <a:r>
+              <a:rPr lang="en-US" sz="2800" dirty="0">
+                <a:latin typeface="Times New Roman" pitchFamily="18" charset="0"/>
+                <a:cs typeface="Times New Roman" pitchFamily="18" charset="0"/>
+              </a:rPr>
+              <a:t> </a:t>
+            </a:r>
+            <a:r>
+              <a:rPr lang="en-US" sz="2800" dirty="0" err="1">
+                <a:latin typeface="Times New Roman" pitchFamily="18" charset="0"/>
+                <a:cs typeface="Times New Roman" pitchFamily="18" charset="0"/>
+              </a:rPr>
+              <a:t>nguyên</a:t>
+            </a:r>
+            <a:r>
+              <a:rPr lang="en-US" sz="2800" dirty="0">
+                <a:latin typeface="Times New Roman" pitchFamily="18" charset="0"/>
+                <a:cs typeface="Times New Roman" pitchFamily="18" charset="0"/>
+              </a:rPr>
+              <a:t> </a:t>
+            </a:r>
+            <a:r>
+              <a:rPr lang="en-US" sz="2800" dirty="0" err="1">
+                <a:latin typeface="Times New Roman" pitchFamily="18" charset="0"/>
+                <a:cs typeface="Times New Roman" pitchFamily="18" charset="0"/>
+              </a:rPr>
+              <a:t>vật</a:t>
+            </a:r>
+            <a:r>
+              <a:rPr lang="en-US" sz="2800" dirty="0">
+                <a:latin typeface="Times New Roman" pitchFamily="18" charset="0"/>
+                <a:cs typeface="Times New Roman" pitchFamily="18" charset="0"/>
+              </a:rPr>
+              <a:t> </a:t>
+            </a:r>
+            <a:r>
+              <a:rPr lang="en-US" sz="2800" dirty="0" err="1">
+                <a:latin typeface="Times New Roman" pitchFamily="18" charset="0"/>
+                <a:cs typeface="Times New Roman" pitchFamily="18" charset="0"/>
+              </a:rPr>
+              <a:t>liệu</a:t>
+            </a:r>
+            <a:r>
+              <a:rPr lang="en-US" sz="2800" dirty="0">
+                <a:latin typeface="Times New Roman" pitchFamily="18" charset="0"/>
+                <a:cs typeface="Times New Roman" pitchFamily="18" charset="0"/>
+              </a:rPr>
+              <a:t> </a:t>
+            </a:r>
+            <a:r>
+              <a:rPr lang="en-US" sz="2800" dirty="0" err="1">
+                <a:latin typeface="Times New Roman" pitchFamily="18" charset="0"/>
+                <a:cs typeface="Times New Roman" pitchFamily="18" charset="0"/>
+              </a:rPr>
+              <a:t>và</a:t>
+            </a:r>
+            <a:r>
+              <a:rPr lang="en-US" sz="2800" dirty="0">
+                <a:latin typeface="Times New Roman" pitchFamily="18" charset="0"/>
+                <a:cs typeface="Times New Roman" pitchFamily="18" charset="0"/>
+              </a:rPr>
+              <a:t> </a:t>
+            </a:r>
+            <a:r>
+              <a:rPr lang="en-US" sz="2800" dirty="0" err="1">
+                <a:latin typeface="Times New Roman" pitchFamily="18" charset="0"/>
+                <a:cs typeface="Times New Roman" pitchFamily="18" charset="0"/>
+              </a:rPr>
+              <a:t>báo</a:t>
+            </a:r>
+            <a:r>
+              <a:rPr lang="en-US" sz="2800" dirty="0">
+                <a:latin typeface="Times New Roman" pitchFamily="18" charset="0"/>
+                <a:cs typeface="Times New Roman" pitchFamily="18" charset="0"/>
+              </a:rPr>
+              <a:t> </a:t>
+            </a:r>
+            <a:r>
+              <a:rPr lang="en-US" sz="2800" dirty="0" err="1">
+                <a:latin typeface="Times New Roman" pitchFamily="18" charset="0"/>
+                <a:cs typeface="Times New Roman" pitchFamily="18" charset="0"/>
+              </a:rPr>
+              <a:t>cáo</a:t>
+            </a:r>
+            <a:r>
+              <a:rPr lang="en-US" sz="2800" dirty="0">
+                <a:latin typeface="Times New Roman" pitchFamily="18" charset="0"/>
+                <a:cs typeface="Times New Roman" pitchFamily="18" charset="0"/>
+              </a:rPr>
+              <a:t> </a:t>
+            </a:r>
+            <a:r>
+              <a:rPr lang="en-US" sz="2800" dirty="0" err="1">
+                <a:latin typeface="Times New Roman" pitchFamily="18" charset="0"/>
+                <a:cs typeface="Times New Roman" pitchFamily="18" charset="0"/>
+              </a:rPr>
+              <a:t>tồn</a:t>
+            </a:r>
+            <a:r>
+              <a:rPr lang="en-US" sz="2800" dirty="0">
+                <a:latin typeface="Times New Roman" pitchFamily="18" charset="0"/>
+                <a:cs typeface="Times New Roman" pitchFamily="18" charset="0"/>
+              </a:rPr>
+              <a:t> </a:t>
+            </a:r>
+            <a:r>
+              <a:rPr lang="en-US" sz="2800" dirty="0" err="1">
+                <a:latin typeface="Times New Roman" pitchFamily="18" charset="0"/>
+                <a:cs typeface="Times New Roman" pitchFamily="18" charset="0"/>
+              </a:rPr>
+              <a:t>kho</a:t>
+            </a:r>
+            <a:r>
+              <a:rPr lang="en-US" sz="2800" dirty="0">
+                <a:latin typeface="Times New Roman" pitchFamily="18" charset="0"/>
+                <a:cs typeface="Times New Roman" pitchFamily="18" charset="0"/>
+              </a:rPr>
+              <a:t>, </a:t>
+            </a:r>
+            <a:r>
+              <a:rPr lang="en-US" sz="2800" dirty="0" err="1">
+                <a:latin typeface="Times New Roman" pitchFamily="18" charset="0"/>
+                <a:cs typeface="Times New Roman" pitchFamily="18" charset="0"/>
+              </a:rPr>
+              <a:t>tiến</a:t>
+            </a:r>
+            <a:r>
+              <a:rPr lang="en-US" sz="2800" dirty="0">
+                <a:latin typeface="Times New Roman" pitchFamily="18" charset="0"/>
+                <a:cs typeface="Times New Roman" pitchFamily="18" charset="0"/>
+              </a:rPr>
+              <a:t> </a:t>
+            </a:r>
+            <a:r>
+              <a:rPr lang="en-US" sz="2800" dirty="0" err="1">
+                <a:latin typeface="Times New Roman" pitchFamily="18" charset="0"/>
+                <a:cs typeface="Times New Roman" pitchFamily="18" charset="0"/>
+              </a:rPr>
+              <a:t>hành</a:t>
+            </a:r>
+            <a:r>
+              <a:rPr lang="en-US" sz="2800" dirty="0">
+                <a:latin typeface="Times New Roman" pitchFamily="18" charset="0"/>
+                <a:cs typeface="Times New Roman" pitchFamily="18" charset="0"/>
+              </a:rPr>
+              <a:t> </a:t>
+            </a:r>
+            <a:r>
+              <a:rPr lang="en-US" sz="2800" dirty="0" err="1">
+                <a:latin typeface="Times New Roman" pitchFamily="18" charset="0"/>
+                <a:cs typeface="Times New Roman" pitchFamily="18" charset="0"/>
+              </a:rPr>
+              <a:t>sản</a:t>
+            </a:r>
+            <a:r>
+              <a:rPr lang="en-US" sz="2800" dirty="0">
+                <a:latin typeface="Times New Roman" pitchFamily="18" charset="0"/>
+                <a:cs typeface="Times New Roman" pitchFamily="18" charset="0"/>
+              </a:rPr>
+              <a:t> </a:t>
+            </a:r>
+            <a:r>
+              <a:rPr lang="en-US" sz="2800" dirty="0" err="1">
+                <a:latin typeface="Times New Roman" pitchFamily="18" charset="0"/>
+                <a:cs typeface="Times New Roman" pitchFamily="18" charset="0"/>
+              </a:rPr>
+              <a:t>xuất</a:t>
+            </a:r>
+            <a:r>
+              <a:rPr lang="en-US" sz="2800" dirty="0">
+                <a:latin typeface="Times New Roman" pitchFamily="18" charset="0"/>
+                <a:cs typeface="Times New Roman" pitchFamily="18" charset="0"/>
+              </a:rPr>
+              <a:t> </a:t>
+            </a:r>
+            <a:r>
+              <a:rPr lang="en-US" sz="2800" dirty="0" err="1">
+                <a:latin typeface="Times New Roman" pitchFamily="18" charset="0"/>
+                <a:cs typeface="Times New Roman" pitchFamily="18" charset="0"/>
+              </a:rPr>
+              <a:t>theo</a:t>
+            </a:r>
+            <a:r>
+              <a:rPr lang="en-US" sz="2800" dirty="0">
+                <a:latin typeface="Times New Roman" pitchFamily="18" charset="0"/>
+                <a:cs typeface="Times New Roman" pitchFamily="18" charset="0"/>
+              </a:rPr>
+              <a:t> </a:t>
+            </a:r>
+            <a:r>
+              <a:rPr lang="en-US" sz="2800" dirty="0" err="1">
+                <a:latin typeface="Times New Roman" pitchFamily="18" charset="0"/>
+                <a:cs typeface="Times New Roman" pitchFamily="18" charset="0"/>
+              </a:rPr>
+              <a:t>yêu</a:t>
+            </a:r>
+            <a:r>
+              <a:rPr lang="en-US" sz="2800" dirty="0">
+                <a:latin typeface="Times New Roman" pitchFamily="18" charset="0"/>
+                <a:cs typeface="Times New Roman" pitchFamily="18" charset="0"/>
+              </a:rPr>
+              <a:t> </a:t>
+            </a:r>
+            <a:r>
+              <a:rPr lang="en-US" sz="2800" dirty="0" err="1">
+                <a:latin typeface="Times New Roman" pitchFamily="18" charset="0"/>
+                <a:cs typeface="Times New Roman" pitchFamily="18" charset="0"/>
+              </a:rPr>
+              <a:t>cầu</a:t>
+            </a:r>
+            <a:r>
+              <a:rPr lang="en-US" sz="2800" dirty="0">
+                <a:latin typeface="Times New Roman" pitchFamily="18" charset="0"/>
+                <a:cs typeface="Times New Roman" pitchFamily="18" charset="0"/>
+              </a:rPr>
+              <a:t>, </a:t>
+            </a:r>
+            <a:r>
+              <a:rPr lang="en-US" sz="2800" dirty="0" err="1">
+                <a:latin typeface="Times New Roman" pitchFamily="18" charset="0"/>
+                <a:cs typeface="Times New Roman" pitchFamily="18" charset="0"/>
+              </a:rPr>
+              <a:t>sản</a:t>
+            </a:r>
+            <a:r>
+              <a:rPr lang="en-US" sz="2800" dirty="0">
+                <a:latin typeface="Times New Roman" pitchFamily="18" charset="0"/>
+                <a:cs typeface="Times New Roman" pitchFamily="18" charset="0"/>
+              </a:rPr>
+              <a:t> </a:t>
+            </a:r>
+            <a:r>
+              <a:rPr lang="en-US" sz="2800" dirty="0" err="1">
+                <a:latin typeface="Times New Roman" pitchFamily="18" charset="0"/>
+                <a:cs typeface="Times New Roman" pitchFamily="18" charset="0"/>
+              </a:rPr>
+              <a:t>phẩm</a:t>
+            </a:r>
+            <a:r>
+              <a:rPr lang="en-US" sz="2800" dirty="0">
+                <a:latin typeface="Times New Roman" pitchFamily="18" charset="0"/>
+                <a:cs typeface="Times New Roman" pitchFamily="18" charset="0"/>
+              </a:rPr>
+              <a:t> </a:t>
+            </a:r>
+            <a:r>
+              <a:rPr lang="en-US" sz="2800" dirty="0" err="1">
+                <a:latin typeface="Times New Roman" pitchFamily="18" charset="0"/>
+                <a:cs typeface="Times New Roman" pitchFamily="18" charset="0"/>
+              </a:rPr>
+              <a:t>sau</a:t>
+            </a:r>
+            <a:r>
+              <a:rPr lang="en-US" sz="2800" dirty="0">
+                <a:latin typeface="Times New Roman" pitchFamily="18" charset="0"/>
+                <a:cs typeface="Times New Roman" pitchFamily="18" charset="0"/>
+              </a:rPr>
+              <a:t> </a:t>
+            </a:r>
+            <a:r>
+              <a:rPr lang="en-US" sz="2800" dirty="0" err="1">
+                <a:latin typeface="Times New Roman" pitchFamily="18" charset="0"/>
+                <a:cs typeface="Times New Roman" pitchFamily="18" charset="0"/>
+              </a:rPr>
+              <a:t>khi</a:t>
+            </a:r>
+            <a:r>
+              <a:rPr lang="en-US" sz="2800" dirty="0">
+                <a:latin typeface="Times New Roman" pitchFamily="18" charset="0"/>
+                <a:cs typeface="Times New Roman" pitchFamily="18" charset="0"/>
+              </a:rPr>
+              <a:t> </a:t>
+            </a:r>
+            <a:r>
+              <a:rPr lang="en-US" sz="2800" dirty="0" err="1">
+                <a:latin typeface="Times New Roman" pitchFamily="18" charset="0"/>
+                <a:cs typeface="Times New Roman" pitchFamily="18" charset="0"/>
+              </a:rPr>
+              <a:t>được</a:t>
+            </a:r>
+            <a:r>
+              <a:rPr lang="en-US" sz="2800" dirty="0">
+                <a:latin typeface="Times New Roman" pitchFamily="18" charset="0"/>
+                <a:cs typeface="Times New Roman" pitchFamily="18" charset="0"/>
+              </a:rPr>
+              <a:t> </a:t>
+            </a:r>
+            <a:r>
+              <a:rPr lang="en-US" sz="2800" dirty="0" err="1">
+                <a:latin typeface="Times New Roman" pitchFamily="18" charset="0"/>
+                <a:cs typeface="Times New Roman" pitchFamily="18" charset="0"/>
+              </a:rPr>
+              <a:t>sản</a:t>
+            </a:r>
+            <a:r>
+              <a:rPr lang="en-US" sz="2800" dirty="0">
+                <a:latin typeface="Times New Roman" pitchFamily="18" charset="0"/>
+                <a:cs typeface="Times New Roman" pitchFamily="18" charset="0"/>
+              </a:rPr>
+              <a:t> </a:t>
+            </a:r>
+            <a:r>
+              <a:rPr lang="en-US" sz="2800" dirty="0" err="1">
+                <a:latin typeface="Times New Roman" pitchFamily="18" charset="0"/>
+                <a:cs typeface="Times New Roman" pitchFamily="18" charset="0"/>
+              </a:rPr>
+              <a:t>xuất</a:t>
+            </a:r>
+            <a:r>
+              <a:rPr lang="en-US" sz="2800" dirty="0">
+                <a:latin typeface="Times New Roman" pitchFamily="18" charset="0"/>
+                <a:cs typeface="Times New Roman" pitchFamily="18" charset="0"/>
+              </a:rPr>
+              <a:t> </a:t>
+            </a:r>
+            <a:r>
+              <a:rPr lang="en-US" sz="2800" dirty="0" err="1">
+                <a:latin typeface="Times New Roman" pitchFamily="18" charset="0"/>
+                <a:cs typeface="Times New Roman" pitchFamily="18" charset="0"/>
+              </a:rPr>
+              <a:t>xong</a:t>
+            </a:r>
+            <a:r>
+              <a:rPr lang="en-US" sz="2800" dirty="0">
+                <a:latin typeface="Times New Roman" pitchFamily="18" charset="0"/>
+                <a:cs typeface="Times New Roman" pitchFamily="18" charset="0"/>
+              </a:rPr>
+              <a:t> </a:t>
+            </a:r>
+            <a:r>
+              <a:rPr lang="en-US" sz="2800" dirty="0" err="1">
+                <a:latin typeface="Times New Roman" pitchFamily="18" charset="0"/>
+                <a:cs typeface="Times New Roman" pitchFamily="18" charset="0"/>
+              </a:rPr>
+              <a:t>sẽ</a:t>
+            </a:r>
+            <a:r>
+              <a:rPr lang="en-US" sz="2800" dirty="0">
+                <a:latin typeface="Times New Roman" pitchFamily="18" charset="0"/>
+                <a:cs typeface="Times New Roman" pitchFamily="18" charset="0"/>
+              </a:rPr>
+              <a:t> </a:t>
+            </a:r>
+            <a:r>
+              <a:rPr lang="en-US" sz="2800" dirty="0" err="1">
+                <a:latin typeface="Times New Roman" pitchFamily="18" charset="0"/>
+                <a:cs typeface="Times New Roman" pitchFamily="18" charset="0"/>
+              </a:rPr>
+              <a:t>được</a:t>
+            </a:r>
+            <a:r>
+              <a:rPr lang="en-US" sz="2800" dirty="0">
+                <a:latin typeface="Times New Roman" pitchFamily="18" charset="0"/>
+                <a:cs typeface="Times New Roman" pitchFamily="18" charset="0"/>
+              </a:rPr>
+              <a:t> </a:t>
+            </a:r>
+            <a:r>
+              <a:rPr lang="en-US" sz="2800" dirty="0" err="1">
+                <a:latin typeface="Times New Roman" pitchFamily="18" charset="0"/>
+                <a:cs typeface="Times New Roman" pitchFamily="18" charset="0"/>
+              </a:rPr>
+              <a:t>chuyển</a:t>
+            </a:r>
+            <a:r>
+              <a:rPr lang="en-US" sz="2800" dirty="0">
+                <a:latin typeface="Times New Roman" pitchFamily="18" charset="0"/>
+                <a:cs typeface="Times New Roman" pitchFamily="18" charset="0"/>
+              </a:rPr>
+              <a:t> </a:t>
+            </a:r>
+            <a:r>
+              <a:rPr lang="en-US" sz="2800" dirty="0" err="1">
+                <a:latin typeface="Times New Roman" pitchFamily="18" charset="0"/>
+                <a:cs typeface="Times New Roman" pitchFamily="18" charset="0"/>
+              </a:rPr>
+              <a:t>về</a:t>
+            </a:r>
+            <a:r>
+              <a:rPr lang="en-US" sz="2800" dirty="0">
+                <a:latin typeface="Times New Roman" pitchFamily="18" charset="0"/>
+                <a:cs typeface="Times New Roman" pitchFamily="18" charset="0"/>
+              </a:rPr>
+              <a:t> </a:t>
+            </a:r>
+            <a:r>
+              <a:rPr lang="en-US" sz="2800" dirty="0" err="1">
+                <a:latin typeface="Times New Roman" pitchFamily="18" charset="0"/>
+                <a:cs typeface="Times New Roman" pitchFamily="18" charset="0"/>
+              </a:rPr>
+              <a:t>lại</a:t>
+            </a:r>
+            <a:r>
+              <a:rPr lang="en-US" sz="2800" dirty="0">
+                <a:latin typeface="Times New Roman" pitchFamily="18" charset="0"/>
+                <a:cs typeface="Times New Roman" pitchFamily="18" charset="0"/>
+              </a:rPr>
+              <a:t> </a:t>
+            </a:r>
+            <a:r>
+              <a:rPr lang="en-US" sz="2800" dirty="0" err="1">
+                <a:latin typeface="Times New Roman" pitchFamily="18" charset="0"/>
+                <a:cs typeface="Times New Roman" pitchFamily="18" charset="0"/>
+              </a:rPr>
+              <a:t>kho</a:t>
+            </a:r>
+            <a:r>
+              <a:rPr lang="en-US" sz="2800" dirty="0">
+                <a:latin typeface="Times New Roman" pitchFamily="18" charset="0"/>
+                <a:cs typeface="Times New Roman" pitchFamily="18" charset="0"/>
+              </a:rPr>
+              <a:t> </a:t>
+            </a:r>
+            <a:r>
+              <a:rPr lang="en-US" sz="2800" dirty="0" err="1">
+                <a:latin typeface="Times New Roman" pitchFamily="18" charset="0"/>
+                <a:cs typeface="Times New Roman" pitchFamily="18" charset="0"/>
+              </a:rPr>
+              <a:t>để</a:t>
+            </a:r>
+            <a:r>
+              <a:rPr lang="en-US" sz="2800" dirty="0">
+                <a:latin typeface="Times New Roman" pitchFamily="18" charset="0"/>
+                <a:cs typeface="Times New Roman" pitchFamily="18" charset="0"/>
+              </a:rPr>
+              <a:t> </a:t>
+            </a:r>
+            <a:r>
+              <a:rPr lang="en-US" sz="2800" dirty="0" err="1">
+                <a:latin typeface="Times New Roman" pitchFamily="18" charset="0"/>
+                <a:cs typeface="Times New Roman" pitchFamily="18" charset="0"/>
+              </a:rPr>
+              <a:t>giao</a:t>
+            </a:r>
+            <a:r>
+              <a:rPr lang="en-US" sz="2800" dirty="0">
+                <a:latin typeface="Times New Roman" pitchFamily="18" charset="0"/>
+                <a:cs typeface="Times New Roman" pitchFamily="18" charset="0"/>
+              </a:rPr>
+              <a:t> </a:t>
+            </a:r>
+            <a:r>
+              <a:rPr lang="en-US" sz="2800" dirty="0" err="1">
+                <a:latin typeface="Times New Roman" pitchFamily="18" charset="0"/>
+                <a:cs typeface="Times New Roman" pitchFamily="18" charset="0"/>
+              </a:rPr>
+              <a:t>hàng</a:t>
+            </a:r>
+            <a:r>
+              <a:rPr lang="en-US" sz="2800" dirty="0">
+                <a:latin typeface="Times New Roman" pitchFamily="18" charset="0"/>
+                <a:cs typeface="Times New Roman" pitchFamily="18" charset="0"/>
+              </a:rPr>
+              <a:t> </a:t>
+            </a:r>
+            <a:r>
+              <a:rPr lang="en-US" sz="2800" dirty="0" err="1">
+                <a:latin typeface="Times New Roman" pitchFamily="18" charset="0"/>
+                <a:cs typeface="Times New Roman" pitchFamily="18" charset="0"/>
+              </a:rPr>
+              <a:t>cho</a:t>
+            </a:r>
+            <a:r>
+              <a:rPr lang="en-US" sz="2800" dirty="0">
+                <a:latin typeface="Times New Roman" pitchFamily="18" charset="0"/>
+                <a:cs typeface="Times New Roman" pitchFamily="18" charset="0"/>
+              </a:rPr>
+              <a:t> </a:t>
+            </a:r>
+            <a:r>
+              <a:rPr lang="en-US" sz="2800" dirty="0" err="1">
+                <a:latin typeface="Times New Roman" pitchFamily="18" charset="0"/>
+                <a:cs typeface="Times New Roman" pitchFamily="18" charset="0"/>
+              </a:rPr>
+              <a:t>khách</a:t>
+            </a:r>
+            <a:r>
+              <a:rPr lang="en-US" sz="2800" dirty="0">
+                <a:latin typeface="Times New Roman" pitchFamily="18" charset="0"/>
+                <a:cs typeface="Times New Roman" pitchFamily="18" charset="0"/>
+              </a:rPr>
+              <a:t> </a:t>
+            </a:r>
+            <a:r>
+              <a:rPr lang="en-US" sz="2800" dirty="0" err="1">
+                <a:latin typeface="Times New Roman" pitchFamily="18" charset="0"/>
+                <a:cs typeface="Times New Roman" pitchFamily="18" charset="0"/>
+              </a:rPr>
+              <a:t>và</a:t>
+            </a:r>
+            <a:r>
+              <a:rPr lang="en-US" sz="2800" dirty="0">
+                <a:latin typeface="Times New Roman" pitchFamily="18" charset="0"/>
+                <a:cs typeface="Times New Roman" pitchFamily="18" charset="0"/>
+              </a:rPr>
+              <a:t> </a:t>
+            </a:r>
+            <a:r>
+              <a:rPr lang="en-US" sz="2800" dirty="0" err="1">
+                <a:latin typeface="Times New Roman" pitchFamily="18" charset="0"/>
+                <a:cs typeface="Times New Roman" pitchFamily="18" charset="0"/>
+              </a:rPr>
+              <a:t>các</a:t>
+            </a:r>
+            <a:r>
+              <a:rPr lang="en-US" sz="2800" dirty="0">
+                <a:latin typeface="Times New Roman" pitchFamily="18" charset="0"/>
+                <a:cs typeface="Times New Roman" pitchFamily="18" charset="0"/>
+              </a:rPr>
+              <a:t> </a:t>
+            </a:r>
+            <a:r>
+              <a:rPr lang="en-US" sz="2800" dirty="0" err="1">
+                <a:latin typeface="Times New Roman" pitchFamily="18" charset="0"/>
+                <a:cs typeface="Times New Roman" pitchFamily="18" charset="0"/>
+              </a:rPr>
+              <a:t>đại</a:t>
+            </a:r>
+            <a:r>
+              <a:rPr lang="en-US" sz="2800" dirty="0">
+                <a:latin typeface="Times New Roman" pitchFamily="18" charset="0"/>
+                <a:cs typeface="Times New Roman" pitchFamily="18" charset="0"/>
+              </a:rPr>
+              <a:t> </a:t>
+            </a:r>
+            <a:r>
+              <a:rPr lang="en-US" sz="2800" dirty="0" err="1">
+                <a:latin typeface="Times New Roman" pitchFamily="18" charset="0"/>
+                <a:cs typeface="Times New Roman" pitchFamily="18" charset="0"/>
+              </a:rPr>
+              <a:t>lý</a:t>
+            </a:r>
+            <a:r>
+              <a:rPr lang="en-US" sz="2800" dirty="0">
+                <a:latin typeface="Times New Roman" pitchFamily="18" charset="0"/>
+                <a:cs typeface="Times New Roman" pitchFamily="18" charset="0"/>
+              </a:rPr>
+              <a:t>.</a:t>
+            </a:r>
+          </a:p>
+          <a:p>
             <a:pPr marL="571500" indent="-457200">
               <a:buFont typeface="Wingdings" panose="05000000000000000000" pitchFamily="2" charset="2"/>
               <a:buChar char="Ø"/>
             </a:pPr>
-            <a:r>
-              <a:rPr lang="en-US" sz="2800" dirty="0" smtClean="0">
-                <a:latin typeface="Times New Roman" panose="02020603050405020304" pitchFamily="18" charset="0"/>
-                <a:cs typeface="Times New Roman" panose="02020603050405020304" pitchFamily="18" charset="0"/>
-              </a:rPr>
-              <a:t>   </a:t>
-            </a:r>
-            <a:r>
-              <a:rPr lang="en-US" sz="2800" dirty="0" err="1" smtClean="0">
-                <a:latin typeface="Times New Roman" panose="02020603050405020304" pitchFamily="18" charset="0"/>
-                <a:cs typeface="Times New Roman" panose="02020603050405020304" pitchFamily="18" charset="0"/>
-              </a:rPr>
-              <a:t>Phòng</a:t>
-            </a:r>
-            <a:r>
-              <a:rPr lang="en-US" sz="2800" dirty="0" smtClean="0">
-                <a:latin typeface="Times New Roman" panose="02020603050405020304" pitchFamily="18" charset="0"/>
-                <a:cs typeface="Times New Roman" panose="02020603050405020304" pitchFamily="18" charset="0"/>
-              </a:rPr>
-              <a:t> </a:t>
-            </a:r>
-            <a:r>
-              <a:rPr lang="en-US" sz="2800" dirty="0">
-                <a:latin typeface="Times New Roman" panose="02020603050405020304" pitchFamily="18" charset="0"/>
-                <a:cs typeface="Times New Roman" panose="02020603050405020304" pitchFamily="18" charset="0"/>
-              </a:rPr>
-              <a:t>kế hoạch xem xét các hợp đồng, báo cáo kinh doanh và lên kế hoạch sản xuất sau đó giám đốc ký và đưa ra lệnh sản xuất, sau đó quản kho chuyển nguyên vật liệu và báo cáo tồn kho, tiến hành sản xuất theo yêu cầu, sản phẩm sau khi được sản xuất xong sẽ được chuyển về lại kho để giao hàng cho khách và các đại lý.</a:t>
-            </a:r>
+            <a:endParaRPr lang="en-US" sz="2800" dirty="0" smtClean="0">
+              <a:latin typeface="Times New Roman" panose="02020603050405020304" pitchFamily="18" charset="0"/>
+              <a:cs typeface="Times New Roman" panose="02020603050405020304" pitchFamily="18" charset="0"/>
+            </a:endParaRPr>
           </a:p>
           <a:p>
             <a:pPr lvl="0"/>
@@ -13383,27 +14753,1066 @@
           <a:bodyPr/>
           <a:lstStyle/>
           <a:p>
-            <a:pPr>
+            <a:pPr marL="571500" indent="-457200">
               <a:buFont typeface="Wingdings" panose="05000000000000000000" pitchFamily="2" charset="2"/>
               <a:buChar char="Ø"/>
             </a:pPr>
             <a:r>
-              <a:rPr lang="en-US" sz="2400" dirty="0" smtClean="0">
-                <a:latin typeface="Times New Roman" panose="02020603050405020304" pitchFamily="18" charset="0"/>
-                <a:cs typeface="Times New Roman" panose="02020603050405020304" pitchFamily="18" charset="0"/>
-              </a:rPr>
-              <a:t>   Trang </a:t>
-            </a:r>
-            <a:r>
               <a:rPr lang="en-US" sz="2400" dirty="0">
                 <a:latin typeface="Times New Roman" panose="02020603050405020304" pitchFamily="18" charset="0"/>
                 <a:cs typeface="Times New Roman" panose="02020603050405020304" pitchFamily="18" charset="0"/>
               </a:rPr>
-              <a:t>bị các máy móc thiết bị phù hợp cho quá trình kiểm tra kho , song song đó là các máy có thể truy cập được phần mềm Odoo trên máy chủ. Nhân viên sẽ được sử dụng phần mềm để lập lệnh kiểm tra kho, nhập vào các số liệu phù hợp cho việc kiểm kho, quản lý hang tồn kho hiệu quả.</a:t>
+              <a:t> </a:t>
+            </a:r>
+            <a:r>
+              <a:rPr lang="en-US" sz="2400" dirty="0" err="1">
+                <a:latin typeface="Times New Roman" panose="02020603050405020304" pitchFamily="18" charset="0"/>
+                <a:cs typeface="Times New Roman" panose="02020603050405020304" pitchFamily="18" charset="0"/>
+              </a:rPr>
+              <a:t>Trang</a:t>
+            </a:r>
+            <a:r>
+              <a:rPr lang="en-US" sz="2400" dirty="0">
+                <a:latin typeface="Times New Roman" panose="02020603050405020304" pitchFamily="18" charset="0"/>
+                <a:cs typeface="Times New Roman" panose="02020603050405020304" pitchFamily="18" charset="0"/>
+              </a:rPr>
+              <a:t> </a:t>
+            </a:r>
+            <a:r>
+              <a:rPr lang="en-US" sz="2400" dirty="0" err="1">
+                <a:latin typeface="Times New Roman" panose="02020603050405020304" pitchFamily="18" charset="0"/>
+                <a:cs typeface="Times New Roman" panose="02020603050405020304" pitchFamily="18" charset="0"/>
+              </a:rPr>
+              <a:t>bị</a:t>
+            </a:r>
+            <a:r>
+              <a:rPr lang="en-US" sz="2400" dirty="0">
+                <a:latin typeface="Times New Roman" panose="02020603050405020304" pitchFamily="18" charset="0"/>
+                <a:cs typeface="Times New Roman" panose="02020603050405020304" pitchFamily="18" charset="0"/>
+              </a:rPr>
+              <a:t> </a:t>
+            </a:r>
+            <a:r>
+              <a:rPr lang="en-US" sz="2400" dirty="0" err="1">
+                <a:latin typeface="Times New Roman" panose="02020603050405020304" pitchFamily="18" charset="0"/>
+                <a:cs typeface="Times New Roman" panose="02020603050405020304" pitchFamily="18" charset="0"/>
+              </a:rPr>
+              <a:t>các</a:t>
+            </a:r>
+            <a:r>
+              <a:rPr lang="en-US" sz="2400" dirty="0">
+                <a:latin typeface="Times New Roman" panose="02020603050405020304" pitchFamily="18" charset="0"/>
+                <a:cs typeface="Times New Roman" panose="02020603050405020304" pitchFamily="18" charset="0"/>
+              </a:rPr>
+              <a:t> </a:t>
+            </a:r>
+            <a:r>
+              <a:rPr lang="en-US" sz="2400" dirty="0" err="1">
+                <a:latin typeface="Times New Roman" panose="02020603050405020304" pitchFamily="18" charset="0"/>
+                <a:cs typeface="Times New Roman" panose="02020603050405020304" pitchFamily="18" charset="0"/>
+              </a:rPr>
+              <a:t>máy</a:t>
+            </a:r>
+            <a:r>
+              <a:rPr lang="en-US" sz="2400" dirty="0">
+                <a:latin typeface="Times New Roman" panose="02020603050405020304" pitchFamily="18" charset="0"/>
+                <a:cs typeface="Times New Roman" panose="02020603050405020304" pitchFamily="18" charset="0"/>
+              </a:rPr>
+              <a:t> </a:t>
+            </a:r>
+            <a:r>
+              <a:rPr lang="en-US" sz="2400" dirty="0" err="1">
+                <a:latin typeface="Times New Roman" panose="02020603050405020304" pitchFamily="18" charset="0"/>
+                <a:cs typeface="Times New Roman" panose="02020603050405020304" pitchFamily="18" charset="0"/>
+              </a:rPr>
+              <a:t>móc</a:t>
+            </a:r>
+            <a:r>
+              <a:rPr lang="en-US" sz="2400" dirty="0">
+                <a:latin typeface="Times New Roman" panose="02020603050405020304" pitchFamily="18" charset="0"/>
+                <a:cs typeface="Times New Roman" panose="02020603050405020304" pitchFamily="18" charset="0"/>
+              </a:rPr>
+              <a:t> </a:t>
+            </a:r>
+            <a:r>
+              <a:rPr lang="en-US" sz="2400" dirty="0" err="1">
+                <a:latin typeface="Times New Roman" panose="02020603050405020304" pitchFamily="18" charset="0"/>
+                <a:cs typeface="Times New Roman" panose="02020603050405020304" pitchFamily="18" charset="0"/>
+              </a:rPr>
+              <a:t>thiết</a:t>
+            </a:r>
+            <a:r>
+              <a:rPr lang="en-US" sz="2400" dirty="0">
+                <a:latin typeface="Times New Roman" panose="02020603050405020304" pitchFamily="18" charset="0"/>
+                <a:cs typeface="Times New Roman" panose="02020603050405020304" pitchFamily="18" charset="0"/>
+              </a:rPr>
+              <a:t> </a:t>
+            </a:r>
+            <a:r>
+              <a:rPr lang="en-US" sz="2400" dirty="0" err="1">
+                <a:latin typeface="Times New Roman" panose="02020603050405020304" pitchFamily="18" charset="0"/>
+                <a:cs typeface="Times New Roman" panose="02020603050405020304" pitchFamily="18" charset="0"/>
+              </a:rPr>
+              <a:t>bị</a:t>
+            </a:r>
+            <a:r>
+              <a:rPr lang="en-US" sz="2400" dirty="0">
+                <a:latin typeface="Times New Roman" panose="02020603050405020304" pitchFamily="18" charset="0"/>
+                <a:cs typeface="Times New Roman" panose="02020603050405020304" pitchFamily="18" charset="0"/>
+              </a:rPr>
+              <a:t> </a:t>
+            </a:r>
+            <a:r>
+              <a:rPr lang="en-US" sz="2400" dirty="0" err="1">
+                <a:latin typeface="Times New Roman" panose="02020603050405020304" pitchFamily="18" charset="0"/>
+                <a:cs typeface="Times New Roman" panose="02020603050405020304" pitchFamily="18" charset="0"/>
+              </a:rPr>
+              <a:t>phù</a:t>
+            </a:r>
+            <a:r>
+              <a:rPr lang="en-US" sz="2400" dirty="0">
+                <a:latin typeface="Times New Roman" panose="02020603050405020304" pitchFamily="18" charset="0"/>
+                <a:cs typeface="Times New Roman" panose="02020603050405020304" pitchFamily="18" charset="0"/>
+              </a:rPr>
+              <a:t> </a:t>
+            </a:r>
+            <a:r>
+              <a:rPr lang="en-US" sz="2400" dirty="0" err="1">
+                <a:latin typeface="Times New Roman" panose="02020603050405020304" pitchFamily="18" charset="0"/>
+                <a:cs typeface="Times New Roman" panose="02020603050405020304" pitchFamily="18" charset="0"/>
+              </a:rPr>
+              <a:t>hợp</a:t>
+            </a:r>
+            <a:r>
+              <a:rPr lang="en-US" sz="2400" dirty="0">
+                <a:latin typeface="Times New Roman" panose="02020603050405020304" pitchFamily="18" charset="0"/>
+                <a:cs typeface="Times New Roman" panose="02020603050405020304" pitchFamily="18" charset="0"/>
+              </a:rPr>
+              <a:t> </a:t>
+            </a:r>
+            <a:r>
+              <a:rPr lang="en-US" sz="2400" dirty="0" err="1">
+                <a:latin typeface="Times New Roman" panose="02020603050405020304" pitchFamily="18" charset="0"/>
+                <a:cs typeface="Times New Roman" panose="02020603050405020304" pitchFamily="18" charset="0"/>
+              </a:rPr>
+              <a:t>cho</a:t>
+            </a:r>
+            <a:r>
+              <a:rPr lang="en-US" sz="2400" dirty="0">
+                <a:latin typeface="Times New Roman" panose="02020603050405020304" pitchFamily="18" charset="0"/>
+                <a:cs typeface="Times New Roman" panose="02020603050405020304" pitchFamily="18" charset="0"/>
+              </a:rPr>
+              <a:t> </a:t>
+            </a:r>
+            <a:r>
+              <a:rPr lang="en-US" sz="2400" dirty="0" err="1">
+                <a:latin typeface="Times New Roman" panose="02020603050405020304" pitchFamily="18" charset="0"/>
+                <a:cs typeface="Times New Roman" panose="02020603050405020304" pitchFamily="18" charset="0"/>
+              </a:rPr>
+              <a:t>quá</a:t>
+            </a:r>
+            <a:r>
+              <a:rPr lang="en-US" sz="2400" dirty="0">
+                <a:latin typeface="Times New Roman" panose="02020603050405020304" pitchFamily="18" charset="0"/>
+                <a:cs typeface="Times New Roman" panose="02020603050405020304" pitchFamily="18" charset="0"/>
+              </a:rPr>
+              <a:t> </a:t>
+            </a:r>
+            <a:r>
+              <a:rPr lang="en-US" sz="2400" dirty="0" err="1">
+                <a:latin typeface="Times New Roman" panose="02020603050405020304" pitchFamily="18" charset="0"/>
+                <a:cs typeface="Times New Roman" panose="02020603050405020304" pitchFamily="18" charset="0"/>
+              </a:rPr>
+              <a:t>trình</a:t>
+            </a:r>
+            <a:r>
+              <a:rPr lang="en-US" sz="2400" dirty="0">
+                <a:latin typeface="Times New Roman" panose="02020603050405020304" pitchFamily="18" charset="0"/>
+                <a:cs typeface="Times New Roman" panose="02020603050405020304" pitchFamily="18" charset="0"/>
+              </a:rPr>
+              <a:t> </a:t>
+            </a:r>
+            <a:r>
+              <a:rPr lang="en-US" sz="2400" dirty="0" err="1">
+                <a:latin typeface="Times New Roman" panose="02020603050405020304" pitchFamily="18" charset="0"/>
+                <a:cs typeface="Times New Roman" panose="02020603050405020304" pitchFamily="18" charset="0"/>
+              </a:rPr>
+              <a:t>sản</a:t>
+            </a:r>
+            <a:r>
+              <a:rPr lang="en-US" sz="2400" dirty="0">
+                <a:latin typeface="Times New Roman" panose="02020603050405020304" pitchFamily="18" charset="0"/>
+                <a:cs typeface="Times New Roman" panose="02020603050405020304" pitchFamily="18" charset="0"/>
+              </a:rPr>
+              <a:t> </a:t>
+            </a:r>
+            <a:r>
+              <a:rPr lang="en-US" sz="2400" dirty="0" err="1">
+                <a:latin typeface="Times New Roman" panose="02020603050405020304" pitchFamily="18" charset="0"/>
+                <a:cs typeface="Times New Roman" panose="02020603050405020304" pitchFamily="18" charset="0"/>
+              </a:rPr>
+              <a:t>xuất</a:t>
+            </a:r>
+            <a:r>
+              <a:rPr lang="en-US" sz="2400" dirty="0">
+                <a:latin typeface="Times New Roman" panose="02020603050405020304" pitchFamily="18" charset="0"/>
+                <a:cs typeface="Times New Roman" panose="02020603050405020304" pitchFamily="18" charset="0"/>
+              </a:rPr>
+              <a:t>, song </a:t>
+            </a:r>
+            <a:r>
+              <a:rPr lang="en-US" sz="2400" dirty="0" err="1">
+                <a:latin typeface="Times New Roman" panose="02020603050405020304" pitchFamily="18" charset="0"/>
+                <a:cs typeface="Times New Roman" panose="02020603050405020304" pitchFamily="18" charset="0"/>
+              </a:rPr>
+              <a:t>song</a:t>
+            </a:r>
+            <a:r>
+              <a:rPr lang="en-US" sz="2400" dirty="0">
+                <a:latin typeface="Times New Roman" panose="02020603050405020304" pitchFamily="18" charset="0"/>
+                <a:cs typeface="Times New Roman" panose="02020603050405020304" pitchFamily="18" charset="0"/>
+              </a:rPr>
+              <a:t> </a:t>
+            </a:r>
+            <a:r>
+              <a:rPr lang="en-US" sz="2400" dirty="0" err="1">
+                <a:latin typeface="Times New Roman" panose="02020603050405020304" pitchFamily="18" charset="0"/>
+                <a:cs typeface="Times New Roman" panose="02020603050405020304" pitchFamily="18" charset="0"/>
+              </a:rPr>
+              <a:t>đó</a:t>
+            </a:r>
+            <a:r>
+              <a:rPr lang="en-US" sz="2400" dirty="0">
+                <a:latin typeface="Times New Roman" panose="02020603050405020304" pitchFamily="18" charset="0"/>
+                <a:cs typeface="Times New Roman" panose="02020603050405020304" pitchFamily="18" charset="0"/>
+              </a:rPr>
+              <a:t> </a:t>
+            </a:r>
+            <a:r>
+              <a:rPr lang="en-US" sz="2400" dirty="0" err="1">
+                <a:latin typeface="Times New Roman" panose="02020603050405020304" pitchFamily="18" charset="0"/>
+                <a:cs typeface="Times New Roman" panose="02020603050405020304" pitchFamily="18" charset="0"/>
+              </a:rPr>
+              <a:t>là</a:t>
+            </a:r>
+            <a:r>
+              <a:rPr lang="en-US" sz="2400" dirty="0">
+                <a:latin typeface="Times New Roman" panose="02020603050405020304" pitchFamily="18" charset="0"/>
+                <a:cs typeface="Times New Roman" panose="02020603050405020304" pitchFamily="18" charset="0"/>
+              </a:rPr>
+              <a:t> </a:t>
+            </a:r>
+            <a:r>
+              <a:rPr lang="en-US" sz="2400" dirty="0" err="1">
+                <a:latin typeface="Times New Roman" panose="02020603050405020304" pitchFamily="18" charset="0"/>
+                <a:cs typeface="Times New Roman" panose="02020603050405020304" pitchFamily="18" charset="0"/>
+              </a:rPr>
+              <a:t>các</a:t>
+            </a:r>
+            <a:r>
+              <a:rPr lang="en-US" sz="2400" dirty="0">
+                <a:latin typeface="Times New Roman" panose="02020603050405020304" pitchFamily="18" charset="0"/>
+                <a:cs typeface="Times New Roman" panose="02020603050405020304" pitchFamily="18" charset="0"/>
+              </a:rPr>
+              <a:t> </a:t>
+            </a:r>
+            <a:r>
+              <a:rPr lang="en-US" sz="2400" dirty="0" err="1">
+                <a:latin typeface="Times New Roman" panose="02020603050405020304" pitchFamily="18" charset="0"/>
+                <a:cs typeface="Times New Roman" panose="02020603050405020304" pitchFamily="18" charset="0"/>
+              </a:rPr>
+              <a:t>máy</a:t>
+            </a:r>
+            <a:r>
+              <a:rPr lang="en-US" sz="2400" dirty="0">
+                <a:latin typeface="Times New Roman" panose="02020603050405020304" pitchFamily="18" charset="0"/>
+                <a:cs typeface="Times New Roman" panose="02020603050405020304" pitchFamily="18" charset="0"/>
+              </a:rPr>
+              <a:t> </a:t>
+            </a:r>
+            <a:r>
+              <a:rPr lang="en-US" sz="2400" dirty="0" err="1">
+                <a:latin typeface="Times New Roman" panose="02020603050405020304" pitchFamily="18" charset="0"/>
+                <a:cs typeface="Times New Roman" panose="02020603050405020304" pitchFamily="18" charset="0"/>
+              </a:rPr>
+              <a:t>có</a:t>
+            </a:r>
+            <a:r>
+              <a:rPr lang="en-US" sz="2400" dirty="0">
+                <a:latin typeface="Times New Roman" panose="02020603050405020304" pitchFamily="18" charset="0"/>
+                <a:cs typeface="Times New Roman" panose="02020603050405020304" pitchFamily="18" charset="0"/>
+              </a:rPr>
+              <a:t> </a:t>
+            </a:r>
+            <a:r>
+              <a:rPr lang="en-US" sz="2400" dirty="0" err="1">
+                <a:latin typeface="Times New Roman" panose="02020603050405020304" pitchFamily="18" charset="0"/>
+                <a:cs typeface="Times New Roman" panose="02020603050405020304" pitchFamily="18" charset="0"/>
+              </a:rPr>
+              <a:t>thể</a:t>
+            </a:r>
+            <a:r>
+              <a:rPr lang="en-US" sz="2400" dirty="0">
+                <a:latin typeface="Times New Roman" panose="02020603050405020304" pitchFamily="18" charset="0"/>
+                <a:cs typeface="Times New Roman" panose="02020603050405020304" pitchFamily="18" charset="0"/>
+              </a:rPr>
+              <a:t> </a:t>
+            </a:r>
+            <a:r>
+              <a:rPr lang="en-US" sz="2400" dirty="0" err="1">
+                <a:latin typeface="Times New Roman" panose="02020603050405020304" pitchFamily="18" charset="0"/>
+                <a:cs typeface="Times New Roman" panose="02020603050405020304" pitchFamily="18" charset="0"/>
+              </a:rPr>
+              <a:t>truy</a:t>
+            </a:r>
+            <a:r>
+              <a:rPr lang="en-US" sz="2400" dirty="0">
+                <a:latin typeface="Times New Roman" panose="02020603050405020304" pitchFamily="18" charset="0"/>
+                <a:cs typeface="Times New Roman" panose="02020603050405020304" pitchFamily="18" charset="0"/>
+              </a:rPr>
+              <a:t> </a:t>
+            </a:r>
+            <a:r>
+              <a:rPr lang="en-US" sz="2400" dirty="0" err="1">
+                <a:latin typeface="Times New Roman" panose="02020603050405020304" pitchFamily="18" charset="0"/>
+                <a:cs typeface="Times New Roman" panose="02020603050405020304" pitchFamily="18" charset="0"/>
+              </a:rPr>
+              <a:t>cập</a:t>
+            </a:r>
+            <a:r>
+              <a:rPr lang="en-US" sz="2400" dirty="0">
+                <a:latin typeface="Times New Roman" panose="02020603050405020304" pitchFamily="18" charset="0"/>
+                <a:cs typeface="Times New Roman" panose="02020603050405020304" pitchFamily="18" charset="0"/>
+              </a:rPr>
+              <a:t> </a:t>
+            </a:r>
+            <a:r>
+              <a:rPr lang="en-US" sz="2400" dirty="0" err="1">
+                <a:latin typeface="Times New Roman" panose="02020603050405020304" pitchFamily="18" charset="0"/>
+                <a:cs typeface="Times New Roman" panose="02020603050405020304" pitchFamily="18" charset="0"/>
+              </a:rPr>
+              <a:t>được</a:t>
+            </a:r>
+            <a:r>
+              <a:rPr lang="en-US" sz="2400" dirty="0">
+                <a:latin typeface="Times New Roman" panose="02020603050405020304" pitchFamily="18" charset="0"/>
+                <a:cs typeface="Times New Roman" panose="02020603050405020304" pitchFamily="18" charset="0"/>
+              </a:rPr>
+              <a:t> </a:t>
+            </a:r>
+            <a:r>
+              <a:rPr lang="en-US" sz="2400" dirty="0" err="1">
+                <a:latin typeface="Times New Roman" panose="02020603050405020304" pitchFamily="18" charset="0"/>
+                <a:cs typeface="Times New Roman" panose="02020603050405020304" pitchFamily="18" charset="0"/>
+              </a:rPr>
+              <a:t>phần</a:t>
+            </a:r>
+            <a:r>
+              <a:rPr lang="en-US" sz="2400" dirty="0">
+                <a:latin typeface="Times New Roman" panose="02020603050405020304" pitchFamily="18" charset="0"/>
+                <a:cs typeface="Times New Roman" panose="02020603050405020304" pitchFamily="18" charset="0"/>
+              </a:rPr>
+              <a:t> </a:t>
+            </a:r>
+            <a:r>
+              <a:rPr lang="en-US" sz="2400" dirty="0" err="1">
+                <a:latin typeface="Times New Roman" panose="02020603050405020304" pitchFamily="18" charset="0"/>
+                <a:cs typeface="Times New Roman" panose="02020603050405020304" pitchFamily="18" charset="0"/>
+              </a:rPr>
+              <a:t>mềm</a:t>
+            </a:r>
+            <a:r>
+              <a:rPr lang="en-US" sz="2400" dirty="0">
+                <a:latin typeface="Times New Roman" panose="02020603050405020304" pitchFamily="18" charset="0"/>
+                <a:cs typeface="Times New Roman" panose="02020603050405020304" pitchFamily="18" charset="0"/>
+              </a:rPr>
+              <a:t> </a:t>
+            </a:r>
+            <a:r>
+              <a:rPr lang="en-US" sz="2400" dirty="0" err="1">
+                <a:latin typeface="Times New Roman" panose="02020603050405020304" pitchFamily="18" charset="0"/>
+                <a:cs typeface="Times New Roman" panose="02020603050405020304" pitchFamily="18" charset="0"/>
+              </a:rPr>
+              <a:t>Odoo</a:t>
+            </a:r>
+            <a:r>
+              <a:rPr lang="en-US" sz="2400" dirty="0">
+                <a:latin typeface="Times New Roman" panose="02020603050405020304" pitchFamily="18" charset="0"/>
+                <a:cs typeface="Times New Roman" panose="02020603050405020304" pitchFamily="18" charset="0"/>
+              </a:rPr>
+              <a:t> </a:t>
+            </a:r>
+            <a:r>
+              <a:rPr lang="en-US" sz="2400" dirty="0" err="1">
+                <a:latin typeface="Times New Roman" panose="02020603050405020304" pitchFamily="18" charset="0"/>
+                <a:cs typeface="Times New Roman" panose="02020603050405020304" pitchFamily="18" charset="0"/>
+              </a:rPr>
+              <a:t>trên</a:t>
+            </a:r>
+            <a:r>
+              <a:rPr lang="en-US" sz="2400" dirty="0">
+                <a:latin typeface="Times New Roman" panose="02020603050405020304" pitchFamily="18" charset="0"/>
+                <a:cs typeface="Times New Roman" panose="02020603050405020304" pitchFamily="18" charset="0"/>
+              </a:rPr>
+              <a:t> </a:t>
+            </a:r>
+            <a:r>
+              <a:rPr lang="en-US" sz="2400" dirty="0" err="1">
+                <a:latin typeface="Times New Roman" panose="02020603050405020304" pitchFamily="18" charset="0"/>
+                <a:cs typeface="Times New Roman" panose="02020603050405020304" pitchFamily="18" charset="0"/>
+              </a:rPr>
+              <a:t>máy</a:t>
+            </a:r>
+            <a:r>
+              <a:rPr lang="en-US" sz="2400" dirty="0">
+                <a:latin typeface="Times New Roman" panose="02020603050405020304" pitchFamily="18" charset="0"/>
+                <a:cs typeface="Times New Roman" panose="02020603050405020304" pitchFamily="18" charset="0"/>
+              </a:rPr>
+              <a:t> </a:t>
+            </a:r>
+            <a:r>
+              <a:rPr lang="en-US" sz="2400" dirty="0" err="1">
+                <a:latin typeface="Times New Roman" panose="02020603050405020304" pitchFamily="18" charset="0"/>
+                <a:cs typeface="Times New Roman" panose="02020603050405020304" pitchFamily="18" charset="0"/>
+              </a:rPr>
+              <a:t>chủ</a:t>
+            </a:r>
+            <a:r>
+              <a:rPr lang="en-US" sz="2400" dirty="0">
+                <a:latin typeface="Times New Roman" panose="02020603050405020304" pitchFamily="18" charset="0"/>
+                <a:cs typeface="Times New Roman" panose="02020603050405020304" pitchFamily="18" charset="0"/>
+              </a:rPr>
+              <a:t>. </a:t>
             </a:r>
           </a:p>
           <a:p>
-            <a:pPr lvl="0"/>
+            <a:pPr marL="571500" indent="-457200">
+              <a:buFont typeface="Wingdings" panose="05000000000000000000" pitchFamily="2" charset="2"/>
+              <a:buChar char="Ø"/>
+            </a:pPr>
+            <a:r>
+              <a:rPr lang="en-US" sz="2400" dirty="0">
+                <a:latin typeface="Times New Roman" panose="02020603050405020304" pitchFamily="18" charset="0"/>
+                <a:cs typeface="Times New Roman" panose="02020603050405020304" pitchFamily="18" charset="0"/>
+              </a:rPr>
+              <a:t>   </a:t>
+            </a:r>
+            <a:r>
+              <a:rPr lang="en-US" sz="2400" dirty="0" err="1">
+                <a:latin typeface="Times New Roman" panose="02020603050405020304" pitchFamily="18" charset="0"/>
+                <a:cs typeface="Times New Roman" panose="02020603050405020304" pitchFamily="18" charset="0"/>
+              </a:rPr>
+              <a:t>Nhân</a:t>
+            </a:r>
+            <a:r>
+              <a:rPr lang="en-US" sz="2400" dirty="0">
+                <a:latin typeface="Times New Roman" panose="02020603050405020304" pitchFamily="18" charset="0"/>
+                <a:cs typeface="Times New Roman" panose="02020603050405020304" pitchFamily="18" charset="0"/>
+              </a:rPr>
+              <a:t> </a:t>
+            </a:r>
+            <a:r>
+              <a:rPr lang="en-US" sz="2400" dirty="0" err="1">
+                <a:latin typeface="Times New Roman" panose="02020603050405020304" pitchFamily="18" charset="0"/>
+                <a:cs typeface="Times New Roman" panose="02020603050405020304" pitchFamily="18" charset="0"/>
+              </a:rPr>
+              <a:t>viên</a:t>
+            </a:r>
+            <a:r>
+              <a:rPr lang="en-US" sz="2400" dirty="0">
+                <a:latin typeface="Times New Roman" panose="02020603050405020304" pitchFamily="18" charset="0"/>
+                <a:cs typeface="Times New Roman" panose="02020603050405020304" pitchFamily="18" charset="0"/>
+              </a:rPr>
+              <a:t> </a:t>
+            </a:r>
+            <a:r>
+              <a:rPr lang="en-US" sz="2400" dirty="0" err="1">
+                <a:latin typeface="Times New Roman" panose="02020603050405020304" pitchFamily="18" charset="0"/>
+                <a:cs typeface="Times New Roman" panose="02020603050405020304" pitchFamily="18" charset="0"/>
+              </a:rPr>
+              <a:t>sẽ</a:t>
+            </a:r>
+            <a:r>
+              <a:rPr lang="en-US" sz="2400" dirty="0">
+                <a:latin typeface="Times New Roman" panose="02020603050405020304" pitchFamily="18" charset="0"/>
+                <a:cs typeface="Times New Roman" panose="02020603050405020304" pitchFamily="18" charset="0"/>
+              </a:rPr>
+              <a:t> </a:t>
+            </a:r>
+            <a:r>
+              <a:rPr lang="en-US" sz="2400" dirty="0" err="1">
+                <a:latin typeface="Times New Roman" panose="02020603050405020304" pitchFamily="18" charset="0"/>
+                <a:cs typeface="Times New Roman" panose="02020603050405020304" pitchFamily="18" charset="0"/>
+              </a:rPr>
+              <a:t>được</a:t>
+            </a:r>
+            <a:r>
+              <a:rPr lang="en-US" sz="2400" dirty="0">
+                <a:latin typeface="Times New Roman" panose="02020603050405020304" pitchFamily="18" charset="0"/>
+                <a:cs typeface="Times New Roman" panose="02020603050405020304" pitchFamily="18" charset="0"/>
+              </a:rPr>
+              <a:t> </a:t>
+            </a:r>
+            <a:r>
+              <a:rPr lang="en-US" sz="2400" dirty="0" err="1">
+                <a:latin typeface="Times New Roman" panose="02020603050405020304" pitchFamily="18" charset="0"/>
+                <a:cs typeface="Times New Roman" panose="02020603050405020304" pitchFamily="18" charset="0"/>
+              </a:rPr>
+              <a:t>sử</a:t>
+            </a:r>
+            <a:r>
+              <a:rPr lang="en-US" sz="2400" dirty="0">
+                <a:latin typeface="Times New Roman" panose="02020603050405020304" pitchFamily="18" charset="0"/>
+                <a:cs typeface="Times New Roman" panose="02020603050405020304" pitchFamily="18" charset="0"/>
+              </a:rPr>
+              <a:t> </a:t>
+            </a:r>
+            <a:r>
+              <a:rPr lang="en-US" sz="2400" dirty="0" err="1">
+                <a:latin typeface="Times New Roman" panose="02020603050405020304" pitchFamily="18" charset="0"/>
+                <a:cs typeface="Times New Roman" panose="02020603050405020304" pitchFamily="18" charset="0"/>
+              </a:rPr>
+              <a:t>dụng</a:t>
+            </a:r>
+            <a:r>
+              <a:rPr lang="en-US" sz="2400" dirty="0">
+                <a:latin typeface="Times New Roman" panose="02020603050405020304" pitchFamily="18" charset="0"/>
+                <a:cs typeface="Times New Roman" panose="02020603050405020304" pitchFamily="18" charset="0"/>
+              </a:rPr>
+              <a:t> </a:t>
+            </a:r>
+            <a:r>
+              <a:rPr lang="en-US" sz="2400" dirty="0" err="1">
+                <a:latin typeface="Times New Roman" panose="02020603050405020304" pitchFamily="18" charset="0"/>
+                <a:cs typeface="Times New Roman" panose="02020603050405020304" pitchFamily="18" charset="0"/>
+              </a:rPr>
+              <a:t>phần</a:t>
+            </a:r>
+            <a:r>
+              <a:rPr lang="en-US" sz="2400" dirty="0">
+                <a:latin typeface="Times New Roman" panose="02020603050405020304" pitchFamily="18" charset="0"/>
+                <a:cs typeface="Times New Roman" panose="02020603050405020304" pitchFamily="18" charset="0"/>
+              </a:rPr>
+              <a:t> </a:t>
+            </a:r>
+            <a:r>
+              <a:rPr lang="en-US" sz="2400" dirty="0" err="1">
+                <a:latin typeface="Times New Roman" panose="02020603050405020304" pitchFamily="18" charset="0"/>
+                <a:cs typeface="Times New Roman" panose="02020603050405020304" pitchFamily="18" charset="0"/>
+              </a:rPr>
+              <a:t>mềm</a:t>
+            </a:r>
+            <a:r>
+              <a:rPr lang="en-US" sz="2400" dirty="0">
+                <a:latin typeface="Times New Roman" panose="02020603050405020304" pitchFamily="18" charset="0"/>
+                <a:cs typeface="Times New Roman" panose="02020603050405020304" pitchFamily="18" charset="0"/>
+              </a:rPr>
+              <a:t> </a:t>
+            </a:r>
+            <a:r>
+              <a:rPr lang="en-US" sz="2400" dirty="0" err="1">
+                <a:latin typeface="Times New Roman" panose="02020603050405020304" pitchFamily="18" charset="0"/>
+                <a:cs typeface="Times New Roman" panose="02020603050405020304" pitchFamily="18" charset="0"/>
+              </a:rPr>
+              <a:t>để</a:t>
+            </a:r>
+            <a:r>
+              <a:rPr lang="en-US" sz="2400" dirty="0">
+                <a:latin typeface="Times New Roman" panose="02020603050405020304" pitchFamily="18" charset="0"/>
+                <a:cs typeface="Times New Roman" panose="02020603050405020304" pitchFamily="18" charset="0"/>
+              </a:rPr>
+              <a:t> </a:t>
+            </a:r>
+            <a:r>
+              <a:rPr lang="en-US" sz="2400" dirty="0" err="1">
+                <a:latin typeface="Times New Roman" panose="02020603050405020304" pitchFamily="18" charset="0"/>
+                <a:cs typeface="Times New Roman" panose="02020603050405020304" pitchFamily="18" charset="0"/>
+              </a:rPr>
+              <a:t>lập</a:t>
+            </a:r>
+            <a:r>
+              <a:rPr lang="en-US" sz="2400" dirty="0">
+                <a:latin typeface="Times New Roman" panose="02020603050405020304" pitchFamily="18" charset="0"/>
+                <a:cs typeface="Times New Roman" panose="02020603050405020304" pitchFamily="18" charset="0"/>
+              </a:rPr>
+              <a:t> </a:t>
+            </a:r>
+            <a:r>
+              <a:rPr lang="en-US" sz="2400" dirty="0" err="1">
+                <a:latin typeface="Times New Roman" panose="02020603050405020304" pitchFamily="18" charset="0"/>
+                <a:cs typeface="Times New Roman" panose="02020603050405020304" pitchFamily="18" charset="0"/>
+              </a:rPr>
+              <a:t>lệnh</a:t>
+            </a:r>
+            <a:r>
+              <a:rPr lang="en-US" sz="2400" dirty="0">
+                <a:latin typeface="Times New Roman" panose="02020603050405020304" pitchFamily="18" charset="0"/>
+                <a:cs typeface="Times New Roman" panose="02020603050405020304" pitchFamily="18" charset="0"/>
+              </a:rPr>
+              <a:t> </a:t>
+            </a:r>
+            <a:r>
+              <a:rPr lang="en-US" sz="2400" dirty="0" err="1">
+                <a:latin typeface="Times New Roman" panose="02020603050405020304" pitchFamily="18" charset="0"/>
+                <a:cs typeface="Times New Roman" panose="02020603050405020304" pitchFamily="18" charset="0"/>
+              </a:rPr>
+              <a:t>sản</a:t>
+            </a:r>
+            <a:r>
+              <a:rPr lang="en-US" sz="2400" dirty="0">
+                <a:latin typeface="Times New Roman" panose="02020603050405020304" pitchFamily="18" charset="0"/>
+                <a:cs typeface="Times New Roman" panose="02020603050405020304" pitchFamily="18" charset="0"/>
+              </a:rPr>
+              <a:t> </a:t>
+            </a:r>
+            <a:r>
+              <a:rPr lang="en-US" sz="2400" dirty="0" err="1">
+                <a:latin typeface="Times New Roman" panose="02020603050405020304" pitchFamily="18" charset="0"/>
+                <a:cs typeface="Times New Roman" panose="02020603050405020304" pitchFamily="18" charset="0"/>
+              </a:rPr>
+              <a:t>xuất</a:t>
+            </a:r>
+            <a:r>
+              <a:rPr lang="en-US" sz="2400" dirty="0">
+                <a:latin typeface="Times New Roman" panose="02020603050405020304" pitchFamily="18" charset="0"/>
+                <a:cs typeface="Times New Roman" panose="02020603050405020304" pitchFamily="18" charset="0"/>
+              </a:rPr>
+              <a:t>, </a:t>
+            </a:r>
+            <a:r>
+              <a:rPr lang="en-US" sz="2400" dirty="0" err="1">
+                <a:latin typeface="Times New Roman" panose="02020603050405020304" pitchFamily="18" charset="0"/>
+                <a:cs typeface="Times New Roman" panose="02020603050405020304" pitchFamily="18" charset="0"/>
+              </a:rPr>
+              <a:t>nhập</a:t>
+            </a:r>
+            <a:r>
+              <a:rPr lang="en-US" sz="2400" dirty="0">
+                <a:latin typeface="Times New Roman" panose="02020603050405020304" pitchFamily="18" charset="0"/>
+                <a:cs typeface="Times New Roman" panose="02020603050405020304" pitchFamily="18" charset="0"/>
+              </a:rPr>
+              <a:t> </a:t>
+            </a:r>
+            <a:r>
+              <a:rPr lang="en-US" sz="2400" dirty="0" err="1">
+                <a:latin typeface="Times New Roman" panose="02020603050405020304" pitchFamily="18" charset="0"/>
+                <a:cs typeface="Times New Roman" panose="02020603050405020304" pitchFamily="18" charset="0"/>
+              </a:rPr>
+              <a:t>vào</a:t>
+            </a:r>
+            <a:r>
+              <a:rPr lang="en-US" sz="2400" dirty="0">
+                <a:latin typeface="Times New Roman" panose="02020603050405020304" pitchFamily="18" charset="0"/>
+                <a:cs typeface="Times New Roman" panose="02020603050405020304" pitchFamily="18" charset="0"/>
+              </a:rPr>
+              <a:t> </a:t>
+            </a:r>
+            <a:r>
+              <a:rPr lang="en-US" sz="2400" dirty="0" err="1">
+                <a:latin typeface="Times New Roman" panose="02020603050405020304" pitchFamily="18" charset="0"/>
+                <a:cs typeface="Times New Roman" panose="02020603050405020304" pitchFamily="18" charset="0"/>
+              </a:rPr>
+              <a:t>các</a:t>
+            </a:r>
+            <a:r>
+              <a:rPr lang="en-US" sz="2400" dirty="0">
+                <a:latin typeface="Times New Roman" panose="02020603050405020304" pitchFamily="18" charset="0"/>
+                <a:cs typeface="Times New Roman" panose="02020603050405020304" pitchFamily="18" charset="0"/>
+              </a:rPr>
+              <a:t> </a:t>
+            </a:r>
+            <a:r>
+              <a:rPr lang="en-US" sz="2400" dirty="0" err="1">
+                <a:latin typeface="Times New Roman" panose="02020603050405020304" pitchFamily="18" charset="0"/>
+                <a:cs typeface="Times New Roman" panose="02020603050405020304" pitchFamily="18" charset="0"/>
+              </a:rPr>
+              <a:t>số</a:t>
+            </a:r>
+            <a:r>
+              <a:rPr lang="en-US" sz="2400" dirty="0">
+                <a:latin typeface="Times New Roman" panose="02020603050405020304" pitchFamily="18" charset="0"/>
+                <a:cs typeface="Times New Roman" panose="02020603050405020304" pitchFamily="18" charset="0"/>
+              </a:rPr>
+              <a:t> </a:t>
+            </a:r>
+            <a:r>
+              <a:rPr lang="en-US" sz="2400" dirty="0" err="1">
+                <a:latin typeface="Times New Roman" panose="02020603050405020304" pitchFamily="18" charset="0"/>
+                <a:cs typeface="Times New Roman" panose="02020603050405020304" pitchFamily="18" charset="0"/>
+              </a:rPr>
+              <a:t>liệu</a:t>
+            </a:r>
+            <a:r>
+              <a:rPr lang="en-US" sz="2400" dirty="0">
+                <a:latin typeface="Times New Roman" panose="02020603050405020304" pitchFamily="18" charset="0"/>
+                <a:cs typeface="Times New Roman" panose="02020603050405020304" pitchFamily="18" charset="0"/>
+              </a:rPr>
+              <a:t> </a:t>
+            </a:r>
+            <a:r>
+              <a:rPr lang="en-US" sz="2400" dirty="0" err="1">
+                <a:latin typeface="Times New Roman" panose="02020603050405020304" pitchFamily="18" charset="0"/>
+                <a:cs typeface="Times New Roman" panose="02020603050405020304" pitchFamily="18" charset="0"/>
+              </a:rPr>
+              <a:t>phù</a:t>
+            </a:r>
+            <a:r>
+              <a:rPr lang="en-US" sz="2400" dirty="0">
+                <a:latin typeface="Times New Roman" panose="02020603050405020304" pitchFamily="18" charset="0"/>
+                <a:cs typeface="Times New Roman" panose="02020603050405020304" pitchFamily="18" charset="0"/>
+              </a:rPr>
+              <a:t> </a:t>
+            </a:r>
+            <a:r>
+              <a:rPr lang="en-US" sz="2400" dirty="0" err="1">
+                <a:latin typeface="Times New Roman" panose="02020603050405020304" pitchFamily="18" charset="0"/>
+                <a:cs typeface="Times New Roman" panose="02020603050405020304" pitchFamily="18" charset="0"/>
+              </a:rPr>
+              <a:t>hợp</a:t>
+            </a:r>
+            <a:r>
+              <a:rPr lang="en-US" sz="2400" dirty="0">
+                <a:latin typeface="Times New Roman" panose="02020603050405020304" pitchFamily="18" charset="0"/>
+                <a:cs typeface="Times New Roman" panose="02020603050405020304" pitchFamily="18" charset="0"/>
+              </a:rPr>
+              <a:t> </a:t>
+            </a:r>
+            <a:r>
+              <a:rPr lang="en-US" sz="2400" dirty="0" err="1">
+                <a:latin typeface="Times New Roman" panose="02020603050405020304" pitchFamily="18" charset="0"/>
+                <a:cs typeface="Times New Roman" panose="02020603050405020304" pitchFamily="18" charset="0"/>
+              </a:rPr>
+              <a:t>cho</a:t>
+            </a:r>
+            <a:r>
+              <a:rPr lang="en-US" sz="2400" dirty="0">
+                <a:latin typeface="Times New Roman" panose="02020603050405020304" pitchFamily="18" charset="0"/>
+                <a:cs typeface="Times New Roman" panose="02020603050405020304" pitchFamily="18" charset="0"/>
+              </a:rPr>
+              <a:t> </a:t>
+            </a:r>
+            <a:r>
+              <a:rPr lang="en-US" sz="2400" dirty="0" err="1">
+                <a:latin typeface="Times New Roman" panose="02020603050405020304" pitchFamily="18" charset="0"/>
+                <a:cs typeface="Times New Roman" panose="02020603050405020304" pitchFamily="18" charset="0"/>
+              </a:rPr>
+              <a:t>việc</a:t>
+            </a:r>
+            <a:r>
+              <a:rPr lang="en-US" sz="2400" dirty="0">
+                <a:latin typeface="Times New Roman" panose="02020603050405020304" pitchFamily="18" charset="0"/>
+                <a:cs typeface="Times New Roman" panose="02020603050405020304" pitchFamily="18" charset="0"/>
+              </a:rPr>
+              <a:t> </a:t>
+            </a:r>
+            <a:r>
+              <a:rPr lang="en-US" sz="2400" dirty="0" err="1">
+                <a:latin typeface="Times New Roman" panose="02020603050405020304" pitchFamily="18" charset="0"/>
+                <a:cs typeface="Times New Roman" panose="02020603050405020304" pitchFamily="18" charset="0"/>
+              </a:rPr>
+              <a:t>sản</a:t>
+            </a:r>
+            <a:r>
+              <a:rPr lang="en-US" sz="2400" dirty="0">
+                <a:latin typeface="Times New Roman" panose="02020603050405020304" pitchFamily="18" charset="0"/>
+                <a:cs typeface="Times New Roman" panose="02020603050405020304" pitchFamily="18" charset="0"/>
+              </a:rPr>
+              <a:t> </a:t>
+            </a:r>
+            <a:r>
+              <a:rPr lang="en-US" sz="2400" dirty="0" err="1">
+                <a:latin typeface="Times New Roman" panose="02020603050405020304" pitchFamily="18" charset="0"/>
+                <a:cs typeface="Times New Roman" panose="02020603050405020304" pitchFamily="18" charset="0"/>
+              </a:rPr>
+              <a:t>xuất</a:t>
+            </a:r>
+            <a:r>
+              <a:rPr lang="en-US" sz="2400" dirty="0">
+                <a:latin typeface="Times New Roman" panose="02020603050405020304" pitchFamily="18" charset="0"/>
+                <a:cs typeface="Times New Roman" panose="02020603050405020304" pitchFamily="18" charset="0"/>
+              </a:rPr>
+              <a:t>, </a:t>
+            </a:r>
+            <a:r>
+              <a:rPr lang="en-US" sz="2400" dirty="0" err="1">
+                <a:latin typeface="Times New Roman" panose="02020603050405020304" pitchFamily="18" charset="0"/>
+                <a:cs typeface="Times New Roman" panose="02020603050405020304" pitchFamily="18" charset="0"/>
+              </a:rPr>
+              <a:t>các</a:t>
+            </a:r>
+            <a:r>
+              <a:rPr lang="en-US" sz="2400" dirty="0">
+                <a:latin typeface="Times New Roman" panose="02020603050405020304" pitchFamily="18" charset="0"/>
+                <a:cs typeface="Times New Roman" panose="02020603050405020304" pitchFamily="18" charset="0"/>
+              </a:rPr>
+              <a:t> </a:t>
+            </a:r>
+            <a:r>
+              <a:rPr lang="en-US" sz="2400" dirty="0" err="1">
+                <a:latin typeface="Times New Roman" panose="02020603050405020304" pitchFamily="18" charset="0"/>
+                <a:cs typeface="Times New Roman" panose="02020603050405020304" pitchFamily="18" charset="0"/>
+              </a:rPr>
+              <a:t>nguyên</a:t>
+            </a:r>
+            <a:r>
+              <a:rPr lang="en-US" sz="2400" dirty="0">
+                <a:latin typeface="Times New Roman" panose="02020603050405020304" pitchFamily="18" charset="0"/>
+                <a:cs typeface="Times New Roman" panose="02020603050405020304" pitchFamily="18" charset="0"/>
+              </a:rPr>
+              <a:t> </a:t>
+            </a:r>
+            <a:r>
+              <a:rPr lang="en-US" sz="2400" dirty="0" err="1">
+                <a:latin typeface="Times New Roman" panose="02020603050405020304" pitchFamily="18" charset="0"/>
+                <a:cs typeface="Times New Roman" panose="02020603050405020304" pitchFamily="18" charset="0"/>
+              </a:rPr>
+              <a:t>vật</a:t>
+            </a:r>
+            <a:r>
+              <a:rPr lang="en-US" sz="2400" dirty="0">
+                <a:latin typeface="Times New Roman" panose="02020603050405020304" pitchFamily="18" charset="0"/>
+                <a:cs typeface="Times New Roman" panose="02020603050405020304" pitchFamily="18" charset="0"/>
+              </a:rPr>
+              <a:t> </a:t>
+            </a:r>
+            <a:r>
+              <a:rPr lang="en-US" sz="2400" dirty="0" err="1">
+                <a:latin typeface="Times New Roman" panose="02020603050405020304" pitchFamily="18" charset="0"/>
+                <a:cs typeface="Times New Roman" panose="02020603050405020304" pitchFamily="18" charset="0"/>
+              </a:rPr>
+              <a:t>liệu</a:t>
+            </a:r>
+            <a:r>
+              <a:rPr lang="en-US" sz="2400" dirty="0">
+                <a:latin typeface="Times New Roman" panose="02020603050405020304" pitchFamily="18" charset="0"/>
+                <a:cs typeface="Times New Roman" panose="02020603050405020304" pitchFamily="18" charset="0"/>
+              </a:rPr>
+              <a:t> </a:t>
+            </a:r>
+            <a:r>
+              <a:rPr lang="en-US" sz="2400" dirty="0" err="1">
+                <a:latin typeface="Times New Roman" panose="02020603050405020304" pitchFamily="18" charset="0"/>
+                <a:cs typeface="Times New Roman" panose="02020603050405020304" pitchFamily="18" charset="0"/>
+              </a:rPr>
+              <a:t>cần</a:t>
+            </a:r>
+            <a:r>
+              <a:rPr lang="en-US" sz="2400" dirty="0">
+                <a:latin typeface="Times New Roman" panose="02020603050405020304" pitchFamily="18" charset="0"/>
+                <a:cs typeface="Times New Roman" panose="02020603050405020304" pitchFamily="18" charset="0"/>
+              </a:rPr>
+              <a:t> </a:t>
+            </a:r>
+            <a:r>
+              <a:rPr lang="en-US" sz="2400" dirty="0" err="1">
+                <a:latin typeface="Times New Roman" panose="02020603050405020304" pitchFamily="18" charset="0"/>
+                <a:cs typeface="Times New Roman" panose="02020603050405020304" pitchFamily="18" charset="0"/>
+              </a:rPr>
+              <a:t>thiết</a:t>
+            </a:r>
+            <a:r>
+              <a:rPr lang="en-US" sz="2400" dirty="0">
+                <a:latin typeface="Times New Roman" panose="02020603050405020304" pitchFamily="18" charset="0"/>
+                <a:cs typeface="Times New Roman" panose="02020603050405020304" pitchFamily="18" charset="0"/>
+              </a:rPr>
+              <a:t> </a:t>
+            </a:r>
+            <a:r>
+              <a:rPr lang="en-US" sz="2400" dirty="0" err="1">
+                <a:latin typeface="Times New Roman" panose="02020603050405020304" pitchFamily="18" charset="0"/>
+                <a:cs typeface="Times New Roman" panose="02020603050405020304" pitchFamily="18" charset="0"/>
+              </a:rPr>
+              <a:t>để</a:t>
+            </a:r>
+            <a:r>
+              <a:rPr lang="en-US" sz="2400" dirty="0">
+                <a:latin typeface="Times New Roman" panose="02020603050405020304" pitchFamily="18" charset="0"/>
+                <a:cs typeface="Times New Roman" panose="02020603050405020304" pitchFamily="18" charset="0"/>
+              </a:rPr>
+              <a:t> </a:t>
+            </a:r>
+            <a:r>
+              <a:rPr lang="en-US" sz="2400" dirty="0" err="1">
+                <a:latin typeface="Times New Roman" panose="02020603050405020304" pitchFamily="18" charset="0"/>
+                <a:cs typeface="Times New Roman" panose="02020603050405020304" pitchFamily="18" charset="0"/>
+              </a:rPr>
+              <a:t>sản</a:t>
+            </a:r>
+            <a:r>
+              <a:rPr lang="en-US" sz="2400" dirty="0">
+                <a:latin typeface="Times New Roman" panose="02020603050405020304" pitchFamily="18" charset="0"/>
+                <a:cs typeface="Times New Roman" panose="02020603050405020304" pitchFamily="18" charset="0"/>
+              </a:rPr>
+              <a:t> </a:t>
+            </a:r>
+            <a:r>
+              <a:rPr lang="en-US" sz="2400" dirty="0" err="1">
+                <a:latin typeface="Times New Roman" panose="02020603050405020304" pitchFamily="18" charset="0"/>
+                <a:cs typeface="Times New Roman" panose="02020603050405020304" pitchFamily="18" charset="0"/>
+              </a:rPr>
+              <a:t>xuất</a:t>
+            </a:r>
+            <a:r>
+              <a:rPr lang="en-US" sz="2400" dirty="0">
+                <a:latin typeface="Times New Roman" panose="02020603050405020304" pitchFamily="18" charset="0"/>
+                <a:cs typeface="Times New Roman" panose="02020603050405020304" pitchFamily="18" charset="0"/>
+              </a:rPr>
+              <a:t> </a:t>
+            </a:r>
+            <a:r>
+              <a:rPr lang="en-US" sz="2400" dirty="0" err="1">
+                <a:latin typeface="Times New Roman" panose="02020603050405020304" pitchFamily="18" charset="0"/>
+                <a:cs typeface="Times New Roman" panose="02020603050405020304" pitchFamily="18" charset="0"/>
+              </a:rPr>
+              <a:t>ra</a:t>
+            </a:r>
+            <a:r>
+              <a:rPr lang="en-US" sz="2400" dirty="0">
+                <a:latin typeface="Times New Roman" panose="02020603050405020304" pitchFamily="18" charset="0"/>
+                <a:cs typeface="Times New Roman" panose="02020603050405020304" pitchFamily="18" charset="0"/>
+              </a:rPr>
+              <a:t> </a:t>
+            </a:r>
+            <a:r>
+              <a:rPr lang="en-US" sz="2400" dirty="0" err="1">
+                <a:latin typeface="Times New Roman" panose="02020603050405020304" pitchFamily="18" charset="0"/>
+                <a:cs typeface="Times New Roman" panose="02020603050405020304" pitchFamily="18" charset="0"/>
+              </a:rPr>
+              <a:t>sản</a:t>
+            </a:r>
+            <a:r>
+              <a:rPr lang="en-US" sz="2400" dirty="0">
+                <a:latin typeface="Times New Roman" panose="02020603050405020304" pitchFamily="18" charset="0"/>
+                <a:cs typeface="Times New Roman" panose="02020603050405020304" pitchFamily="18" charset="0"/>
+              </a:rPr>
+              <a:t> </a:t>
+            </a:r>
+            <a:r>
+              <a:rPr lang="en-US" sz="2400" dirty="0" err="1">
+                <a:latin typeface="Times New Roman" panose="02020603050405020304" pitchFamily="18" charset="0"/>
+                <a:cs typeface="Times New Roman" panose="02020603050405020304" pitchFamily="18" charset="0"/>
+              </a:rPr>
+              <a:t>phẩm</a:t>
+            </a:r>
+            <a:r>
+              <a:rPr lang="en-US" sz="2400" dirty="0">
+                <a:latin typeface="Times New Roman" panose="02020603050405020304" pitchFamily="18" charset="0"/>
+                <a:cs typeface="Times New Roman" panose="02020603050405020304" pitchFamily="18" charset="0"/>
+              </a:rPr>
+              <a:t> (BOM), </a:t>
+            </a:r>
+            <a:r>
+              <a:rPr lang="en-US" sz="2400" dirty="0" err="1">
+                <a:latin typeface="Times New Roman" panose="02020603050405020304" pitchFamily="18" charset="0"/>
+                <a:cs typeface="Times New Roman" panose="02020603050405020304" pitchFamily="18" charset="0"/>
+              </a:rPr>
+              <a:t>quản</a:t>
+            </a:r>
+            <a:r>
+              <a:rPr lang="en-US" sz="2400" dirty="0">
+                <a:latin typeface="Times New Roman" panose="02020603050405020304" pitchFamily="18" charset="0"/>
+                <a:cs typeface="Times New Roman" panose="02020603050405020304" pitchFamily="18" charset="0"/>
+              </a:rPr>
+              <a:t> </a:t>
+            </a:r>
+            <a:r>
+              <a:rPr lang="en-US" sz="2400" dirty="0" err="1">
+                <a:latin typeface="Times New Roman" panose="02020603050405020304" pitchFamily="18" charset="0"/>
+                <a:cs typeface="Times New Roman" panose="02020603050405020304" pitchFamily="18" charset="0"/>
+              </a:rPr>
+              <a:t>lý</a:t>
+            </a:r>
+            <a:r>
+              <a:rPr lang="en-US" sz="2400" dirty="0">
+                <a:latin typeface="Times New Roman" panose="02020603050405020304" pitchFamily="18" charset="0"/>
+                <a:cs typeface="Times New Roman" panose="02020603050405020304" pitchFamily="18" charset="0"/>
+              </a:rPr>
+              <a:t> </a:t>
+            </a:r>
+            <a:r>
+              <a:rPr lang="en-US" sz="2400" dirty="0" err="1">
+                <a:latin typeface="Times New Roman" panose="02020603050405020304" pitchFamily="18" charset="0"/>
+                <a:cs typeface="Times New Roman" panose="02020603050405020304" pitchFamily="18" charset="0"/>
+              </a:rPr>
+              <a:t>thời</a:t>
+            </a:r>
+            <a:r>
+              <a:rPr lang="en-US" sz="2400" dirty="0">
+                <a:latin typeface="Times New Roman" panose="02020603050405020304" pitchFamily="18" charset="0"/>
+                <a:cs typeface="Times New Roman" panose="02020603050405020304" pitchFamily="18" charset="0"/>
+              </a:rPr>
+              <a:t> </a:t>
+            </a:r>
+            <a:r>
+              <a:rPr lang="en-US" sz="2400" dirty="0" err="1">
+                <a:latin typeface="Times New Roman" panose="02020603050405020304" pitchFamily="18" charset="0"/>
+                <a:cs typeface="Times New Roman" panose="02020603050405020304" pitchFamily="18" charset="0"/>
+              </a:rPr>
+              <a:t>gian</a:t>
+            </a:r>
+            <a:r>
+              <a:rPr lang="en-US" sz="2400" dirty="0">
+                <a:latin typeface="Times New Roman" panose="02020603050405020304" pitchFamily="18" charset="0"/>
+                <a:cs typeface="Times New Roman" panose="02020603050405020304" pitchFamily="18" charset="0"/>
+              </a:rPr>
+              <a:t> </a:t>
+            </a:r>
+            <a:r>
+              <a:rPr lang="en-US" sz="2400" dirty="0" err="1">
+                <a:latin typeface="Times New Roman" panose="02020603050405020304" pitchFamily="18" charset="0"/>
+                <a:cs typeface="Times New Roman" panose="02020603050405020304" pitchFamily="18" charset="0"/>
+              </a:rPr>
+              <a:t>làm</a:t>
+            </a:r>
+            <a:r>
+              <a:rPr lang="en-US" sz="2400" dirty="0">
+                <a:latin typeface="Times New Roman" panose="02020603050405020304" pitchFamily="18" charset="0"/>
+                <a:cs typeface="Times New Roman" panose="02020603050405020304" pitchFamily="18" charset="0"/>
+              </a:rPr>
+              <a:t> </a:t>
+            </a:r>
+            <a:r>
+              <a:rPr lang="en-US" sz="2400" dirty="0" err="1">
+                <a:latin typeface="Times New Roman" panose="02020603050405020304" pitchFamily="18" charset="0"/>
+                <a:cs typeface="Times New Roman" panose="02020603050405020304" pitchFamily="18" charset="0"/>
+              </a:rPr>
+              <a:t>việc</a:t>
+            </a:r>
+            <a:r>
+              <a:rPr lang="en-US" sz="2400" dirty="0">
+                <a:latin typeface="Times New Roman" panose="02020603050405020304" pitchFamily="18" charset="0"/>
+                <a:cs typeface="Times New Roman" panose="02020603050405020304" pitchFamily="18" charset="0"/>
+              </a:rPr>
+              <a:t> </a:t>
+            </a:r>
+            <a:r>
+              <a:rPr lang="en-US" sz="2400" dirty="0" err="1">
+                <a:latin typeface="Times New Roman" panose="02020603050405020304" pitchFamily="18" charset="0"/>
+                <a:cs typeface="Times New Roman" panose="02020603050405020304" pitchFamily="18" charset="0"/>
+              </a:rPr>
+              <a:t>hiệu</a:t>
+            </a:r>
+            <a:r>
+              <a:rPr lang="en-US" sz="2400" dirty="0">
+                <a:latin typeface="Times New Roman" panose="02020603050405020304" pitchFamily="18" charset="0"/>
+                <a:cs typeface="Times New Roman" panose="02020603050405020304" pitchFamily="18" charset="0"/>
+              </a:rPr>
+              <a:t> </a:t>
+            </a:r>
+            <a:r>
+              <a:rPr lang="en-US" sz="2400" dirty="0" err="1">
+                <a:latin typeface="Times New Roman" panose="02020603050405020304" pitchFamily="18" charset="0"/>
+                <a:cs typeface="Times New Roman" panose="02020603050405020304" pitchFamily="18" charset="0"/>
+              </a:rPr>
+              <a:t>quả</a:t>
+            </a:r>
+            <a:r>
+              <a:rPr lang="en-US" sz="2400" dirty="0">
+                <a:latin typeface="Times New Roman" panose="02020603050405020304" pitchFamily="18" charset="0"/>
+                <a:cs typeface="Times New Roman" panose="02020603050405020304" pitchFamily="18" charset="0"/>
+              </a:rPr>
+              <a:t>.</a:t>
+            </a:r>
             <a:endParaRPr lang="en-US" sz="2400" b="1" dirty="0">
               <a:latin typeface="Times New Roman" panose="02020603050405020304" pitchFamily="18" charset="0"/>
               <a:cs typeface="Times New Roman" panose="02020603050405020304" pitchFamily="18" charset="0"/>
@@ -13554,29 +15963,1020 @@
               <a:t>  </a:t>
             </a:r>
             <a:r>
-              <a:rPr lang="en-US" sz="2800" dirty="0" err="1" smtClean="0">
-                <a:latin typeface="Times New Roman" panose="02020603050405020304" pitchFamily="18" charset="0"/>
-                <a:cs typeface="Times New Roman" panose="02020603050405020304" pitchFamily="18" charset="0"/>
-              </a:rPr>
-              <a:t>Quản</a:t>
-            </a:r>
-            <a:r>
-              <a:rPr lang="en-US" sz="2800" dirty="0" smtClean="0">
-                <a:latin typeface="Times New Roman" panose="02020603050405020304" pitchFamily="18" charset="0"/>
-                <a:cs typeface="Times New Roman" panose="02020603050405020304" pitchFamily="18" charset="0"/>
-              </a:rPr>
-              <a:t> </a:t>
-            </a:r>
-            <a:r>
               <a:rPr lang="en-US" sz="2800" dirty="0">
                 <a:latin typeface="Times New Roman" panose="02020603050405020304" pitchFamily="18" charset="0"/>
                 <a:cs typeface="Times New Roman" panose="02020603050405020304" pitchFamily="18" charset="0"/>
               </a:rPr>
-              <a:t>kho chuyển nguyên vật liệu và báo cáo tồn kho, tiến hành sản xuất theo yêu cầu, sản phẩm sau khi được sản xuất xong sẽ được chuyển về lại kho để giao hàng cho khách và các đại lý.</a:t>
-            </a:r>
-          </a:p>
-          <a:p>
-            <a:pPr lvl="0"/>
+              <a:t> </a:t>
+            </a:r>
+            <a:r>
+              <a:rPr lang="en-US" sz="2800" dirty="0" err="1">
+                <a:latin typeface="Times New Roman" panose="02020603050405020304" pitchFamily="18" charset="0"/>
+                <a:cs typeface="Times New Roman" panose="02020603050405020304" pitchFamily="18" charset="0"/>
+              </a:rPr>
+              <a:t>Phòng</a:t>
+            </a:r>
+            <a:r>
+              <a:rPr lang="en-US" sz="2800" dirty="0">
+                <a:latin typeface="Times New Roman" panose="02020603050405020304" pitchFamily="18" charset="0"/>
+                <a:cs typeface="Times New Roman" panose="02020603050405020304" pitchFamily="18" charset="0"/>
+              </a:rPr>
+              <a:t> </a:t>
+            </a:r>
+            <a:r>
+              <a:rPr lang="en-US" sz="2800" dirty="0" err="1">
+                <a:latin typeface="Times New Roman" panose="02020603050405020304" pitchFamily="18" charset="0"/>
+                <a:cs typeface="Times New Roman" panose="02020603050405020304" pitchFamily="18" charset="0"/>
+              </a:rPr>
+              <a:t>kế</a:t>
+            </a:r>
+            <a:r>
+              <a:rPr lang="en-US" sz="2800" dirty="0">
+                <a:latin typeface="Times New Roman" panose="02020603050405020304" pitchFamily="18" charset="0"/>
+                <a:cs typeface="Times New Roman" panose="02020603050405020304" pitchFamily="18" charset="0"/>
+              </a:rPr>
+              <a:t> </a:t>
+            </a:r>
+            <a:r>
+              <a:rPr lang="en-US" sz="2800" dirty="0" err="1">
+                <a:latin typeface="Times New Roman" panose="02020603050405020304" pitchFamily="18" charset="0"/>
+                <a:cs typeface="Times New Roman" panose="02020603050405020304" pitchFamily="18" charset="0"/>
+              </a:rPr>
+              <a:t>hoạch</a:t>
+            </a:r>
+            <a:r>
+              <a:rPr lang="en-US" sz="2800" dirty="0">
+                <a:latin typeface="Times New Roman" panose="02020603050405020304" pitchFamily="18" charset="0"/>
+                <a:cs typeface="Times New Roman" panose="02020603050405020304" pitchFamily="18" charset="0"/>
+              </a:rPr>
+              <a:t> </a:t>
+            </a:r>
+            <a:r>
+              <a:rPr lang="en-US" sz="2800" dirty="0" err="1">
+                <a:latin typeface="Times New Roman" panose="02020603050405020304" pitchFamily="18" charset="0"/>
+                <a:cs typeface="Times New Roman" panose="02020603050405020304" pitchFamily="18" charset="0"/>
+              </a:rPr>
+              <a:t>xem</a:t>
+            </a:r>
+            <a:r>
+              <a:rPr lang="en-US" sz="2800" dirty="0">
+                <a:latin typeface="Times New Roman" panose="02020603050405020304" pitchFamily="18" charset="0"/>
+                <a:cs typeface="Times New Roman" panose="02020603050405020304" pitchFamily="18" charset="0"/>
+              </a:rPr>
+              <a:t> </a:t>
+            </a:r>
+            <a:r>
+              <a:rPr lang="en-US" sz="2800" dirty="0" err="1">
+                <a:latin typeface="Times New Roman" panose="02020603050405020304" pitchFamily="18" charset="0"/>
+                <a:cs typeface="Times New Roman" panose="02020603050405020304" pitchFamily="18" charset="0"/>
+              </a:rPr>
+              <a:t>xét</a:t>
+            </a:r>
+            <a:r>
+              <a:rPr lang="en-US" sz="2800" dirty="0">
+                <a:latin typeface="Times New Roman" panose="02020603050405020304" pitchFamily="18" charset="0"/>
+                <a:cs typeface="Times New Roman" panose="02020603050405020304" pitchFamily="18" charset="0"/>
+              </a:rPr>
+              <a:t> </a:t>
+            </a:r>
+            <a:r>
+              <a:rPr lang="en-US" sz="2800" dirty="0" err="1">
+                <a:latin typeface="Times New Roman" panose="02020603050405020304" pitchFamily="18" charset="0"/>
+                <a:cs typeface="Times New Roman" panose="02020603050405020304" pitchFamily="18" charset="0"/>
+              </a:rPr>
+              <a:t>các</a:t>
+            </a:r>
+            <a:r>
+              <a:rPr lang="en-US" sz="2800" dirty="0">
+                <a:latin typeface="Times New Roman" panose="02020603050405020304" pitchFamily="18" charset="0"/>
+                <a:cs typeface="Times New Roman" panose="02020603050405020304" pitchFamily="18" charset="0"/>
+              </a:rPr>
+              <a:t> </a:t>
+            </a:r>
+            <a:r>
+              <a:rPr lang="en-US" sz="2800" dirty="0" err="1">
+                <a:latin typeface="Times New Roman" panose="02020603050405020304" pitchFamily="18" charset="0"/>
+                <a:cs typeface="Times New Roman" panose="02020603050405020304" pitchFamily="18" charset="0"/>
+              </a:rPr>
+              <a:t>hợp</a:t>
+            </a:r>
+            <a:r>
+              <a:rPr lang="en-US" sz="2800" dirty="0">
+                <a:latin typeface="Times New Roman" panose="02020603050405020304" pitchFamily="18" charset="0"/>
+                <a:cs typeface="Times New Roman" panose="02020603050405020304" pitchFamily="18" charset="0"/>
+              </a:rPr>
+              <a:t> </a:t>
+            </a:r>
+            <a:r>
+              <a:rPr lang="en-US" sz="2800" dirty="0" err="1">
+                <a:latin typeface="Times New Roman" panose="02020603050405020304" pitchFamily="18" charset="0"/>
+                <a:cs typeface="Times New Roman" panose="02020603050405020304" pitchFamily="18" charset="0"/>
+              </a:rPr>
+              <a:t>đồng</a:t>
+            </a:r>
+            <a:r>
+              <a:rPr lang="en-US" sz="2800" dirty="0">
+                <a:latin typeface="Times New Roman" panose="02020603050405020304" pitchFamily="18" charset="0"/>
+                <a:cs typeface="Times New Roman" panose="02020603050405020304" pitchFamily="18" charset="0"/>
+              </a:rPr>
+              <a:t>, </a:t>
+            </a:r>
+            <a:r>
+              <a:rPr lang="en-US" sz="2800" dirty="0" err="1">
+                <a:latin typeface="Times New Roman" panose="02020603050405020304" pitchFamily="18" charset="0"/>
+                <a:cs typeface="Times New Roman" panose="02020603050405020304" pitchFamily="18" charset="0"/>
+              </a:rPr>
+              <a:t>báo</a:t>
+            </a:r>
+            <a:r>
+              <a:rPr lang="en-US" sz="2800" dirty="0">
+                <a:latin typeface="Times New Roman" panose="02020603050405020304" pitchFamily="18" charset="0"/>
+                <a:cs typeface="Times New Roman" panose="02020603050405020304" pitchFamily="18" charset="0"/>
+              </a:rPr>
+              <a:t> </a:t>
+            </a:r>
+            <a:r>
+              <a:rPr lang="en-US" sz="2800" dirty="0" err="1">
+                <a:latin typeface="Times New Roman" panose="02020603050405020304" pitchFamily="18" charset="0"/>
+                <a:cs typeface="Times New Roman" panose="02020603050405020304" pitchFamily="18" charset="0"/>
+              </a:rPr>
+              <a:t>cáo</a:t>
+            </a:r>
+            <a:r>
+              <a:rPr lang="en-US" sz="2800" dirty="0">
+                <a:latin typeface="Times New Roman" panose="02020603050405020304" pitchFamily="18" charset="0"/>
+                <a:cs typeface="Times New Roman" panose="02020603050405020304" pitchFamily="18" charset="0"/>
+              </a:rPr>
+              <a:t> </a:t>
+            </a:r>
+            <a:r>
+              <a:rPr lang="en-US" sz="2800" dirty="0" err="1">
+                <a:latin typeface="Times New Roman" panose="02020603050405020304" pitchFamily="18" charset="0"/>
+                <a:cs typeface="Times New Roman" panose="02020603050405020304" pitchFamily="18" charset="0"/>
+              </a:rPr>
+              <a:t>kinh</a:t>
+            </a:r>
+            <a:r>
+              <a:rPr lang="en-US" sz="2800" dirty="0">
+                <a:latin typeface="Times New Roman" panose="02020603050405020304" pitchFamily="18" charset="0"/>
+                <a:cs typeface="Times New Roman" panose="02020603050405020304" pitchFamily="18" charset="0"/>
+              </a:rPr>
+              <a:t> </a:t>
+            </a:r>
+            <a:r>
+              <a:rPr lang="en-US" sz="2800" dirty="0" err="1">
+                <a:latin typeface="Times New Roman" panose="02020603050405020304" pitchFamily="18" charset="0"/>
+                <a:cs typeface="Times New Roman" panose="02020603050405020304" pitchFamily="18" charset="0"/>
+              </a:rPr>
+              <a:t>doanh</a:t>
+            </a:r>
+            <a:r>
+              <a:rPr lang="en-US" sz="2800" dirty="0">
+                <a:latin typeface="Times New Roman" panose="02020603050405020304" pitchFamily="18" charset="0"/>
+                <a:cs typeface="Times New Roman" panose="02020603050405020304" pitchFamily="18" charset="0"/>
+              </a:rPr>
+              <a:t> </a:t>
+            </a:r>
+            <a:r>
+              <a:rPr lang="en-US" sz="2800" dirty="0" err="1">
+                <a:latin typeface="Times New Roman" panose="02020603050405020304" pitchFamily="18" charset="0"/>
+                <a:cs typeface="Times New Roman" panose="02020603050405020304" pitchFamily="18" charset="0"/>
+              </a:rPr>
+              <a:t>và</a:t>
+            </a:r>
+            <a:r>
+              <a:rPr lang="en-US" sz="2800" dirty="0">
+                <a:latin typeface="Times New Roman" panose="02020603050405020304" pitchFamily="18" charset="0"/>
+                <a:cs typeface="Times New Roman" panose="02020603050405020304" pitchFamily="18" charset="0"/>
+              </a:rPr>
+              <a:t> </a:t>
+            </a:r>
+            <a:r>
+              <a:rPr lang="en-US" sz="2800" dirty="0" err="1">
+                <a:latin typeface="Times New Roman" panose="02020603050405020304" pitchFamily="18" charset="0"/>
+                <a:cs typeface="Times New Roman" panose="02020603050405020304" pitchFamily="18" charset="0"/>
+              </a:rPr>
+              <a:t>lên</a:t>
+            </a:r>
+            <a:r>
+              <a:rPr lang="en-US" sz="2800" dirty="0">
+                <a:latin typeface="Times New Roman" panose="02020603050405020304" pitchFamily="18" charset="0"/>
+                <a:cs typeface="Times New Roman" panose="02020603050405020304" pitchFamily="18" charset="0"/>
+              </a:rPr>
+              <a:t> </a:t>
+            </a:r>
+            <a:r>
+              <a:rPr lang="en-US" sz="2800" dirty="0" err="1">
+                <a:latin typeface="Times New Roman" panose="02020603050405020304" pitchFamily="18" charset="0"/>
+                <a:cs typeface="Times New Roman" panose="02020603050405020304" pitchFamily="18" charset="0"/>
+              </a:rPr>
+              <a:t>kế</a:t>
+            </a:r>
+            <a:r>
+              <a:rPr lang="en-US" sz="2800" dirty="0">
+                <a:latin typeface="Times New Roman" panose="02020603050405020304" pitchFamily="18" charset="0"/>
+                <a:cs typeface="Times New Roman" panose="02020603050405020304" pitchFamily="18" charset="0"/>
+              </a:rPr>
+              <a:t> </a:t>
+            </a:r>
+            <a:r>
+              <a:rPr lang="en-US" sz="2800" dirty="0" err="1">
+                <a:latin typeface="Times New Roman" panose="02020603050405020304" pitchFamily="18" charset="0"/>
+                <a:cs typeface="Times New Roman" panose="02020603050405020304" pitchFamily="18" charset="0"/>
+              </a:rPr>
+              <a:t>hoạch</a:t>
+            </a:r>
+            <a:r>
+              <a:rPr lang="en-US" sz="2800" dirty="0">
+                <a:latin typeface="Times New Roman" panose="02020603050405020304" pitchFamily="18" charset="0"/>
+                <a:cs typeface="Times New Roman" panose="02020603050405020304" pitchFamily="18" charset="0"/>
+              </a:rPr>
+              <a:t> </a:t>
+            </a:r>
+            <a:r>
+              <a:rPr lang="en-US" sz="2800" dirty="0" err="1">
+                <a:latin typeface="Times New Roman" panose="02020603050405020304" pitchFamily="18" charset="0"/>
+                <a:cs typeface="Times New Roman" panose="02020603050405020304" pitchFamily="18" charset="0"/>
+              </a:rPr>
+              <a:t>sản</a:t>
+            </a:r>
+            <a:r>
+              <a:rPr lang="en-US" sz="2800" dirty="0">
+                <a:latin typeface="Times New Roman" panose="02020603050405020304" pitchFamily="18" charset="0"/>
+                <a:cs typeface="Times New Roman" panose="02020603050405020304" pitchFamily="18" charset="0"/>
+              </a:rPr>
+              <a:t> </a:t>
+            </a:r>
+            <a:r>
+              <a:rPr lang="en-US" sz="2800" dirty="0" err="1">
+                <a:latin typeface="Times New Roman" panose="02020603050405020304" pitchFamily="18" charset="0"/>
+                <a:cs typeface="Times New Roman" panose="02020603050405020304" pitchFamily="18" charset="0"/>
+              </a:rPr>
+              <a:t>xuất</a:t>
+            </a:r>
+            <a:r>
+              <a:rPr lang="en-US" sz="2800" dirty="0">
+                <a:latin typeface="Times New Roman" panose="02020603050405020304" pitchFamily="18" charset="0"/>
+                <a:cs typeface="Times New Roman" panose="02020603050405020304" pitchFamily="18" charset="0"/>
+              </a:rPr>
+              <a:t> </a:t>
+            </a:r>
+            <a:r>
+              <a:rPr lang="en-US" sz="2800" dirty="0" err="1">
+                <a:latin typeface="Times New Roman" panose="02020603050405020304" pitchFamily="18" charset="0"/>
+                <a:cs typeface="Times New Roman" panose="02020603050405020304" pitchFamily="18" charset="0"/>
+              </a:rPr>
+              <a:t>sau</a:t>
+            </a:r>
+            <a:r>
+              <a:rPr lang="en-US" sz="2800" dirty="0">
+                <a:latin typeface="Times New Roman" panose="02020603050405020304" pitchFamily="18" charset="0"/>
+                <a:cs typeface="Times New Roman" panose="02020603050405020304" pitchFamily="18" charset="0"/>
+              </a:rPr>
+              <a:t> </a:t>
+            </a:r>
+            <a:r>
+              <a:rPr lang="en-US" sz="2800" dirty="0" err="1">
+                <a:latin typeface="Times New Roman" panose="02020603050405020304" pitchFamily="18" charset="0"/>
+                <a:cs typeface="Times New Roman" panose="02020603050405020304" pitchFamily="18" charset="0"/>
+              </a:rPr>
+              <a:t>đó</a:t>
+            </a:r>
+            <a:r>
+              <a:rPr lang="en-US" sz="2800" dirty="0">
+                <a:latin typeface="Times New Roman" panose="02020603050405020304" pitchFamily="18" charset="0"/>
+                <a:cs typeface="Times New Roman" panose="02020603050405020304" pitchFamily="18" charset="0"/>
+              </a:rPr>
+              <a:t> </a:t>
+            </a:r>
+            <a:r>
+              <a:rPr lang="en-US" sz="2800" dirty="0" err="1">
+                <a:latin typeface="Times New Roman" panose="02020603050405020304" pitchFamily="18" charset="0"/>
+                <a:cs typeface="Times New Roman" panose="02020603050405020304" pitchFamily="18" charset="0"/>
+              </a:rPr>
+              <a:t>giám</a:t>
+            </a:r>
+            <a:r>
+              <a:rPr lang="en-US" sz="2800" dirty="0">
+                <a:latin typeface="Times New Roman" panose="02020603050405020304" pitchFamily="18" charset="0"/>
+                <a:cs typeface="Times New Roman" panose="02020603050405020304" pitchFamily="18" charset="0"/>
+              </a:rPr>
+              <a:t> </a:t>
+            </a:r>
+            <a:r>
+              <a:rPr lang="en-US" sz="2800" dirty="0" err="1">
+                <a:latin typeface="Times New Roman" panose="02020603050405020304" pitchFamily="18" charset="0"/>
+                <a:cs typeface="Times New Roman" panose="02020603050405020304" pitchFamily="18" charset="0"/>
+              </a:rPr>
+              <a:t>đốc</a:t>
+            </a:r>
+            <a:r>
+              <a:rPr lang="en-US" sz="2800" dirty="0">
+                <a:latin typeface="Times New Roman" panose="02020603050405020304" pitchFamily="18" charset="0"/>
+                <a:cs typeface="Times New Roman" panose="02020603050405020304" pitchFamily="18" charset="0"/>
+              </a:rPr>
+              <a:t> </a:t>
+            </a:r>
+            <a:r>
+              <a:rPr lang="en-US" sz="2800" dirty="0" err="1">
+                <a:latin typeface="Times New Roman" panose="02020603050405020304" pitchFamily="18" charset="0"/>
+                <a:cs typeface="Times New Roman" panose="02020603050405020304" pitchFamily="18" charset="0"/>
+              </a:rPr>
+              <a:t>ký</a:t>
+            </a:r>
+            <a:r>
+              <a:rPr lang="en-US" sz="2800" dirty="0">
+                <a:latin typeface="Times New Roman" panose="02020603050405020304" pitchFamily="18" charset="0"/>
+                <a:cs typeface="Times New Roman" panose="02020603050405020304" pitchFamily="18" charset="0"/>
+              </a:rPr>
+              <a:t> </a:t>
+            </a:r>
+            <a:r>
+              <a:rPr lang="en-US" sz="2800" dirty="0" err="1">
+                <a:latin typeface="Times New Roman" panose="02020603050405020304" pitchFamily="18" charset="0"/>
+                <a:cs typeface="Times New Roman" panose="02020603050405020304" pitchFamily="18" charset="0"/>
+              </a:rPr>
+              <a:t>và</a:t>
+            </a:r>
+            <a:r>
+              <a:rPr lang="en-US" sz="2800" dirty="0">
+                <a:latin typeface="Times New Roman" panose="02020603050405020304" pitchFamily="18" charset="0"/>
+                <a:cs typeface="Times New Roman" panose="02020603050405020304" pitchFamily="18" charset="0"/>
+              </a:rPr>
+              <a:t> </a:t>
+            </a:r>
+            <a:r>
+              <a:rPr lang="en-US" sz="2800" dirty="0" err="1">
+                <a:latin typeface="Times New Roman" panose="02020603050405020304" pitchFamily="18" charset="0"/>
+                <a:cs typeface="Times New Roman" panose="02020603050405020304" pitchFamily="18" charset="0"/>
+              </a:rPr>
+              <a:t>đưa</a:t>
+            </a:r>
+            <a:r>
+              <a:rPr lang="en-US" sz="2800" dirty="0">
+                <a:latin typeface="Times New Roman" panose="02020603050405020304" pitchFamily="18" charset="0"/>
+                <a:cs typeface="Times New Roman" panose="02020603050405020304" pitchFamily="18" charset="0"/>
+              </a:rPr>
+              <a:t> </a:t>
+            </a:r>
+            <a:r>
+              <a:rPr lang="en-US" sz="2800" dirty="0" err="1">
+                <a:latin typeface="Times New Roman" panose="02020603050405020304" pitchFamily="18" charset="0"/>
+                <a:cs typeface="Times New Roman" panose="02020603050405020304" pitchFamily="18" charset="0"/>
+              </a:rPr>
+              <a:t>ra</a:t>
+            </a:r>
+            <a:r>
+              <a:rPr lang="en-US" sz="2800" dirty="0">
+                <a:latin typeface="Times New Roman" panose="02020603050405020304" pitchFamily="18" charset="0"/>
+                <a:cs typeface="Times New Roman" panose="02020603050405020304" pitchFamily="18" charset="0"/>
+              </a:rPr>
+              <a:t> </a:t>
+            </a:r>
+            <a:r>
+              <a:rPr lang="en-US" sz="2800" dirty="0" err="1">
+                <a:latin typeface="Times New Roman" panose="02020603050405020304" pitchFamily="18" charset="0"/>
+                <a:cs typeface="Times New Roman" panose="02020603050405020304" pitchFamily="18" charset="0"/>
+              </a:rPr>
+              <a:t>lệnh</a:t>
+            </a:r>
+            <a:r>
+              <a:rPr lang="en-US" sz="2800" dirty="0">
+                <a:latin typeface="Times New Roman" panose="02020603050405020304" pitchFamily="18" charset="0"/>
+                <a:cs typeface="Times New Roman" panose="02020603050405020304" pitchFamily="18" charset="0"/>
+              </a:rPr>
+              <a:t> </a:t>
+            </a:r>
+            <a:r>
+              <a:rPr lang="en-US" sz="2800" dirty="0" err="1">
+                <a:latin typeface="Times New Roman" panose="02020603050405020304" pitchFamily="18" charset="0"/>
+                <a:cs typeface="Times New Roman" panose="02020603050405020304" pitchFamily="18" charset="0"/>
+              </a:rPr>
+              <a:t>sản</a:t>
+            </a:r>
+            <a:r>
+              <a:rPr lang="en-US" sz="2800" dirty="0">
+                <a:latin typeface="Times New Roman" panose="02020603050405020304" pitchFamily="18" charset="0"/>
+                <a:cs typeface="Times New Roman" panose="02020603050405020304" pitchFamily="18" charset="0"/>
+              </a:rPr>
+              <a:t> </a:t>
+            </a:r>
+            <a:r>
+              <a:rPr lang="en-US" sz="2800" dirty="0" err="1">
+                <a:latin typeface="Times New Roman" panose="02020603050405020304" pitchFamily="18" charset="0"/>
+                <a:cs typeface="Times New Roman" panose="02020603050405020304" pitchFamily="18" charset="0"/>
+              </a:rPr>
+              <a:t>xuất</a:t>
+            </a:r>
+            <a:r>
+              <a:rPr lang="en-US" sz="2800" dirty="0">
+                <a:latin typeface="Times New Roman" panose="02020603050405020304" pitchFamily="18" charset="0"/>
+                <a:cs typeface="Times New Roman" panose="02020603050405020304" pitchFamily="18" charset="0"/>
+              </a:rPr>
+              <a:t>, </a:t>
+            </a:r>
+            <a:r>
+              <a:rPr lang="en-US" sz="2800" dirty="0" err="1">
+                <a:latin typeface="Times New Roman" panose="02020603050405020304" pitchFamily="18" charset="0"/>
+                <a:cs typeface="Times New Roman" panose="02020603050405020304" pitchFamily="18" charset="0"/>
+              </a:rPr>
+              <a:t>sau</a:t>
+            </a:r>
+            <a:r>
+              <a:rPr lang="en-US" sz="2800" dirty="0">
+                <a:latin typeface="Times New Roman" panose="02020603050405020304" pitchFamily="18" charset="0"/>
+                <a:cs typeface="Times New Roman" panose="02020603050405020304" pitchFamily="18" charset="0"/>
+              </a:rPr>
+              <a:t> </a:t>
+            </a:r>
+            <a:r>
+              <a:rPr lang="en-US" sz="2800" dirty="0" err="1">
+                <a:latin typeface="Times New Roman" panose="02020603050405020304" pitchFamily="18" charset="0"/>
+                <a:cs typeface="Times New Roman" panose="02020603050405020304" pitchFamily="18" charset="0"/>
+              </a:rPr>
+              <a:t>đó</a:t>
+            </a:r>
+            <a:r>
+              <a:rPr lang="en-US" sz="2800" dirty="0">
+                <a:latin typeface="Times New Roman" panose="02020603050405020304" pitchFamily="18" charset="0"/>
+                <a:cs typeface="Times New Roman" panose="02020603050405020304" pitchFamily="18" charset="0"/>
+              </a:rPr>
+              <a:t> </a:t>
+            </a:r>
+            <a:r>
+              <a:rPr lang="en-US" sz="2800" dirty="0" err="1">
+                <a:latin typeface="Times New Roman" panose="02020603050405020304" pitchFamily="18" charset="0"/>
+                <a:cs typeface="Times New Roman" panose="02020603050405020304" pitchFamily="18" charset="0"/>
+              </a:rPr>
+              <a:t>quản</a:t>
+            </a:r>
+            <a:r>
+              <a:rPr lang="en-US" sz="2800" dirty="0">
+                <a:latin typeface="Times New Roman" panose="02020603050405020304" pitchFamily="18" charset="0"/>
+                <a:cs typeface="Times New Roman" panose="02020603050405020304" pitchFamily="18" charset="0"/>
+              </a:rPr>
+              <a:t> </a:t>
+            </a:r>
+            <a:r>
+              <a:rPr lang="en-US" sz="2800" dirty="0" err="1">
+                <a:latin typeface="Times New Roman" panose="02020603050405020304" pitchFamily="18" charset="0"/>
+                <a:cs typeface="Times New Roman" panose="02020603050405020304" pitchFamily="18" charset="0"/>
+              </a:rPr>
+              <a:t>kho</a:t>
+            </a:r>
+            <a:r>
+              <a:rPr lang="en-US" sz="2800" dirty="0">
+                <a:latin typeface="Times New Roman" panose="02020603050405020304" pitchFamily="18" charset="0"/>
+                <a:cs typeface="Times New Roman" panose="02020603050405020304" pitchFamily="18" charset="0"/>
+              </a:rPr>
+              <a:t> </a:t>
+            </a:r>
+            <a:r>
+              <a:rPr lang="en-US" sz="2800" dirty="0" err="1">
+                <a:latin typeface="Times New Roman" panose="02020603050405020304" pitchFamily="18" charset="0"/>
+                <a:cs typeface="Times New Roman" panose="02020603050405020304" pitchFamily="18" charset="0"/>
+              </a:rPr>
+              <a:t>chuyển</a:t>
+            </a:r>
+            <a:r>
+              <a:rPr lang="en-US" sz="2800" dirty="0">
+                <a:latin typeface="Times New Roman" panose="02020603050405020304" pitchFamily="18" charset="0"/>
+                <a:cs typeface="Times New Roman" panose="02020603050405020304" pitchFamily="18" charset="0"/>
+              </a:rPr>
+              <a:t> </a:t>
+            </a:r>
+            <a:r>
+              <a:rPr lang="en-US" sz="2800" dirty="0" err="1">
+                <a:latin typeface="Times New Roman" panose="02020603050405020304" pitchFamily="18" charset="0"/>
+                <a:cs typeface="Times New Roman" panose="02020603050405020304" pitchFamily="18" charset="0"/>
+              </a:rPr>
+              <a:t>nguyên</a:t>
+            </a:r>
+            <a:r>
+              <a:rPr lang="en-US" sz="2800" dirty="0">
+                <a:latin typeface="Times New Roman" panose="02020603050405020304" pitchFamily="18" charset="0"/>
+                <a:cs typeface="Times New Roman" panose="02020603050405020304" pitchFamily="18" charset="0"/>
+              </a:rPr>
+              <a:t> </a:t>
+            </a:r>
+            <a:r>
+              <a:rPr lang="en-US" sz="2800" dirty="0" err="1">
+                <a:latin typeface="Times New Roman" panose="02020603050405020304" pitchFamily="18" charset="0"/>
+                <a:cs typeface="Times New Roman" panose="02020603050405020304" pitchFamily="18" charset="0"/>
+              </a:rPr>
+              <a:t>vật</a:t>
+            </a:r>
+            <a:r>
+              <a:rPr lang="en-US" sz="2800" dirty="0">
+                <a:latin typeface="Times New Roman" panose="02020603050405020304" pitchFamily="18" charset="0"/>
+                <a:cs typeface="Times New Roman" panose="02020603050405020304" pitchFamily="18" charset="0"/>
+              </a:rPr>
+              <a:t> </a:t>
+            </a:r>
+            <a:r>
+              <a:rPr lang="en-US" sz="2800" dirty="0" err="1">
+                <a:latin typeface="Times New Roman" panose="02020603050405020304" pitchFamily="18" charset="0"/>
+                <a:cs typeface="Times New Roman" panose="02020603050405020304" pitchFamily="18" charset="0"/>
+              </a:rPr>
+              <a:t>liệu</a:t>
+            </a:r>
+            <a:r>
+              <a:rPr lang="en-US" sz="2800" dirty="0">
+                <a:latin typeface="Times New Roman" panose="02020603050405020304" pitchFamily="18" charset="0"/>
+                <a:cs typeface="Times New Roman" panose="02020603050405020304" pitchFamily="18" charset="0"/>
+              </a:rPr>
+              <a:t> </a:t>
+            </a:r>
+            <a:r>
+              <a:rPr lang="en-US" sz="2800" dirty="0" err="1">
+                <a:latin typeface="Times New Roman" panose="02020603050405020304" pitchFamily="18" charset="0"/>
+                <a:cs typeface="Times New Roman" panose="02020603050405020304" pitchFamily="18" charset="0"/>
+              </a:rPr>
+              <a:t>và</a:t>
+            </a:r>
+            <a:r>
+              <a:rPr lang="en-US" sz="2800" dirty="0">
+                <a:latin typeface="Times New Roman" panose="02020603050405020304" pitchFamily="18" charset="0"/>
+                <a:cs typeface="Times New Roman" panose="02020603050405020304" pitchFamily="18" charset="0"/>
+              </a:rPr>
+              <a:t> </a:t>
+            </a:r>
+            <a:r>
+              <a:rPr lang="en-US" sz="2800" dirty="0" err="1">
+                <a:latin typeface="Times New Roman" panose="02020603050405020304" pitchFamily="18" charset="0"/>
+                <a:cs typeface="Times New Roman" panose="02020603050405020304" pitchFamily="18" charset="0"/>
+              </a:rPr>
+              <a:t>báo</a:t>
+            </a:r>
+            <a:r>
+              <a:rPr lang="en-US" sz="2800" dirty="0">
+                <a:latin typeface="Times New Roman" panose="02020603050405020304" pitchFamily="18" charset="0"/>
+                <a:cs typeface="Times New Roman" panose="02020603050405020304" pitchFamily="18" charset="0"/>
+              </a:rPr>
+              <a:t> </a:t>
+            </a:r>
+            <a:r>
+              <a:rPr lang="en-US" sz="2800" dirty="0" err="1">
+                <a:latin typeface="Times New Roman" panose="02020603050405020304" pitchFamily="18" charset="0"/>
+                <a:cs typeface="Times New Roman" panose="02020603050405020304" pitchFamily="18" charset="0"/>
+              </a:rPr>
+              <a:t>cáo</a:t>
+            </a:r>
+            <a:r>
+              <a:rPr lang="en-US" sz="2800" dirty="0">
+                <a:latin typeface="Times New Roman" panose="02020603050405020304" pitchFamily="18" charset="0"/>
+                <a:cs typeface="Times New Roman" panose="02020603050405020304" pitchFamily="18" charset="0"/>
+              </a:rPr>
+              <a:t> </a:t>
+            </a:r>
+            <a:r>
+              <a:rPr lang="en-US" sz="2800" dirty="0" err="1">
+                <a:latin typeface="Times New Roman" panose="02020603050405020304" pitchFamily="18" charset="0"/>
+                <a:cs typeface="Times New Roman" panose="02020603050405020304" pitchFamily="18" charset="0"/>
+              </a:rPr>
+              <a:t>tồn</a:t>
+            </a:r>
+            <a:r>
+              <a:rPr lang="en-US" sz="2800" dirty="0">
+                <a:latin typeface="Times New Roman" panose="02020603050405020304" pitchFamily="18" charset="0"/>
+                <a:cs typeface="Times New Roman" panose="02020603050405020304" pitchFamily="18" charset="0"/>
+              </a:rPr>
+              <a:t> </a:t>
+            </a:r>
+            <a:r>
+              <a:rPr lang="en-US" sz="2800" dirty="0" err="1">
+                <a:latin typeface="Times New Roman" panose="02020603050405020304" pitchFamily="18" charset="0"/>
+                <a:cs typeface="Times New Roman" panose="02020603050405020304" pitchFamily="18" charset="0"/>
+              </a:rPr>
+              <a:t>kho</a:t>
+            </a:r>
+            <a:r>
+              <a:rPr lang="en-US" sz="2800" dirty="0">
+                <a:latin typeface="Times New Roman" panose="02020603050405020304" pitchFamily="18" charset="0"/>
+                <a:cs typeface="Times New Roman" panose="02020603050405020304" pitchFamily="18" charset="0"/>
+              </a:rPr>
+              <a:t>, </a:t>
+            </a:r>
+            <a:r>
+              <a:rPr lang="en-US" sz="2800" dirty="0" err="1">
+                <a:latin typeface="Times New Roman" panose="02020603050405020304" pitchFamily="18" charset="0"/>
+                <a:cs typeface="Times New Roman" panose="02020603050405020304" pitchFamily="18" charset="0"/>
+              </a:rPr>
+              <a:t>tiến</a:t>
+            </a:r>
+            <a:r>
+              <a:rPr lang="en-US" sz="2800" dirty="0">
+                <a:latin typeface="Times New Roman" panose="02020603050405020304" pitchFamily="18" charset="0"/>
+                <a:cs typeface="Times New Roman" panose="02020603050405020304" pitchFamily="18" charset="0"/>
+              </a:rPr>
+              <a:t> </a:t>
+            </a:r>
+            <a:r>
+              <a:rPr lang="en-US" sz="2800" dirty="0" err="1">
+                <a:latin typeface="Times New Roman" panose="02020603050405020304" pitchFamily="18" charset="0"/>
+                <a:cs typeface="Times New Roman" panose="02020603050405020304" pitchFamily="18" charset="0"/>
+              </a:rPr>
+              <a:t>hành</a:t>
+            </a:r>
+            <a:r>
+              <a:rPr lang="en-US" sz="2800" dirty="0">
+                <a:latin typeface="Times New Roman" panose="02020603050405020304" pitchFamily="18" charset="0"/>
+                <a:cs typeface="Times New Roman" panose="02020603050405020304" pitchFamily="18" charset="0"/>
+              </a:rPr>
+              <a:t> </a:t>
+            </a:r>
+            <a:r>
+              <a:rPr lang="en-US" sz="2800" dirty="0" err="1">
+                <a:latin typeface="Times New Roman" panose="02020603050405020304" pitchFamily="18" charset="0"/>
+                <a:cs typeface="Times New Roman" panose="02020603050405020304" pitchFamily="18" charset="0"/>
+              </a:rPr>
+              <a:t>sản</a:t>
+            </a:r>
+            <a:r>
+              <a:rPr lang="en-US" sz="2800" dirty="0">
+                <a:latin typeface="Times New Roman" panose="02020603050405020304" pitchFamily="18" charset="0"/>
+                <a:cs typeface="Times New Roman" panose="02020603050405020304" pitchFamily="18" charset="0"/>
+              </a:rPr>
+              <a:t> </a:t>
+            </a:r>
+            <a:r>
+              <a:rPr lang="en-US" sz="2800" dirty="0" err="1">
+                <a:latin typeface="Times New Roman" panose="02020603050405020304" pitchFamily="18" charset="0"/>
+                <a:cs typeface="Times New Roman" panose="02020603050405020304" pitchFamily="18" charset="0"/>
+              </a:rPr>
+              <a:t>xuất</a:t>
+            </a:r>
+            <a:r>
+              <a:rPr lang="en-US" sz="2800" dirty="0">
+                <a:latin typeface="Times New Roman" panose="02020603050405020304" pitchFamily="18" charset="0"/>
+                <a:cs typeface="Times New Roman" panose="02020603050405020304" pitchFamily="18" charset="0"/>
+              </a:rPr>
+              <a:t> </a:t>
+            </a:r>
+            <a:r>
+              <a:rPr lang="en-US" sz="2800" dirty="0" err="1">
+                <a:latin typeface="Times New Roman" panose="02020603050405020304" pitchFamily="18" charset="0"/>
+                <a:cs typeface="Times New Roman" panose="02020603050405020304" pitchFamily="18" charset="0"/>
+              </a:rPr>
+              <a:t>theo</a:t>
+            </a:r>
+            <a:r>
+              <a:rPr lang="en-US" sz="2800" dirty="0">
+                <a:latin typeface="Times New Roman" panose="02020603050405020304" pitchFamily="18" charset="0"/>
+                <a:cs typeface="Times New Roman" panose="02020603050405020304" pitchFamily="18" charset="0"/>
+              </a:rPr>
+              <a:t> </a:t>
+            </a:r>
+            <a:r>
+              <a:rPr lang="en-US" sz="2800" dirty="0" err="1">
+                <a:latin typeface="Times New Roman" panose="02020603050405020304" pitchFamily="18" charset="0"/>
+                <a:cs typeface="Times New Roman" panose="02020603050405020304" pitchFamily="18" charset="0"/>
+              </a:rPr>
+              <a:t>yêu</a:t>
+            </a:r>
+            <a:r>
+              <a:rPr lang="en-US" sz="2800" dirty="0">
+                <a:latin typeface="Times New Roman" panose="02020603050405020304" pitchFamily="18" charset="0"/>
+                <a:cs typeface="Times New Roman" panose="02020603050405020304" pitchFamily="18" charset="0"/>
+              </a:rPr>
+              <a:t> </a:t>
+            </a:r>
+            <a:r>
+              <a:rPr lang="en-US" sz="2800" dirty="0" err="1">
+                <a:latin typeface="Times New Roman" panose="02020603050405020304" pitchFamily="18" charset="0"/>
+                <a:cs typeface="Times New Roman" panose="02020603050405020304" pitchFamily="18" charset="0"/>
+              </a:rPr>
+              <a:t>cầu</a:t>
+            </a:r>
+            <a:r>
+              <a:rPr lang="en-US" sz="2800" dirty="0">
+                <a:latin typeface="Times New Roman" panose="02020603050405020304" pitchFamily="18" charset="0"/>
+                <a:cs typeface="Times New Roman" panose="02020603050405020304" pitchFamily="18" charset="0"/>
+              </a:rPr>
+              <a:t>, </a:t>
+            </a:r>
+            <a:r>
+              <a:rPr lang="en-US" sz="2800" dirty="0" err="1">
+                <a:latin typeface="Times New Roman" panose="02020603050405020304" pitchFamily="18" charset="0"/>
+                <a:cs typeface="Times New Roman" panose="02020603050405020304" pitchFamily="18" charset="0"/>
+              </a:rPr>
+              <a:t>sản</a:t>
+            </a:r>
+            <a:r>
+              <a:rPr lang="en-US" sz="2800" dirty="0">
+                <a:latin typeface="Times New Roman" panose="02020603050405020304" pitchFamily="18" charset="0"/>
+                <a:cs typeface="Times New Roman" panose="02020603050405020304" pitchFamily="18" charset="0"/>
+              </a:rPr>
+              <a:t> </a:t>
+            </a:r>
+            <a:r>
+              <a:rPr lang="en-US" sz="2800" dirty="0" err="1">
+                <a:latin typeface="Times New Roman" panose="02020603050405020304" pitchFamily="18" charset="0"/>
+                <a:cs typeface="Times New Roman" panose="02020603050405020304" pitchFamily="18" charset="0"/>
+              </a:rPr>
+              <a:t>phẩm</a:t>
+            </a:r>
+            <a:r>
+              <a:rPr lang="en-US" sz="2800" dirty="0">
+                <a:latin typeface="Times New Roman" panose="02020603050405020304" pitchFamily="18" charset="0"/>
+                <a:cs typeface="Times New Roman" panose="02020603050405020304" pitchFamily="18" charset="0"/>
+              </a:rPr>
+              <a:t> </a:t>
+            </a:r>
+            <a:r>
+              <a:rPr lang="en-US" sz="2800" dirty="0" err="1">
+                <a:latin typeface="Times New Roman" panose="02020603050405020304" pitchFamily="18" charset="0"/>
+                <a:cs typeface="Times New Roman" panose="02020603050405020304" pitchFamily="18" charset="0"/>
+              </a:rPr>
+              <a:t>sau</a:t>
+            </a:r>
+            <a:r>
+              <a:rPr lang="en-US" sz="2800" dirty="0">
+                <a:latin typeface="Times New Roman" panose="02020603050405020304" pitchFamily="18" charset="0"/>
+                <a:cs typeface="Times New Roman" panose="02020603050405020304" pitchFamily="18" charset="0"/>
+              </a:rPr>
+              <a:t> </a:t>
+            </a:r>
+            <a:r>
+              <a:rPr lang="en-US" sz="2800" dirty="0" err="1">
+                <a:latin typeface="Times New Roman" panose="02020603050405020304" pitchFamily="18" charset="0"/>
+                <a:cs typeface="Times New Roman" panose="02020603050405020304" pitchFamily="18" charset="0"/>
+              </a:rPr>
+              <a:t>khi</a:t>
+            </a:r>
+            <a:r>
+              <a:rPr lang="en-US" sz="2800" dirty="0">
+                <a:latin typeface="Times New Roman" panose="02020603050405020304" pitchFamily="18" charset="0"/>
+                <a:cs typeface="Times New Roman" panose="02020603050405020304" pitchFamily="18" charset="0"/>
+              </a:rPr>
+              <a:t> </a:t>
+            </a:r>
+            <a:r>
+              <a:rPr lang="en-US" sz="2800" dirty="0" err="1">
+                <a:latin typeface="Times New Roman" panose="02020603050405020304" pitchFamily="18" charset="0"/>
+                <a:cs typeface="Times New Roman" panose="02020603050405020304" pitchFamily="18" charset="0"/>
+              </a:rPr>
+              <a:t>được</a:t>
+            </a:r>
+            <a:r>
+              <a:rPr lang="en-US" sz="2800" dirty="0">
+                <a:latin typeface="Times New Roman" panose="02020603050405020304" pitchFamily="18" charset="0"/>
+                <a:cs typeface="Times New Roman" panose="02020603050405020304" pitchFamily="18" charset="0"/>
+              </a:rPr>
+              <a:t> </a:t>
+            </a:r>
+            <a:r>
+              <a:rPr lang="en-US" sz="2800" dirty="0" err="1">
+                <a:latin typeface="Times New Roman" panose="02020603050405020304" pitchFamily="18" charset="0"/>
+                <a:cs typeface="Times New Roman" panose="02020603050405020304" pitchFamily="18" charset="0"/>
+              </a:rPr>
+              <a:t>sản</a:t>
+            </a:r>
+            <a:r>
+              <a:rPr lang="en-US" sz="2800" dirty="0">
+                <a:latin typeface="Times New Roman" panose="02020603050405020304" pitchFamily="18" charset="0"/>
+                <a:cs typeface="Times New Roman" panose="02020603050405020304" pitchFamily="18" charset="0"/>
+              </a:rPr>
+              <a:t> </a:t>
+            </a:r>
+            <a:r>
+              <a:rPr lang="en-US" sz="2800" dirty="0" err="1">
+                <a:latin typeface="Times New Roman" panose="02020603050405020304" pitchFamily="18" charset="0"/>
+                <a:cs typeface="Times New Roman" panose="02020603050405020304" pitchFamily="18" charset="0"/>
+              </a:rPr>
+              <a:t>xuất</a:t>
+            </a:r>
+            <a:r>
+              <a:rPr lang="en-US" sz="2800" dirty="0">
+                <a:latin typeface="Times New Roman" panose="02020603050405020304" pitchFamily="18" charset="0"/>
+                <a:cs typeface="Times New Roman" panose="02020603050405020304" pitchFamily="18" charset="0"/>
+              </a:rPr>
+              <a:t> </a:t>
+            </a:r>
+            <a:r>
+              <a:rPr lang="en-US" sz="2800" dirty="0" err="1">
+                <a:latin typeface="Times New Roman" panose="02020603050405020304" pitchFamily="18" charset="0"/>
+                <a:cs typeface="Times New Roman" panose="02020603050405020304" pitchFamily="18" charset="0"/>
+              </a:rPr>
+              <a:t>xong</a:t>
+            </a:r>
+            <a:r>
+              <a:rPr lang="en-US" sz="2800" dirty="0">
+                <a:latin typeface="Times New Roman" panose="02020603050405020304" pitchFamily="18" charset="0"/>
+                <a:cs typeface="Times New Roman" panose="02020603050405020304" pitchFamily="18" charset="0"/>
+              </a:rPr>
+              <a:t> </a:t>
+            </a:r>
+            <a:r>
+              <a:rPr lang="en-US" sz="2800" dirty="0" err="1">
+                <a:latin typeface="Times New Roman" panose="02020603050405020304" pitchFamily="18" charset="0"/>
+                <a:cs typeface="Times New Roman" panose="02020603050405020304" pitchFamily="18" charset="0"/>
+              </a:rPr>
+              <a:t>sẽ</a:t>
+            </a:r>
+            <a:r>
+              <a:rPr lang="en-US" sz="2800" dirty="0">
+                <a:latin typeface="Times New Roman" panose="02020603050405020304" pitchFamily="18" charset="0"/>
+                <a:cs typeface="Times New Roman" panose="02020603050405020304" pitchFamily="18" charset="0"/>
+              </a:rPr>
+              <a:t> </a:t>
+            </a:r>
+            <a:r>
+              <a:rPr lang="en-US" sz="2800" dirty="0" err="1">
+                <a:latin typeface="Times New Roman" panose="02020603050405020304" pitchFamily="18" charset="0"/>
+                <a:cs typeface="Times New Roman" panose="02020603050405020304" pitchFamily="18" charset="0"/>
+              </a:rPr>
+              <a:t>được</a:t>
+            </a:r>
+            <a:r>
+              <a:rPr lang="en-US" sz="2800" dirty="0">
+                <a:latin typeface="Times New Roman" panose="02020603050405020304" pitchFamily="18" charset="0"/>
+                <a:cs typeface="Times New Roman" panose="02020603050405020304" pitchFamily="18" charset="0"/>
+              </a:rPr>
+              <a:t> </a:t>
+            </a:r>
+            <a:r>
+              <a:rPr lang="en-US" sz="2800" dirty="0" err="1">
+                <a:latin typeface="Times New Roman" panose="02020603050405020304" pitchFamily="18" charset="0"/>
+                <a:cs typeface="Times New Roman" panose="02020603050405020304" pitchFamily="18" charset="0"/>
+              </a:rPr>
+              <a:t>chuyển</a:t>
+            </a:r>
+            <a:r>
+              <a:rPr lang="en-US" sz="2800" dirty="0">
+                <a:latin typeface="Times New Roman" panose="02020603050405020304" pitchFamily="18" charset="0"/>
+                <a:cs typeface="Times New Roman" panose="02020603050405020304" pitchFamily="18" charset="0"/>
+              </a:rPr>
+              <a:t> </a:t>
+            </a:r>
+            <a:r>
+              <a:rPr lang="en-US" sz="2800" dirty="0" err="1">
+                <a:latin typeface="Times New Roman" panose="02020603050405020304" pitchFamily="18" charset="0"/>
+                <a:cs typeface="Times New Roman" panose="02020603050405020304" pitchFamily="18" charset="0"/>
+              </a:rPr>
+              <a:t>về</a:t>
+            </a:r>
+            <a:r>
+              <a:rPr lang="en-US" sz="2800" dirty="0">
+                <a:latin typeface="Times New Roman" panose="02020603050405020304" pitchFamily="18" charset="0"/>
+                <a:cs typeface="Times New Roman" panose="02020603050405020304" pitchFamily="18" charset="0"/>
+              </a:rPr>
+              <a:t> </a:t>
+            </a:r>
+            <a:r>
+              <a:rPr lang="en-US" sz="2800" dirty="0" err="1">
+                <a:latin typeface="Times New Roman" panose="02020603050405020304" pitchFamily="18" charset="0"/>
+                <a:cs typeface="Times New Roman" panose="02020603050405020304" pitchFamily="18" charset="0"/>
+              </a:rPr>
+              <a:t>lại</a:t>
+            </a:r>
+            <a:r>
+              <a:rPr lang="en-US" sz="2800" dirty="0">
+                <a:latin typeface="Times New Roman" panose="02020603050405020304" pitchFamily="18" charset="0"/>
+                <a:cs typeface="Times New Roman" panose="02020603050405020304" pitchFamily="18" charset="0"/>
+              </a:rPr>
+              <a:t> </a:t>
+            </a:r>
+            <a:r>
+              <a:rPr lang="en-US" sz="2800" dirty="0" err="1">
+                <a:latin typeface="Times New Roman" panose="02020603050405020304" pitchFamily="18" charset="0"/>
+                <a:cs typeface="Times New Roman" panose="02020603050405020304" pitchFamily="18" charset="0"/>
+              </a:rPr>
+              <a:t>kho</a:t>
+            </a:r>
+            <a:r>
+              <a:rPr lang="en-US" sz="2800" dirty="0">
+                <a:latin typeface="Times New Roman" panose="02020603050405020304" pitchFamily="18" charset="0"/>
+                <a:cs typeface="Times New Roman" panose="02020603050405020304" pitchFamily="18" charset="0"/>
+              </a:rPr>
+              <a:t> </a:t>
+            </a:r>
+            <a:r>
+              <a:rPr lang="en-US" sz="2800" dirty="0" err="1">
+                <a:latin typeface="Times New Roman" panose="02020603050405020304" pitchFamily="18" charset="0"/>
+                <a:cs typeface="Times New Roman" panose="02020603050405020304" pitchFamily="18" charset="0"/>
+              </a:rPr>
+              <a:t>để</a:t>
+            </a:r>
+            <a:r>
+              <a:rPr lang="en-US" sz="2800" dirty="0">
+                <a:latin typeface="Times New Roman" panose="02020603050405020304" pitchFamily="18" charset="0"/>
+                <a:cs typeface="Times New Roman" panose="02020603050405020304" pitchFamily="18" charset="0"/>
+              </a:rPr>
+              <a:t> </a:t>
+            </a:r>
+            <a:r>
+              <a:rPr lang="en-US" sz="2800" dirty="0" err="1">
+                <a:latin typeface="Times New Roman" panose="02020603050405020304" pitchFamily="18" charset="0"/>
+                <a:cs typeface="Times New Roman" panose="02020603050405020304" pitchFamily="18" charset="0"/>
+              </a:rPr>
+              <a:t>giao</a:t>
+            </a:r>
+            <a:r>
+              <a:rPr lang="en-US" sz="2800" dirty="0">
+                <a:latin typeface="Times New Roman" panose="02020603050405020304" pitchFamily="18" charset="0"/>
+                <a:cs typeface="Times New Roman" panose="02020603050405020304" pitchFamily="18" charset="0"/>
+              </a:rPr>
+              <a:t> </a:t>
+            </a:r>
+            <a:r>
+              <a:rPr lang="en-US" sz="2800" dirty="0" err="1">
+                <a:latin typeface="Times New Roman" panose="02020603050405020304" pitchFamily="18" charset="0"/>
+                <a:cs typeface="Times New Roman" panose="02020603050405020304" pitchFamily="18" charset="0"/>
+              </a:rPr>
+              <a:t>hàng</a:t>
+            </a:r>
+            <a:r>
+              <a:rPr lang="en-US" sz="2800" dirty="0">
+                <a:latin typeface="Times New Roman" panose="02020603050405020304" pitchFamily="18" charset="0"/>
+                <a:cs typeface="Times New Roman" panose="02020603050405020304" pitchFamily="18" charset="0"/>
+              </a:rPr>
+              <a:t> </a:t>
+            </a:r>
+            <a:r>
+              <a:rPr lang="en-US" sz="2800" dirty="0" err="1">
+                <a:latin typeface="Times New Roman" panose="02020603050405020304" pitchFamily="18" charset="0"/>
+                <a:cs typeface="Times New Roman" panose="02020603050405020304" pitchFamily="18" charset="0"/>
+              </a:rPr>
+              <a:t>cho</a:t>
+            </a:r>
+            <a:r>
+              <a:rPr lang="en-US" sz="2800" dirty="0">
+                <a:latin typeface="Times New Roman" panose="02020603050405020304" pitchFamily="18" charset="0"/>
+                <a:cs typeface="Times New Roman" panose="02020603050405020304" pitchFamily="18" charset="0"/>
+              </a:rPr>
+              <a:t> </a:t>
+            </a:r>
+            <a:r>
+              <a:rPr lang="en-US" sz="2800" dirty="0" err="1">
+                <a:latin typeface="Times New Roman" panose="02020603050405020304" pitchFamily="18" charset="0"/>
+                <a:cs typeface="Times New Roman" panose="02020603050405020304" pitchFamily="18" charset="0"/>
+              </a:rPr>
+              <a:t>khách</a:t>
+            </a:r>
+            <a:r>
+              <a:rPr lang="en-US" sz="2800" dirty="0">
+                <a:latin typeface="Times New Roman" panose="02020603050405020304" pitchFamily="18" charset="0"/>
+                <a:cs typeface="Times New Roman" panose="02020603050405020304" pitchFamily="18" charset="0"/>
+              </a:rPr>
+              <a:t> </a:t>
+            </a:r>
+            <a:r>
+              <a:rPr lang="en-US" sz="2800" dirty="0" err="1">
+                <a:latin typeface="Times New Roman" panose="02020603050405020304" pitchFamily="18" charset="0"/>
+                <a:cs typeface="Times New Roman" panose="02020603050405020304" pitchFamily="18" charset="0"/>
+              </a:rPr>
+              <a:t>và</a:t>
+            </a:r>
+            <a:r>
+              <a:rPr lang="en-US" sz="2800" dirty="0">
+                <a:latin typeface="Times New Roman" panose="02020603050405020304" pitchFamily="18" charset="0"/>
+                <a:cs typeface="Times New Roman" panose="02020603050405020304" pitchFamily="18" charset="0"/>
+              </a:rPr>
+              <a:t> </a:t>
+            </a:r>
+            <a:r>
+              <a:rPr lang="en-US" sz="2800" dirty="0" err="1">
+                <a:latin typeface="Times New Roman" panose="02020603050405020304" pitchFamily="18" charset="0"/>
+                <a:cs typeface="Times New Roman" panose="02020603050405020304" pitchFamily="18" charset="0"/>
+              </a:rPr>
+              <a:t>các</a:t>
+            </a:r>
+            <a:r>
+              <a:rPr lang="en-US" sz="2800" dirty="0">
+                <a:latin typeface="Times New Roman" panose="02020603050405020304" pitchFamily="18" charset="0"/>
+                <a:cs typeface="Times New Roman" panose="02020603050405020304" pitchFamily="18" charset="0"/>
+              </a:rPr>
+              <a:t> </a:t>
+            </a:r>
+            <a:r>
+              <a:rPr lang="en-US" sz="2800" dirty="0" err="1">
+                <a:latin typeface="Times New Roman" panose="02020603050405020304" pitchFamily="18" charset="0"/>
+                <a:cs typeface="Times New Roman" panose="02020603050405020304" pitchFamily="18" charset="0"/>
+              </a:rPr>
+              <a:t>đại</a:t>
+            </a:r>
+            <a:r>
+              <a:rPr lang="en-US" sz="2800" dirty="0">
+                <a:latin typeface="Times New Roman" panose="02020603050405020304" pitchFamily="18" charset="0"/>
+                <a:cs typeface="Times New Roman" panose="02020603050405020304" pitchFamily="18" charset="0"/>
+              </a:rPr>
+              <a:t> </a:t>
+            </a:r>
+            <a:r>
+              <a:rPr lang="en-US" sz="2800" dirty="0" err="1">
+                <a:latin typeface="Times New Roman" panose="02020603050405020304" pitchFamily="18" charset="0"/>
+                <a:cs typeface="Times New Roman" panose="02020603050405020304" pitchFamily="18" charset="0"/>
+              </a:rPr>
+              <a:t>lý</a:t>
+            </a:r>
+            <a:r>
+              <a:rPr lang="en-US" sz="2800" dirty="0">
+                <a:latin typeface="Times New Roman" panose="02020603050405020304" pitchFamily="18" charset="0"/>
+                <a:cs typeface="Times New Roman" panose="02020603050405020304" pitchFamily="18" charset="0"/>
+              </a:rPr>
+              <a:t>.</a:t>
+            </a:r>
             <a:endParaRPr lang="en-US" sz="2800" b="1" dirty="0">
               <a:latin typeface="Times New Roman" panose="02020603050405020304" pitchFamily="18" charset="0"/>
               <a:cs typeface="Times New Roman" panose="02020603050405020304" pitchFamily="18" charset="0"/>
@@ -21010,11 +24410,7 @@
             </a:r>
             <a:r>
               <a:rPr lang="en-US" sz="2800" dirty="0" smtClean="0"/>
-              <a:t> </a:t>
-            </a:r>
-            <a:r>
-              <a:rPr lang="en-US" sz="2800" dirty="0" smtClean="0"/>
-              <a:t>WareHouse</a:t>
+              <a:t> WareHouse</a:t>
             </a:r>
             <a:endParaRPr sz="2800" dirty="0"/>
           </a:p>
@@ -39122,11 +42518,6 @@
               </a:rPr>
               <a:t>iới thiệu chung về doanh nghiệp</a:t>
             </a:r>
-            <a:endParaRPr lang="en" sz="3200" b="1" i="1" dirty="0">
-              <a:solidFill>
-                <a:srgbClr val="FFFFFF"/>
-              </a:solidFill>
-            </a:endParaRPr>
           </a:p>
         </p:txBody>
       </p:sp>

--- a/9_ERP đã chỉnh.pptx
+++ b/9_ERP đã chỉnh.pptx
@@ -283,7 +283,7 @@
   </p:defaultTextStyle>
   <p:extLst>
     <p:ext uri="{EFAFB233-063F-42B5-8137-9DF3F51BA10A}">
-      <p15:sldGuideLst xmlns:p15="http://schemas.microsoft.com/office/powerpoint/2012/main" xmlns="">
+      <p15:sldGuideLst xmlns="" xmlns:p15="http://schemas.microsoft.com/office/powerpoint/2012/main">
         <p15:guide id="1" orient="horz" pos="1801" userDrawn="1">
           <p15:clr>
             <a:srgbClr val="A4A3A4"/>
@@ -11605,7 +11605,7 @@
         <p:spPr>
           <a:xfrm>
             <a:off x="4069528" y="2527993"/>
-            <a:ext cx="4762500" cy="1569660"/>
+            <a:ext cx="4762500" cy="2677656"/>
           </a:xfrm>
           <a:prstGeom prst="rect">
             <a:avLst/>
@@ -11619,14 +11619,34 @@
           <a:p>
             <a:pPr algn="ctr"/>
             <a:r>
-              <a:rPr lang="en-US" sz="2400" b="1" u="sng" dirty="0">
+              <a:rPr lang="en-US" sz="2400" b="1" u="sng" dirty="0" err="1" smtClean="0">
                 <a:solidFill>
                   <a:schemeClr val="bg2"/>
                 </a:solidFill>
                 <a:latin typeface="Times New Roman" panose="02020603050405020304" pitchFamily="18" charset="0"/>
                 <a:cs typeface="Times New Roman" panose="02020603050405020304" pitchFamily="18" charset="0"/>
               </a:rPr>
-              <a:t>MÔN HỌC: </a:t>
+              <a:t>Nhóm</a:t>
+            </a:r>
+            <a:r>
+              <a:rPr lang="en-US" sz="2400" b="1" u="sng" dirty="0" smtClean="0">
+                <a:solidFill>
+                  <a:schemeClr val="bg2"/>
+                </a:solidFill>
+                <a:latin typeface="Times New Roman" panose="02020603050405020304" pitchFamily="18" charset="0"/>
+                <a:cs typeface="Times New Roman" panose="02020603050405020304" pitchFamily="18" charset="0"/>
+              </a:rPr>
+              <a:t> 9</a:t>
+            </a:r>
+            <a:r>
+              <a:rPr lang="en-US" sz="2400" b="1" u="sng" dirty="0" smtClean="0">
+                <a:solidFill>
+                  <a:schemeClr val="bg2"/>
+                </a:solidFill>
+                <a:latin typeface="Times New Roman" panose="02020603050405020304" pitchFamily="18" charset="0"/>
+                <a:cs typeface="Times New Roman" panose="02020603050405020304" pitchFamily="18" charset="0"/>
+              </a:rPr>
+              <a:t>: </a:t>
             </a:r>
             <a:endParaRPr lang="en-US" sz="2400" b="1" u="sng" dirty="0" smtClean="0">
               <a:solidFill>
@@ -11637,7 +11657,70 @@
             </a:endParaRPr>
           </a:p>
           <a:p>
-            <a:pPr algn="ctr"/>
+            <a:pPr marL="342900" indent="-342900">
+              <a:buFontTx/>
+              <a:buChar char="-"/>
+            </a:pPr>
+            <a:r>
+              <a:rPr lang="en-US" sz="2400" b="1" u="sng" dirty="0" smtClean="0">
+                <a:solidFill>
+                  <a:schemeClr val="bg2"/>
+                </a:solidFill>
+                <a:latin typeface="Times New Roman" panose="02020603050405020304" pitchFamily="18" charset="0"/>
+                <a:cs typeface="Times New Roman" panose="02020603050405020304" pitchFamily="18" charset="0"/>
+              </a:rPr>
+              <a:t>- </a:t>
+            </a:r>
+            <a:r>
+              <a:rPr lang="en-US" sz="2400" b="1" u="sng" dirty="0" err="1" smtClean="0">
+                <a:solidFill>
+                  <a:schemeClr val="bg2"/>
+                </a:solidFill>
+                <a:latin typeface="Times New Roman" panose="02020603050405020304" pitchFamily="18" charset="0"/>
+                <a:cs typeface="Times New Roman" panose="02020603050405020304" pitchFamily="18" charset="0"/>
+              </a:rPr>
+              <a:t>Trần</a:t>
+            </a:r>
+            <a:r>
+              <a:rPr lang="en-US" sz="2400" b="1" u="sng" dirty="0" smtClean="0">
+                <a:solidFill>
+                  <a:schemeClr val="bg2"/>
+                </a:solidFill>
+                <a:latin typeface="Times New Roman" panose="02020603050405020304" pitchFamily="18" charset="0"/>
+                <a:cs typeface="Times New Roman" panose="02020603050405020304" pitchFamily="18" charset="0"/>
+              </a:rPr>
+              <a:t> </a:t>
+            </a:r>
+            <a:r>
+              <a:rPr lang="en-US" sz="2400" b="1" u="sng" dirty="0" err="1" smtClean="0">
+                <a:solidFill>
+                  <a:schemeClr val="bg2"/>
+                </a:solidFill>
+                <a:latin typeface="Times New Roman" panose="02020603050405020304" pitchFamily="18" charset="0"/>
+                <a:cs typeface="Times New Roman" panose="02020603050405020304" pitchFamily="18" charset="0"/>
+              </a:rPr>
+              <a:t>Thị</a:t>
+            </a:r>
+            <a:r>
+              <a:rPr lang="en-US" sz="2400" b="1" u="sng" dirty="0" smtClean="0">
+                <a:solidFill>
+                  <a:schemeClr val="bg2"/>
+                </a:solidFill>
+                <a:latin typeface="Times New Roman" panose="02020603050405020304" pitchFamily="18" charset="0"/>
+                <a:cs typeface="Times New Roman" panose="02020603050405020304" pitchFamily="18" charset="0"/>
+              </a:rPr>
+              <a:t> </a:t>
+            </a:r>
+            <a:r>
+              <a:rPr lang="en-US" sz="2400" b="1" u="sng" dirty="0" err="1" smtClean="0">
+                <a:solidFill>
+                  <a:schemeClr val="bg2"/>
+                </a:solidFill>
+                <a:latin typeface="Times New Roman" panose="02020603050405020304" pitchFamily="18" charset="0"/>
+                <a:cs typeface="Times New Roman" panose="02020603050405020304" pitchFamily="18" charset="0"/>
+              </a:rPr>
+              <a:t>Hà</a:t>
+            </a:r>
             <a:endParaRPr lang="en-US" sz="2400" b="1" u="sng" dirty="0" smtClean="0">
               <a:solidFill>
                 <a:schemeClr val="bg2"/>
@@ -11647,17 +11730,249 @@
             </a:endParaRPr>
           </a:p>
           <a:p>
-            <a:pPr algn="ctr"/>
-            <a:r>
-              <a:rPr lang="en-US" sz="2400" b="1" dirty="0" smtClean="0">
+            <a:pPr marL="342900" indent="-342900">
+              <a:buFontTx/>
+              <a:buChar char="-"/>
+            </a:pPr>
+            <a:r>
+              <a:rPr lang="en-US" sz="2400" b="1" u="sng" dirty="0" smtClean="0">
                 <a:solidFill>
                   <a:schemeClr val="bg2"/>
                 </a:solidFill>
                 <a:latin typeface="Times New Roman" panose="02020603050405020304" pitchFamily="18" charset="0"/>
                 <a:cs typeface="Times New Roman" panose="02020603050405020304" pitchFamily="18" charset="0"/>
               </a:rPr>
-              <a:t>HỆ THỐNG HOẠCH ĐỊNH NGUỒN LỰC DOANH NGHIỆP</a:t>
-            </a:r>
+              <a:t>- </a:t>
+            </a:r>
+            <a:r>
+              <a:rPr lang="en-US" sz="2400" b="1" u="sng" dirty="0" err="1" smtClean="0">
+                <a:solidFill>
+                  <a:schemeClr val="bg2"/>
+                </a:solidFill>
+                <a:latin typeface="Times New Roman" panose="02020603050405020304" pitchFamily="18" charset="0"/>
+                <a:cs typeface="Times New Roman" panose="02020603050405020304" pitchFamily="18" charset="0"/>
+              </a:rPr>
+              <a:t>Nguyễn</a:t>
+            </a:r>
+            <a:r>
+              <a:rPr lang="en-US" sz="2400" b="1" u="sng" dirty="0" smtClean="0">
+                <a:solidFill>
+                  <a:schemeClr val="bg2"/>
+                </a:solidFill>
+                <a:latin typeface="Times New Roman" panose="02020603050405020304" pitchFamily="18" charset="0"/>
+                <a:cs typeface="Times New Roman" panose="02020603050405020304" pitchFamily="18" charset="0"/>
+              </a:rPr>
+              <a:t> </a:t>
+            </a:r>
+            <a:r>
+              <a:rPr lang="en-US" sz="2400" b="1" u="sng" dirty="0" err="1" smtClean="0">
+                <a:solidFill>
+                  <a:schemeClr val="bg2"/>
+                </a:solidFill>
+                <a:latin typeface="Times New Roman" panose="02020603050405020304" pitchFamily="18" charset="0"/>
+                <a:cs typeface="Times New Roman" panose="02020603050405020304" pitchFamily="18" charset="0"/>
+              </a:rPr>
+              <a:t>Thị</a:t>
+            </a:r>
+            <a:r>
+              <a:rPr lang="en-US" sz="2400" b="1" u="sng" dirty="0" smtClean="0">
+                <a:solidFill>
+                  <a:schemeClr val="bg2"/>
+                </a:solidFill>
+                <a:latin typeface="Times New Roman" panose="02020603050405020304" pitchFamily="18" charset="0"/>
+                <a:cs typeface="Times New Roman" panose="02020603050405020304" pitchFamily="18" charset="0"/>
+              </a:rPr>
+              <a:t> Kim </a:t>
+            </a:r>
+            <a:r>
+              <a:rPr lang="en-US" sz="2400" b="1" u="sng" dirty="0" err="1" smtClean="0">
+                <a:solidFill>
+                  <a:schemeClr val="bg2"/>
+                </a:solidFill>
+                <a:latin typeface="Times New Roman" panose="02020603050405020304" pitchFamily="18" charset="0"/>
+                <a:cs typeface="Times New Roman" panose="02020603050405020304" pitchFamily="18" charset="0"/>
+              </a:rPr>
+              <a:t>Oanh</a:t>
+            </a:r>
+            <a:endParaRPr lang="en-US" sz="2400" b="1" u="sng" dirty="0" smtClean="0">
+              <a:solidFill>
+                <a:schemeClr val="bg2"/>
+              </a:solidFill>
+              <a:latin typeface="Times New Roman" panose="02020603050405020304" pitchFamily="18" charset="0"/>
+              <a:cs typeface="Times New Roman" panose="02020603050405020304" pitchFamily="18" charset="0"/>
+            </a:endParaRPr>
+          </a:p>
+          <a:p>
+            <a:pPr marL="342900" indent="-342900">
+              <a:buFontTx/>
+              <a:buChar char="-"/>
+            </a:pPr>
+            <a:r>
+              <a:rPr lang="en-US" sz="2400" b="1" u="sng" dirty="0" smtClean="0">
+                <a:solidFill>
+                  <a:schemeClr val="bg2"/>
+                </a:solidFill>
+                <a:latin typeface="Times New Roman" panose="02020603050405020304" pitchFamily="18" charset="0"/>
+                <a:cs typeface="Times New Roman" panose="02020603050405020304" pitchFamily="18" charset="0"/>
+              </a:rPr>
+              <a:t>- </a:t>
+            </a:r>
+            <a:r>
+              <a:rPr lang="en-US" sz="2400" b="1" u="sng" dirty="0" err="1" smtClean="0">
+                <a:solidFill>
+                  <a:schemeClr val="bg2"/>
+                </a:solidFill>
+                <a:latin typeface="Times New Roman" panose="02020603050405020304" pitchFamily="18" charset="0"/>
+                <a:cs typeface="Times New Roman" panose="02020603050405020304" pitchFamily="18" charset="0"/>
+              </a:rPr>
+              <a:t>Hồ</a:t>
+            </a:r>
+            <a:r>
+              <a:rPr lang="en-US" sz="2400" b="1" u="sng" dirty="0" smtClean="0">
+                <a:solidFill>
+                  <a:schemeClr val="bg2"/>
+                </a:solidFill>
+                <a:latin typeface="Times New Roman" panose="02020603050405020304" pitchFamily="18" charset="0"/>
+                <a:cs typeface="Times New Roman" panose="02020603050405020304" pitchFamily="18" charset="0"/>
+              </a:rPr>
+              <a:t> </a:t>
+            </a:r>
+            <a:r>
+              <a:rPr lang="en-US" sz="2400" b="1" u="sng" dirty="0" err="1" smtClean="0">
+                <a:solidFill>
+                  <a:schemeClr val="bg2"/>
+                </a:solidFill>
+                <a:latin typeface="Times New Roman" panose="02020603050405020304" pitchFamily="18" charset="0"/>
+                <a:cs typeface="Times New Roman" panose="02020603050405020304" pitchFamily="18" charset="0"/>
+              </a:rPr>
+              <a:t>Tấn</a:t>
+            </a:r>
+            <a:r>
+              <a:rPr lang="en-US" sz="2400" b="1" u="sng" dirty="0" smtClean="0">
+                <a:solidFill>
+                  <a:schemeClr val="bg2"/>
+                </a:solidFill>
+                <a:latin typeface="Times New Roman" panose="02020603050405020304" pitchFamily="18" charset="0"/>
+                <a:cs typeface="Times New Roman" panose="02020603050405020304" pitchFamily="18" charset="0"/>
+              </a:rPr>
+              <a:t> </a:t>
+            </a:r>
+            <a:r>
+              <a:rPr lang="en-US" sz="2400" b="1" u="sng" dirty="0" err="1" smtClean="0">
+                <a:solidFill>
+                  <a:schemeClr val="bg2"/>
+                </a:solidFill>
+                <a:latin typeface="Times New Roman" panose="02020603050405020304" pitchFamily="18" charset="0"/>
+                <a:cs typeface="Times New Roman" panose="02020603050405020304" pitchFamily="18" charset="0"/>
+              </a:rPr>
+              <a:t>Huy</a:t>
+            </a:r>
+            <a:endParaRPr lang="en-US" sz="2400" b="1" u="sng" dirty="0" smtClean="0">
+              <a:solidFill>
+                <a:schemeClr val="bg2"/>
+              </a:solidFill>
+              <a:latin typeface="Times New Roman" panose="02020603050405020304" pitchFamily="18" charset="0"/>
+              <a:cs typeface="Times New Roman" panose="02020603050405020304" pitchFamily="18" charset="0"/>
+            </a:endParaRPr>
+          </a:p>
+          <a:p>
+            <a:pPr marL="342900" indent="-342900">
+              <a:buFontTx/>
+              <a:buChar char="-"/>
+            </a:pPr>
+            <a:r>
+              <a:rPr lang="en-US" sz="2400" b="1" u="sng" dirty="0" smtClean="0">
+                <a:solidFill>
+                  <a:schemeClr val="bg2"/>
+                </a:solidFill>
+                <a:latin typeface="Times New Roman" panose="02020603050405020304" pitchFamily="18" charset="0"/>
+                <a:cs typeface="Times New Roman" panose="02020603050405020304" pitchFamily="18" charset="0"/>
+              </a:rPr>
+              <a:t>- </a:t>
+            </a:r>
+            <a:r>
+              <a:rPr lang="en-US" sz="2400" b="1" u="sng" dirty="0" err="1" smtClean="0">
+                <a:solidFill>
+                  <a:schemeClr val="bg2"/>
+                </a:solidFill>
+                <a:latin typeface="Times New Roman" panose="02020603050405020304" pitchFamily="18" charset="0"/>
+                <a:cs typeface="Times New Roman" panose="02020603050405020304" pitchFamily="18" charset="0"/>
+              </a:rPr>
+              <a:t>Phạm</a:t>
+            </a:r>
+            <a:r>
+              <a:rPr lang="en-US" sz="2400" b="1" u="sng" dirty="0" smtClean="0">
+                <a:solidFill>
+                  <a:schemeClr val="bg2"/>
+                </a:solidFill>
+                <a:latin typeface="Times New Roman" panose="02020603050405020304" pitchFamily="18" charset="0"/>
+                <a:cs typeface="Times New Roman" panose="02020603050405020304" pitchFamily="18" charset="0"/>
+              </a:rPr>
+              <a:t> </a:t>
+            </a:r>
+            <a:r>
+              <a:rPr lang="en-US" sz="2400" b="1" u="sng" dirty="0" err="1" smtClean="0">
+                <a:solidFill>
+                  <a:schemeClr val="bg2"/>
+                </a:solidFill>
+                <a:latin typeface="Times New Roman" panose="02020603050405020304" pitchFamily="18" charset="0"/>
+                <a:cs typeface="Times New Roman" panose="02020603050405020304" pitchFamily="18" charset="0"/>
+              </a:rPr>
+              <a:t>Hùng</a:t>
+            </a:r>
+            <a:r>
+              <a:rPr lang="en-US" sz="2400" b="1" u="sng" dirty="0" smtClean="0">
+                <a:solidFill>
+                  <a:schemeClr val="bg2"/>
+                </a:solidFill>
+                <a:latin typeface="Times New Roman" panose="02020603050405020304" pitchFamily="18" charset="0"/>
+                <a:cs typeface="Times New Roman" panose="02020603050405020304" pitchFamily="18" charset="0"/>
+              </a:rPr>
+              <a:t> </a:t>
+            </a:r>
+            <a:r>
+              <a:rPr lang="en-US" sz="2400" b="1" u="sng" dirty="0" err="1" smtClean="0">
+                <a:solidFill>
+                  <a:schemeClr val="bg2"/>
+                </a:solidFill>
+                <a:latin typeface="Times New Roman" panose="02020603050405020304" pitchFamily="18" charset="0"/>
+                <a:cs typeface="Times New Roman" panose="02020603050405020304" pitchFamily="18" charset="0"/>
+              </a:rPr>
+              <a:t>Mạnh</a:t>
+            </a:r>
+            <a:endParaRPr lang="en-US" sz="2400" b="1" u="sng" dirty="0" smtClean="0">
+              <a:solidFill>
+                <a:schemeClr val="bg2"/>
+              </a:solidFill>
+              <a:latin typeface="Times New Roman" panose="02020603050405020304" pitchFamily="18" charset="0"/>
+              <a:cs typeface="Times New Roman" panose="02020603050405020304" pitchFamily="18" charset="0"/>
+            </a:endParaRPr>
+          </a:p>
+          <a:p>
+            <a:pPr marL="342900" indent="-342900">
+              <a:buFontTx/>
+              <a:buChar char="-"/>
+            </a:pPr>
+            <a:endParaRPr lang="en-US" sz="2400" b="1" u="sng" dirty="0" smtClean="0">
+              <a:solidFill>
+                <a:schemeClr val="bg2"/>
+              </a:solidFill>
+              <a:latin typeface="Times New Roman" panose="02020603050405020304" pitchFamily="18" charset="0"/>
+              <a:cs typeface="Times New Roman" panose="02020603050405020304" pitchFamily="18" charset="0"/>
+            </a:endParaRPr>
+          </a:p>
+          <a:p>
+            <a:pPr marL="342900" indent="-342900">
+              <a:buFontTx/>
+              <a:buChar char="-"/>
+            </a:pPr>
+            <a:endParaRPr lang="en-US" sz="2400" b="1" u="sng" dirty="0" smtClean="0">
+              <a:solidFill>
+                <a:schemeClr val="bg2"/>
+              </a:solidFill>
+              <a:latin typeface="Times New Roman" panose="02020603050405020304" pitchFamily="18" charset="0"/>
+              <a:cs typeface="Times New Roman" panose="02020603050405020304" pitchFamily="18" charset="0"/>
+            </a:endParaRPr>
           </a:p>
         </p:txBody>
       </p:sp>
@@ -36422,8 +36737,8 @@
         </p:nvSpPr>
         <p:spPr>
           <a:xfrm>
-            <a:off x="1156261" y="1239554"/>
-            <a:ext cx="6287520" cy="2686988"/>
+            <a:off x="1156261" y="1688951"/>
+            <a:ext cx="6287520" cy="2398956"/>
           </a:xfrm>
         </p:spPr>
         <p:txBody>
@@ -36436,27 +36751,15 @@
                 <a:latin typeface="Times New Roman" pitchFamily="18" charset="0"/>
                 <a:cs typeface="Times New Roman" pitchFamily="18" charset="0"/>
               </a:rPr>
-              <a:t>THANK YOU FOR LISTENING</a:t>
-            </a:r>
-            <a:br>
+              <a:t>THANK YOU FOR </a:t>
+            </a:r>
+            <a:r>
               <a:rPr lang="en-US" sz="5400" dirty="0" smtClean="0">
                 <a:latin typeface="Times New Roman" pitchFamily="18" charset="0"/>
                 <a:cs typeface="Times New Roman" pitchFamily="18" charset="0"/>
               </a:rPr>
-            </a:br>
-            <a:r>
-              <a:rPr lang="en-US" sz="3600" dirty="0" smtClean="0">
-                <a:latin typeface="Times New Roman" pitchFamily="18" charset="0"/>
-                <a:cs typeface="Times New Roman" pitchFamily="18" charset="0"/>
-              </a:rPr>
-              <a:t>Team 9</a:t>
-            </a:r>
-            <a:br>
-              <a:rPr lang="en-US" sz="3600" dirty="0" smtClean="0">
-                <a:latin typeface="Times New Roman" pitchFamily="18" charset="0"/>
-                <a:cs typeface="Times New Roman" pitchFamily="18" charset="0"/>
-              </a:rPr>
-            </a:br>
+              <a:t>LISTENING</a:t>
+            </a:r>
             <a:endParaRPr lang="en-US" sz="3600" dirty="0">
               <a:latin typeface="Times New Roman" pitchFamily="18" charset="0"/>
               <a:cs typeface="Times New Roman" pitchFamily="18" charset="0"/>

--- a/9_ERP đã chỉnh.pptx
+++ b/9_ERP đã chỉnh.pptx
@@ -5,7 +5,7 @@
     <p:sldMasterId id="2147483680" r:id="rId1"/>
   </p:sldMasterIdLst>
   <p:notesMasterIdLst>
-    <p:notesMasterId r:id="rId33"/>
+    <p:notesMasterId r:id="rId34"/>
   </p:notesMasterIdLst>
   <p:sldIdLst>
     <p:sldId id="256" r:id="rId2"/>
@@ -28,28 +28,29 @@
     <p:sldId id="331" r:id="rId19"/>
     <p:sldId id="360" r:id="rId20"/>
     <p:sldId id="362" r:id="rId21"/>
-    <p:sldId id="361" r:id="rId22"/>
-    <p:sldId id="363" r:id="rId23"/>
-    <p:sldId id="364" r:id="rId24"/>
-    <p:sldId id="370" r:id="rId25"/>
-    <p:sldId id="371" r:id="rId26"/>
-    <p:sldId id="329" r:id="rId27"/>
-    <p:sldId id="365" r:id="rId28"/>
-    <p:sldId id="366" r:id="rId29"/>
-    <p:sldId id="367" r:id="rId30"/>
-    <p:sldId id="368" r:id="rId31"/>
-    <p:sldId id="341" r:id="rId32"/>
+    <p:sldId id="373" r:id="rId22"/>
+    <p:sldId id="361" r:id="rId23"/>
+    <p:sldId id="363" r:id="rId24"/>
+    <p:sldId id="364" r:id="rId25"/>
+    <p:sldId id="370" r:id="rId26"/>
+    <p:sldId id="371" r:id="rId27"/>
+    <p:sldId id="329" r:id="rId28"/>
+    <p:sldId id="365" r:id="rId29"/>
+    <p:sldId id="366" r:id="rId30"/>
+    <p:sldId id="367" r:id="rId31"/>
+    <p:sldId id="368" r:id="rId32"/>
+    <p:sldId id="341" r:id="rId33"/>
   </p:sldIdLst>
   <p:sldSz cx="9144000" cy="5143500" type="screen16x9"/>
   <p:notesSz cx="6858000" cy="9144000"/>
   <p:embeddedFontLst>
     <p:embeddedFont>
-      <p:font typeface="Abel" charset="0"/>
-      <p:regular r:id="rId34"/>
+      <p:font typeface="Alata" charset="0"/>
+      <p:regular r:id="rId35"/>
     </p:embeddedFont>
     <p:embeddedFont>
-      <p:font typeface="Alata" charset="0"/>
-      <p:regular r:id="rId35"/>
+      <p:font typeface="Abel" charset="0"/>
+      <p:regular r:id="rId36"/>
     </p:embeddedFont>
   </p:embeddedFontLst>
   <p:defaultTextStyle>
@@ -1205,6 +1206,115 @@
   <p:cSld>
     <p:spTree>
       <p:nvGrpSpPr>
+        <p:cNvPr id="1" name="Shape 436"/>
+        <p:cNvGrpSpPr/>
+        <p:nvPr/>
+      </p:nvGrpSpPr>
+      <p:grpSpPr>
+        <a:xfrm>
+          <a:off x="0" y="0"/>
+          <a:ext cx="0" cy="0"/>
+          <a:chOff x="0" y="0"/>
+          <a:chExt cx="0" cy="0"/>
+        </a:xfrm>
+      </p:grpSpPr>
+      <p:sp>
+        <p:nvSpPr>
+          <p:cNvPr id="437" name="Google Shape;437;g9626d32db8_0_38:notes"/>
+          <p:cNvSpPr>
+            <a:spLocks noGrp="1" noRot="1" noChangeAspect="1"/>
+          </p:cNvSpPr>
+          <p:nvPr>
+            <p:ph type="sldImg" idx="2"/>
+          </p:nvPr>
+        </p:nvSpPr>
+        <p:spPr>
+          <a:xfrm>
+            <a:off x="381000" y="685800"/>
+            <a:ext cx="6096000" cy="3429000"/>
+          </a:xfrm>
+          <a:custGeom>
+            <a:avLst/>
+            <a:gdLst/>
+            <a:ahLst/>
+            <a:cxnLst/>
+            <a:rect l="l" t="t" r="r" b="b"/>
+            <a:pathLst>
+              <a:path w="120000" h="120000" extrusionOk="0">
+                <a:moveTo>
+                  <a:pt x="0" y="0"/>
+                </a:moveTo>
+                <a:lnTo>
+                  <a:pt x="120000" y="0"/>
+                </a:lnTo>
+                <a:lnTo>
+                  <a:pt x="120000" y="120000"/>
+                </a:lnTo>
+                <a:lnTo>
+                  <a:pt x="0" y="120000"/>
+                </a:lnTo>
+                <a:close/>
+              </a:path>
+            </a:pathLst>
+          </a:custGeom>
+        </p:spPr>
+      </p:sp>
+      <p:sp>
+        <p:nvSpPr>
+          <p:cNvPr id="438" name="Google Shape;438;g9626d32db8_0_38:notes"/>
+          <p:cNvSpPr txBox="1">
+            <a:spLocks noGrp="1"/>
+          </p:cNvSpPr>
+          <p:nvPr>
+            <p:ph type="body" idx="1"/>
+          </p:nvPr>
+        </p:nvSpPr>
+        <p:spPr>
+          <a:xfrm>
+            <a:off x="685800" y="4343400"/>
+            <a:ext cx="5486400" cy="4114800"/>
+          </a:xfrm>
+          <a:prstGeom prst="rect">
+            <a:avLst/>
+          </a:prstGeom>
+        </p:spPr>
+        <p:txBody>
+          <a:bodyPr spcFirstLastPara="1" wrap="square" lIns="91425" tIns="91425" rIns="91425" bIns="91425" anchor="t" anchorCtr="0">
+            <a:noAutofit/>
+          </a:bodyPr>
+          <a:lstStyle/>
+          <a:p>
+            <a:pPr marL="0" lvl="0" indent="0" algn="l" rtl="0">
+              <a:spcBef>
+                <a:spcPts val="0"/>
+              </a:spcBef>
+              <a:spcAft>
+                <a:spcPts val="0"/>
+              </a:spcAft>
+              <a:buNone/>
+            </a:pPr>
+            <a:endParaRPr/>
+          </a:p>
+        </p:txBody>
+      </p:sp>
+    </p:spTree>
+    <p:extLst>
+      <p:ext uri="{BB962C8B-B14F-4D97-AF65-F5344CB8AC3E}">
+        <p14:creationId xmlns:p14="http://schemas.microsoft.com/office/powerpoint/2010/main" val="1709974091"/>
+      </p:ext>
+    </p:extLst>
+  </p:cSld>
+  <p:clrMapOvr>
+    <a:masterClrMapping/>
+  </p:clrMapOvr>
+</p:notes>
+</file>
+
+<file path=ppt/notesSlides/notesSlide14.xml><?xml version="1.0" encoding="utf-8"?>
+<p:notes xmlns:a="http://schemas.openxmlformats.org/drawingml/2006/main" xmlns:r="http://schemas.openxmlformats.org/officeDocument/2006/relationships" xmlns:p="http://schemas.openxmlformats.org/presentationml/2006/main" showMasterSp="0" showMasterPhAnim="0">
+  <p:cSld>
+    <p:spTree>
+      <p:nvGrpSpPr>
         <p:cNvPr id="1" name="Shape 416"/>
         <p:cNvGrpSpPr/>
         <p:nvPr/>
@@ -1309,7 +1419,7 @@
 </p:notes>
 </file>
 
-<file path=ppt/notesSlides/notesSlide14.xml><?xml version="1.0" encoding="utf-8"?>
+<file path=ppt/notesSlides/notesSlide15.xml><?xml version="1.0" encoding="utf-8"?>
 <p:notes xmlns:a="http://schemas.openxmlformats.org/drawingml/2006/main" xmlns:r="http://schemas.openxmlformats.org/officeDocument/2006/relationships" xmlns:p="http://schemas.openxmlformats.org/presentationml/2006/main" showMasterSp="0" showMasterPhAnim="0">
   <p:cSld>
     <p:spTree>
@@ -1409,115 +1519,6 @@
     <p:extLst>
       <p:ext uri="{BB962C8B-B14F-4D97-AF65-F5344CB8AC3E}">
         <p14:creationId xmlns:p14="http://schemas.microsoft.com/office/powerpoint/2010/main" val="457026443"/>
-      </p:ext>
-    </p:extLst>
-  </p:cSld>
-  <p:clrMapOvr>
-    <a:masterClrMapping/>
-  </p:clrMapOvr>
-</p:notes>
-</file>
-
-<file path=ppt/notesSlides/notesSlide15.xml><?xml version="1.0" encoding="utf-8"?>
-<p:notes xmlns:a="http://schemas.openxmlformats.org/drawingml/2006/main" xmlns:r="http://schemas.openxmlformats.org/officeDocument/2006/relationships" xmlns:p="http://schemas.openxmlformats.org/presentationml/2006/main" showMasterSp="0" showMasterPhAnim="0">
-  <p:cSld>
-    <p:spTree>
-      <p:nvGrpSpPr>
-        <p:cNvPr id="1" name="Shape 404"/>
-        <p:cNvGrpSpPr/>
-        <p:nvPr/>
-      </p:nvGrpSpPr>
-      <p:grpSpPr>
-        <a:xfrm>
-          <a:off x="0" y="0"/>
-          <a:ext cx="0" cy="0"/>
-          <a:chOff x="0" y="0"/>
-          <a:chExt cx="0" cy="0"/>
-        </a:xfrm>
-      </p:grpSpPr>
-      <p:sp>
-        <p:nvSpPr>
-          <p:cNvPr id="405" name="Google Shape;405;p:notes"/>
-          <p:cNvSpPr>
-            <a:spLocks noGrp="1" noRot="1" noChangeAspect="1"/>
-          </p:cNvSpPr>
-          <p:nvPr>
-            <p:ph type="sldImg" idx="2"/>
-          </p:nvPr>
-        </p:nvSpPr>
-        <p:spPr>
-          <a:xfrm>
-            <a:off x="381000" y="685800"/>
-            <a:ext cx="6096000" cy="3429000"/>
-          </a:xfrm>
-          <a:custGeom>
-            <a:avLst/>
-            <a:gdLst/>
-            <a:ahLst/>
-            <a:cxnLst/>
-            <a:rect l="l" t="t" r="r" b="b"/>
-            <a:pathLst>
-              <a:path w="120000" h="120000" extrusionOk="0">
-                <a:moveTo>
-                  <a:pt x="0" y="0"/>
-                </a:moveTo>
-                <a:lnTo>
-                  <a:pt x="120000" y="0"/>
-                </a:lnTo>
-                <a:lnTo>
-                  <a:pt x="120000" y="120000"/>
-                </a:lnTo>
-                <a:lnTo>
-                  <a:pt x="0" y="120000"/>
-                </a:lnTo>
-                <a:close/>
-              </a:path>
-            </a:pathLst>
-          </a:custGeom>
-        </p:spPr>
-      </p:sp>
-      <p:sp>
-        <p:nvSpPr>
-          <p:cNvPr id="406" name="Google Shape;406;p:notes"/>
-          <p:cNvSpPr txBox="1">
-            <a:spLocks noGrp="1"/>
-          </p:cNvSpPr>
-          <p:nvPr>
-            <p:ph type="body" idx="1"/>
-          </p:nvPr>
-        </p:nvSpPr>
-        <p:spPr>
-          <a:xfrm>
-            <a:off x="685800" y="4343400"/>
-            <a:ext cx="5486400" cy="4114800"/>
-          </a:xfrm>
-          <a:prstGeom prst="rect">
-            <a:avLst/>
-          </a:prstGeom>
-        </p:spPr>
-        <p:txBody>
-          <a:bodyPr spcFirstLastPara="1" wrap="square" lIns="91425" tIns="91425" rIns="91425" bIns="91425" anchor="t" anchorCtr="0">
-            <a:noAutofit/>
-          </a:bodyPr>
-          <a:lstStyle/>
-          <a:p>
-            <a:pPr marL="0" lvl="0" indent="0" algn="l" rtl="0">
-              <a:spcBef>
-                <a:spcPts val="0"/>
-              </a:spcBef>
-              <a:spcAft>
-                <a:spcPts val="0"/>
-              </a:spcAft>
-              <a:buNone/>
-            </a:pPr>
-            <a:endParaRPr/>
-          </a:p>
-        </p:txBody>
-      </p:sp>
-    </p:spTree>
-    <p:extLst>
-      <p:ext uri="{BB962C8B-B14F-4D97-AF65-F5344CB8AC3E}">
-        <p14:creationId xmlns:p14="http://schemas.microsoft.com/office/powerpoint/2010/main" val="2797550059"/>
       </p:ext>
     </p:extLst>
   </p:cSld>
@@ -1746,6 +1747,115 @@
 </file>
 
 <file path=ppt/notesSlides/notesSlide18.xml><?xml version="1.0" encoding="utf-8"?>
+<p:notes xmlns:a="http://schemas.openxmlformats.org/drawingml/2006/main" xmlns:r="http://schemas.openxmlformats.org/officeDocument/2006/relationships" xmlns:p="http://schemas.openxmlformats.org/presentationml/2006/main" showMasterSp="0" showMasterPhAnim="0">
+  <p:cSld>
+    <p:spTree>
+      <p:nvGrpSpPr>
+        <p:cNvPr id="1" name="Shape 404"/>
+        <p:cNvGrpSpPr/>
+        <p:nvPr/>
+      </p:nvGrpSpPr>
+      <p:grpSpPr>
+        <a:xfrm>
+          <a:off x="0" y="0"/>
+          <a:ext cx="0" cy="0"/>
+          <a:chOff x="0" y="0"/>
+          <a:chExt cx="0" cy="0"/>
+        </a:xfrm>
+      </p:grpSpPr>
+      <p:sp>
+        <p:nvSpPr>
+          <p:cNvPr id="405" name="Google Shape;405;p:notes"/>
+          <p:cNvSpPr>
+            <a:spLocks noGrp="1" noRot="1" noChangeAspect="1"/>
+          </p:cNvSpPr>
+          <p:nvPr>
+            <p:ph type="sldImg" idx="2"/>
+          </p:nvPr>
+        </p:nvSpPr>
+        <p:spPr>
+          <a:xfrm>
+            <a:off x="381000" y="685800"/>
+            <a:ext cx="6096000" cy="3429000"/>
+          </a:xfrm>
+          <a:custGeom>
+            <a:avLst/>
+            <a:gdLst/>
+            <a:ahLst/>
+            <a:cxnLst/>
+            <a:rect l="l" t="t" r="r" b="b"/>
+            <a:pathLst>
+              <a:path w="120000" h="120000" extrusionOk="0">
+                <a:moveTo>
+                  <a:pt x="0" y="0"/>
+                </a:moveTo>
+                <a:lnTo>
+                  <a:pt x="120000" y="0"/>
+                </a:lnTo>
+                <a:lnTo>
+                  <a:pt x="120000" y="120000"/>
+                </a:lnTo>
+                <a:lnTo>
+                  <a:pt x="0" y="120000"/>
+                </a:lnTo>
+                <a:close/>
+              </a:path>
+            </a:pathLst>
+          </a:custGeom>
+        </p:spPr>
+      </p:sp>
+      <p:sp>
+        <p:nvSpPr>
+          <p:cNvPr id="406" name="Google Shape;406;p:notes"/>
+          <p:cNvSpPr txBox="1">
+            <a:spLocks noGrp="1"/>
+          </p:cNvSpPr>
+          <p:nvPr>
+            <p:ph type="body" idx="1"/>
+          </p:nvPr>
+        </p:nvSpPr>
+        <p:spPr>
+          <a:xfrm>
+            <a:off x="685800" y="4343400"/>
+            <a:ext cx="5486400" cy="4114800"/>
+          </a:xfrm>
+          <a:prstGeom prst="rect">
+            <a:avLst/>
+          </a:prstGeom>
+        </p:spPr>
+        <p:txBody>
+          <a:bodyPr spcFirstLastPara="1" wrap="square" lIns="91425" tIns="91425" rIns="91425" bIns="91425" anchor="t" anchorCtr="0">
+            <a:noAutofit/>
+          </a:bodyPr>
+          <a:lstStyle/>
+          <a:p>
+            <a:pPr marL="0" lvl="0" indent="0" algn="l" rtl="0">
+              <a:spcBef>
+                <a:spcPts val="0"/>
+              </a:spcBef>
+              <a:spcAft>
+                <a:spcPts val="0"/>
+              </a:spcAft>
+              <a:buNone/>
+            </a:pPr>
+            <a:endParaRPr/>
+          </a:p>
+        </p:txBody>
+      </p:sp>
+    </p:spTree>
+    <p:extLst>
+      <p:ext uri="{BB962C8B-B14F-4D97-AF65-F5344CB8AC3E}">
+        <p14:creationId xmlns:p14="http://schemas.microsoft.com/office/powerpoint/2010/main" val="2797550059"/>
+      </p:ext>
+    </p:extLst>
+  </p:cSld>
+  <p:clrMapOvr>
+    <a:masterClrMapping/>
+  </p:clrMapOvr>
+</p:notes>
+</file>
+
+<file path=ppt/notesSlides/notesSlide19.xml><?xml version="1.0" encoding="utf-8"?>
 <p:notes xmlns:a="http://schemas.openxmlformats.org/drawingml/2006/main" xmlns:r="http://schemas.openxmlformats.org/officeDocument/2006/relationships" xmlns:p="http://schemas.openxmlformats.org/presentationml/2006/main" showMasterSp="0" showMasterPhAnim="0">
   <p:cSld>
     <p:spTree>
@@ -11636,25 +11746,8 @@
                 <a:latin typeface="Times New Roman" panose="02020603050405020304" pitchFamily="18" charset="0"/>
                 <a:cs typeface="Times New Roman" panose="02020603050405020304" pitchFamily="18" charset="0"/>
               </a:rPr>
-              <a:t> 9</a:t>
-            </a:r>
-            <a:r>
-              <a:rPr lang="en-US" sz="2400" b="1" u="sng" dirty="0" smtClean="0">
-                <a:solidFill>
-                  <a:schemeClr val="bg2"/>
-                </a:solidFill>
-                <a:latin typeface="Times New Roman" panose="02020603050405020304" pitchFamily="18" charset="0"/>
-                <a:cs typeface="Times New Roman" panose="02020603050405020304" pitchFamily="18" charset="0"/>
-              </a:rPr>
-              <a:t>: </a:t>
-            </a:r>
-            <a:endParaRPr lang="en-US" sz="2400" b="1" u="sng" dirty="0" smtClean="0">
-              <a:solidFill>
-                <a:schemeClr val="bg2"/>
-              </a:solidFill>
-              <a:latin typeface="Times New Roman" panose="02020603050405020304" pitchFamily="18" charset="0"/>
-              <a:cs typeface="Times New Roman" panose="02020603050405020304" pitchFamily="18" charset="0"/>
-            </a:endParaRPr>
+              <a:t> 9: </a:t>
+            </a:r>
           </a:p>
           <a:p>
             <a:pPr marL="342900" indent="-342900">
@@ -12652,90 +12745,90 @@
               <a:t>      </a:t>
             </a:r>
             <a:r>
-              <a:rPr lang="en-US" sz="3200" dirty="0" err="1" smtClean="0">
+              <a:rPr lang="en-US" sz="2800" dirty="0" err="1" smtClean="0">
                 <a:latin typeface="Times New Roman" panose="02020603050405020304" pitchFamily="18" charset="0"/>
                 <a:cs typeface="Times New Roman" panose="02020603050405020304" pitchFamily="18" charset="0"/>
               </a:rPr>
               <a:t>Hệ</a:t>
             </a:r>
             <a:r>
-              <a:rPr lang="en-US" sz="3200" dirty="0" smtClean="0">
+              <a:rPr lang="en-US" sz="2800" dirty="0" smtClean="0">
                 <a:latin typeface="Times New Roman" panose="02020603050405020304" pitchFamily="18" charset="0"/>
                 <a:cs typeface="Times New Roman" panose="02020603050405020304" pitchFamily="18" charset="0"/>
               </a:rPr>
               <a:t> </a:t>
             </a:r>
             <a:r>
-              <a:rPr lang="en-US" sz="3200" dirty="0">
+              <a:rPr lang="en-US" sz="2800" dirty="0">
                 <a:latin typeface="Times New Roman" panose="02020603050405020304" pitchFamily="18" charset="0"/>
                 <a:cs typeface="Times New Roman" panose="02020603050405020304" pitchFamily="18" charset="0"/>
               </a:rPr>
               <a:t>thống cung cấp kho lưu trữ, tuyến đường để quản trị hàng </a:t>
             </a:r>
             <a:r>
-              <a:rPr lang="en-US" sz="3200" dirty="0" err="1">
+              <a:rPr lang="en-US" sz="2800" dirty="0" err="1">
                 <a:latin typeface="Times New Roman" panose="02020603050405020304" pitchFamily="18" charset="0"/>
                 <a:cs typeface="Times New Roman" panose="02020603050405020304" pitchFamily="18" charset="0"/>
               </a:rPr>
               <a:t>tồn</a:t>
             </a:r>
             <a:r>
-              <a:rPr lang="en-US" sz="3200" dirty="0">
+              <a:rPr lang="en-US" sz="2800" dirty="0">
                 <a:latin typeface="Times New Roman" panose="02020603050405020304" pitchFamily="18" charset="0"/>
                 <a:cs typeface="Times New Roman" panose="02020603050405020304" pitchFamily="18" charset="0"/>
               </a:rPr>
               <a:t> </a:t>
             </a:r>
             <a:r>
-              <a:rPr lang="en-US" sz="3200" dirty="0" err="1" smtClean="0">
+              <a:rPr lang="en-US" sz="2800" dirty="0" err="1" smtClean="0">
                 <a:latin typeface="Times New Roman" panose="02020603050405020304" pitchFamily="18" charset="0"/>
                 <a:cs typeface="Times New Roman" panose="02020603050405020304" pitchFamily="18" charset="0"/>
               </a:rPr>
               <a:t>kho</a:t>
             </a:r>
             <a:r>
-              <a:rPr lang="en-US" sz="3200" dirty="0" smtClean="0">
+              <a:rPr lang="en-US" sz="2800" dirty="0" smtClean="0">
                 <a:latin typeface="Times New Roman" panose="02020603050405020304" pitchFamily="18" charset="0"/>
                 <a:cs typeface="Times New Roman" panose="02020603050405020304" pitchFamily="18" charset="0"/>
               </a:rPr>
               <a:t>; </a:t>
             </a:r>
             <a:r>
-              <a:rPr lang="en-US" sz="3200" dirty="0" err="1" smtClean="0">
+              <a:rPr lang="en-US" sz="2800" dirty="0" err="1" smtClean="0">
                 <a:latin typeface="Times New Roman" panose="02020603050405020304" pitchFamily="18" charset="0"/>
                 <a:cs typeface="Times New Roman" panose="02020603050405020304" pitchFamily="18" charset="0"/>
               </a:rPr>
               <a:t>cung</a:t>
             </a:r>
             <a:r>
-              <a:rPr lang="en-US" sz="3200" dirty="0" smtClean="0">
+              <a:rPr lang="en-US" sz="2800" dirty="0" smtClean="0">
                 <a:latin typeface="Times New Roman" panose="02020603050405020304" pitchFamily="18" charset="0"/>
                 <a:cs typeface="Times New Roman" panose="02020603050405020304" pitchFamily="18" charset="0"/>
               </a:rPr>
               <a:t> </a:t>
             </a:r>
             <a:r>
-              <a:rPr lang="en-US" sz="3200" dirty="0">
+              <a:rPr lang="en-US" sz="2800" dirty="0">
                 <a:latin typeface="Times New Roman" panose="02020603050405020304" pitchFamily="18" charset="0"/>
                 <a:cs typeface="Times New Roman" panose="02020603050405020304" pitchFamily="18" charset="0"/>
               </a:rPr>
               <a:t>cấp chứng từ xuất nhập kho, điều chuyển nội bộ đồng thời kết hợp với các phân hệ liên quan như Kế toán để ghi nhận giao dịch, định khoản, báo cáo tình hình lưu trữ kho, tình trạng sản </a:t>
             </a:r>
             <a:r>
-              <a:rPr lang="en-US" sz="3200" dirty="0" err="1">
+              <a:rPr lang="en-US" sz="2800" dirty="0" err="1">
                 <a:latin typeface="Times New Roman" panose="02020603050405020304" pitchFamily="18" charset="0"/>
                 <a:cs typeface="Times New Roman" panose="02020603050405020304" pitchFamily="18" charset="0"/>
               </a:rPr>
               <a:t>phẩm</a:t>
             </a:r>
             <a:r>
-              <a:rPr lang="en-US" sz="3200" dirty="0" smtClean="0">
+              <a:rPr lang="en-US" sz="2800" dirty="0" smtClean="0">
                 <a:latin typeface="Times New Roman" panose="02020603050405020304" pitchFamily="18" charset="0"/>
                 <a:cs typeface="Times New Roman" panose="02020603050405020304" pitchFamily="18" charset="0"/>
               </a:rPr>
               <a:t>.</a:t>
             </a:r>
-            <a:endParaRPr lang="en-US" sz="3200" dirty="0">
+            <a:endParaRPr lang="en-US" sz="2800" dirty="0">
               <a:latin typeface="Times New Roman" panose="02020603050405020304" pitchFamily="18" charset="0"/>
               <a:cs typeface="Times New Roman" panose="02020603050405020304" pitchFamily="18" charset="0"/>
             </a:endParaRPr>
@@ -22201,7 +22294,11 @@
             <a:pPr fontAlgn="base" hangingPunct="0"/>
             <a:r>
               <a:rPr lang="nl-NL" sz="2800" b="1" dirty="0"/>
-              <a:t>Quy trình xuất chuyển kho nội bộ</a:t>
+              <a:t>Quy trình </a:t>
+            </a:r>
+            <a:r>
+              <a:rPr lang="nl-NL" sz="2800" b="1" dirty="0" smtClean="0"/>
+              <a:t>nhập kho</a:t>
             </a:r>
             <a:endParaRPr lang="en-US" sz="2800" b="1" dirty="0"/>
           </a:p>
@@ -22727,7 +22824,7 @@
       </p:grpSp>
       <p:pic>
         <p:nvPicPr>
-          <p:cNvPr id="12" name="Picture 11"/>
+          <p:cNvPr id="10" name="Picture 9"/>
           <p:cNvPicPr/>
           <p:nvPr/>
         </p:nvPicPr>
@@ -22745,8 +22842,8 @@
         </p:blipFill>
         <p:spPr>
           <a:xfrm>
-            <a:off x="193638" y="32274"/>
-            <a:ext cx="6043109" cy="5057439"/>
+            <a:off x="0" y="0"/>
+            <a:ext cx="6161443" cy="5143499"/>
           </a:xfrm>
           <a:prstGeom prst="rect">
             <a:avLst/>
@@ -22805,7 +22902,7 @@
         </p:nvSpPr>
         <p:spPr>
           <a:xfrm>
-            <a:off x="6680499" y="0"/>
+            <a:off x="6400800" y="0"/>
             <a:ext cx="1925618" cy="3474720"/>
           </a:xfrm>
           <a:prstGeom prst="rect">
@@ -22821,7 +22918,7 @@
             <a:pPr fontAlgn="base" hangingPunct="0"/>
             <a:r>
               <a:rPr lang="nl-NL" sz="2800" b="1" dirty="0"/>
-              <a:t>Quy trình xuất kho NVL</a:t>
+              <a:t>Quy trình xuất chuyển kho nội bộ</a:t>
             </a:r>
             <a:endParaRPr lang="en-US" sz="2800" b="1" dirty="0"/>
           </a:p>
@@ -23347,8 +23444,10 @@
       </p:grpSp>
       <p:pic>
         <p:nvPicPr>
-          <p:cNvPr id="11" name="Picture 10"/>
-          <p:cNvPicPr/>
+          <p:cNvPr id="1026" name="Picture 2" descr="Không có mô tả."/>
+          <p:cNvPicPr>
+            <a:picLocks noChangeAspect="1" noChangeArrowheads="1"/>
+          </p:cNvPicPr>
           <p:nvPr/>
         </p:nvPicPr>
         <p:blipFill>
@@ -23359,24 +23458,35 @@
               </a:ext>
             </a:extLst>
           </a:blip>
+          <a:srcRect/>
           <a:stretch>
             <a:fillRect/>
           </a:stretch>
         </p:blipFill>
-        <p:spPr>
+        <p:spPr bwMode="auto">
           <a:xfrm>
-            <a:off x="422238" y="53791"/>
-            <a:ext cx="5760720" cy="5014128"/>
+            <a:off x="0" y="-100921"/>
+            <a:ext cx="6464547" cy="5113985"/>
           </a:xfrm>
           <a:prstGeom prst="rect">
             <a:avLst/>
           </a:prstGeom>
+          <a:noFill/>
+          <a:extLst>
+            <a:ext uri="{909E8E84-426E-40DD-AFC4-6F175D3DCCD1}">
+              <a14:hiddenFill xmlns:a14="http://schemas.microsoft.com/office/drawing/2010/main">
+                <a:solidFill>
+                  <a:srgbClr val="FFFFFF"/>
+                </a:solidFill>
+              </a14:hiddenFill>
+            </a:ext>
+          </a:extLst>
         </p:spPr>
       </p:pic>
     </p:spTree>
     <p:extLst>
       <p:ext uri="{BB962C8B-B14F-4D97-AF65-F5344CB8AC3E}">
-        <p14:creationId xmlns:p14="http://schemas.microsoft.com/office/powerpoint/2010/main" val="2593704281"/>
+        <p14:creationId xmlns:p14="http://schemas.microsoft.com/office/powerpoint/2010/main" val="3555764832"/>
       </p:ext>
     </p:extLst>
   </p:cSld>
@@ -23425,7 +23535,7 @@
         </p:nvSpPr>
         <p:spPr>
           <a:xfrm>
-            <a:off x="6400800" y="0"/>
+            <a:off x="6680499" y="0"/>
             <a:ext cx="1925618" cy="3474720"/>
           </a:xfrm>
           <a:prstGeom prst="rect">
@@ -23441,11 +23551,7 @@
             <a:pPr fontAlgn="base" hangingPunct="0"/>
             <a:r>
               <a:rPr lang="nl-NL" sz="2800" b="1" dirty="0"/>
-              <a:t>Quy trình </a:t>
-            </a:r>
-            <a:r>
-              <a:rPr lang="nl-NL" sz="2800" b="1" dirty="0" smtClean="0"/>
-              <a:t>sản xuất</a:t>
+              <a:t>Quy trình xuất kho NVL</a:t>
             </a:r>
             <a:endParaRPr lang="en-US" sz="2800" b="1" dirty="0"/>
           </a:p>
@@ -23971,6 +24077,630 @@
       </p:grpSp>
       <p:pic>
         <p:nvPicPr>
+          <p:cNvPr id="11" name="Picture 10"/>
+          <p:cNvPicPr/>
+          <p:nvPr/>
+        </p:nvPicPr>
+        <p:blipFill>
+          <a:blip r:embed="rId3">
+            <a:extLst>
+              <a:ext uri="{28A0092B-C50C-407E-A947-70E740481C1C}">
+                <a14:useLocalDpi xmlns:a14="http://schemas.microsoft.com/office/drawing/2010/main" val="0"/>
+              </a:ext>
+            </a:extLst>
+          </a:blip>
+          <a:stretch>
+            <a:fillRect/>
+          </a:stretch>
+        </p:blipFill>
+        <p:spPr>
+          <a:xfrm>
+            <a:off x="-129092" y="-107576"/>
+            <a:ext cx="6312050" cy="5251075"/>
+          </a:xfrm>
+          <a:prstGeom prst="rect">
+            <a:avLst/>
+          </a:prstGeom>
+        </p:spPr>
+      </p:pic>
+    </p:spTree>
+    <p:extLst>
+      <p:ext uri="{BB962C8B-B14F-4D97-AF65-F5344CB8AC3E}">
+        <p14:creationId xmlns:p14="http://schemas.microsoft.com/office/powerpoint/2010/main" val="2593704281"/>
+      </p:ext>
+    </p:extLst>
+  </p:cSld>
+  <p:clrMapOvr>
+    <a:masterClrMapping/>
+  </p:clrMapOvr>
+  <p:transition spd="slow">
+    <p:wipe/>
+  </p:transition>
+  <p:timing>
+    <p:tnLst>
+      <p:par>
+        <p:cTn id="1" dur="indefinite" restart="never" nodeType="tmRoot"/>
+      </p:par>
+    </p:tnLst>
+  </p:timing>
+</p:sld>
+</file>
+
+<file path=ppt/slides/slide23.xml><?xml version="1.0" encoding="utf-8"?>
+<p:sld xmlns:a="http://schemas.openxmlformats.org/drawingml/2006/main" xmlns:r="http://schemas.openxmlformats.org/officeDocument/2006/relationships" xmlns:p="http://schemas.openxmlformats.org/presentationml/2006/main">
+  <p:cSld>
+    <p:spTree>
+      <p:nvGrpSpPr>
+        <p:cNvPr id="1" name="Shape 439"/>
+        <p:cNvGrpSpPr/>
+        <p:nvPr/>
+      </p:nvGrpSpPr>
+      <p:grpSpPr>
+        <a:xfrm>
+          <a:off x="0" y="0"/>
+          <a:ext cx="0" cy="0"/>
+          <a:chOff x="0" y="0"/>
+          <a:chExt cx="0" cy="0"/>
+        </a:xfrm>
+      </p:grpSpPr>
+      <p:sp>
+        <p:nvSpPr>
+          <p:cNvPr id="440" name="Google Shape;440;p39"/>
+          <p:cNvSpPr txBox="1">
+            <a:spLocks noGrp="1"/>
+          </p:cNvSpPr>
+          <p:nvPr>
+            <p:ph type="ctrTitle"/>
+          </p:nvPr>
+        </p:nvSpPr>
+        <p:spPr>
+          <a:xfrm>
+            <a:off x="6400800" y="0"/>
+            <a:ext cx="1925618" cy="3474720"/>
+          </a:xfrm>
+          <a:prstGeom prst="rect">
+            <a:avLst/>
+          </a:prstGeom>
+        </p:spPr>
+        <p:txBody>
+          <a:bodyPr spcFirstLastPara="1" wrap="square" lIns="91425" tIns="91425" rIns="91425" bIns="91425" anchor="ctr" anchorCtr="0">
+            <a:noAutofit/>
+          </a:bodyPr>
+          <a:lstStyle/>
+          <a:p>
+            <a:pPr fontAlgn="base" hangingPunct="0"/>
+            <a:r>
+              <a:rPr lang="nl-NL" sz="2800" b="1" dirty="0"/>
+              <a:t>Quy trình </a:t>
+            </a:r>
+            <a:r>
+              <a:rPr lang="nl-NL" sz="2800" b="1" dirty="0" smtClean="0"/>
+              <a:t>sản xuất</a:t>
+            </a:r>
+            <a:endParaRPr lang="en-US" sz="2800" b="1" dirty="0"/>
+          </a:p>
+        </p:txBody>
+      </p:sp>
+      <p:sp>
+        <p:nvSpPr>
+          <p:cNvPr id="441" name="Google Shape;441;p39"/>
+          <p:cNvSpPr txBox="1">
+            <a:spLocks noGrp="1"/>
+          </p:cNvSpPr>
+          <p:nvPr>
+            <p:ph type="subTitle" idx="1"/>
+          </p:nvPr>
+        </p:nvSpPr>
+        <p:spPr>
+          <a:xfrm>
+            <a:off x="2247237" y="3538459"/>
+            <a:ext cx="4539000" cy="621600"/>
+          </a:xfrm>
+          <a:prstGeom prst="rect">
+            <a:avLst/>
+          </a:prstGeom>
+        </p:spPr>
+        <p:txBody>
+          <a:bodyPr spcFirstLastPara="1" wrap="square" lIns="91425" tIns="91425" rIns="91425" bIns="91425" anchor="t" anchorCtr="0">
+            <a:noAutofit/>
+          </a:bodyPr>
+          <a:lstStyle/>
+          <a:p>
+            <a:pPr marL="0" lvl="0" indent="0"/>
+            <a:endParaRPr lang="en-US" sz="2000" dirty="0" smtClean="0"/>
+          </a:p>
+          <a:p>
+            <a:pPr marL="0" lvl="0" indent="0"/>
+            <a:endParaRPr lang="en-US" dirty="0" smtClean="0"/>
+          </a:p>
+        </p:txBody>
+      </p:sp>
+      <p:grpSp>
+        <p:nvGrpSpPr>
+          <p:cNvPr id="5" name="Google Shape;9889;p81"/>
+          <p:cNvGrpSpPr/>
+          <p:nvPr/>
+        </p:nvGrpSpPr>
+        <p:grpSpPr>
+          <a:xfrm>
+            <a:off x="3929974" y="2905328"/>
+            <a:ext cx="1511031" cy="473412"/>
+            <a:chOff x="-60254550" y="1938025"/>
+            <a:chExt cx="317425" cy="318925"/>
+          </a:xfrm>
+        </p:grpSpPr>
+        <p:sp>
+          <p:nvSpPr>
+            <p:cNvPr id="6" name="Google Shape;9890;p81"/>
+            <p:cNvSpPr/>
+            <p:nvPr/>
+          </p:nvSpPr>
+          <p:spPr>
+            <a:xfrm>
+              <a:off x="-60254550" y="2049000"/>
+              <a:ext cx="317425" cy="207950"/>
+            </a:xfrm>
+            <a:custGeom>
+              <a:avLst/>
+              <a:gdLst/>
+              <a:ahLst/>
+              <a:cxnLst/>
+              <a:rect l="l" t="t" r="r" b="b"/>
+              <a:pathLst>
+                <a:path w="12697" h="8318" extrusionOk="0">
+                  <a:moveTo>
+                    <a:pt x="10428" y="1639"/>
+                  </a:moveTo>
+                  <a:cubicBezTo>
+                    <a:pt x="11184" y="1639"/>
+                    <a:pt x="11814" y="2269"/>
+                    <a:pt x="11814" y="3025"/>
+                  </a:cubicBezTo>
+                  <a:cubicBezTo>
+                    <a:pt x="11814" y="3781"/>
+                    <a:pt x="11184" y="4411"/>
+                    <a:pt x="10428" y="4411"/>
+                  </a:cubicBezTo>
+                  <a:lnTo>
+                    <a:pt x="9767" y="4411"/>
+                  </a:lnTo>
+                  <a:cubicBezTo>
+                    <a:pt x="9861" y="4033"/>
+                    <a:pt x="9893" y="3686"/>
+                    <a:pt x="9893" y="3308"/>
+                  </a:cubicBezTo>
+                  <a:lnTo>
+                    <a:pt x="9893" y="1639"/>
+                  </a:lnTo>
+                  <a:close/>
+                  <a:moveTo>
+                    <a:pt x="9073" y="819"/>
+                  </a:moveTo>
+                  <a:lnTo>
+                    <a:pt x="9073" y="3308"/>
+                  </a:lnTo>
+                  <a:cubicBezTo>
+                    <a:pt x="9073" y="5577"/>
+                    <a:pt x="7215" y="7435"/>
+                    <a:pt x="4915" y="7435"/>
+                  </a:cubicBezTo>
+                  <a:cubicBezTo>
+                    <a:pt x="2646" y="7435"/>
+                    <a:pt x="788" y="5577"/>
+                    <a:pt x="788" y="3308"/>
+                  </a:cubicBezTo>
+                  <a:lnTo>
+                    <a:pt x="788" y="819"/>
+                  </a:lnTo>
+                  <a:close/>
+                  <a:moveTo>
+                    <a:pt x="410" y="0"/>
+                  </a:moveTo>
+                  <a:cubicBezTo>
+                    <a:pt x="158" y="0"/>
+                    <a:pt x="0" y="189"/>
+                    <a:pt x="0" y="441"/>
+                  </a:cubicBezTo>
+                  <a:lnTo>
+                    <a:pt x="0" y="3308"/>
+                  </a:lnTo>
+                  <a:cubicBezTo>
+                    <a:pt x="0" y="5041"/>
+                    <a:pt x="882" y="6522"/>
+                    <a:pt x="2205" y="7435"/>
+                  </a:cubicBezTo>
+                  <a:lnTo>
+                    <a:pt x="410" y="7435"/>
+                  </a:lnTo>
+                  <a:cubicBezTo>
+                    <a:pt x="158" y="7435"/>
+                    <a:pt x="0" y="7624"/>
+                    <a:pt x="0" y="7877"/>
+                  </a:cubicBezTo>
+                  <a:cubicBezTo>
+                    <a:pt x="0" y="8097"/>
+                    <a:pt x="189" y="8318"/>
+                    <a:pt x="410" y="8318"/>
+                  </a:cubicBezTo>
+                  <a:lnTo>
+                    <a:pt x="9483" y="8318"/>
+                  </a:lnTo>
+                  <a:cubicBezTo>
+                    <a:pt x="9735" y="8318"/>
+                    <a:pt x="9893" y="8097"/>
+                    <a:pt x="9893" y="7877"/>
+                  </a:cubicBezTo>
+                  <a:cubicBezTo>
+                    <a:pt x="9893" y="7624"/>
+                    <a:pt x="9704" y="7435"/>
+                    <a:pt x="9483" y="7435"/>
+                  </a:cubicBezTo>
+                  <a:lnTo>
+                    <a:pt x="7687" y="7435"/>
+                  </a:lnTo>
+                  <a:cubicBezTo>
+                    <a:pt x="8506" y="6900"/>
+                    <a:pt x="9137" y="6144"/>
+                    <a:pt x="9546" y="5230"/>
+                  </a:cubicBezTo>
+                  <a:lnTo>
+                    <a:pt x="10491" y="5230"/>
+                  </a:lnTo>
+                  <a:cubicBezTo>
+                    <a:pt x="11688" y="5230"/>
+                    <a:pt x="12697" y="4253"/>
+                    <a:pt x="12697" y="3025"/>
+                  </a:cubicBezTo>
+                  <a:cubicBezTo>
+                    <a:pt x="12697" y="1796"/>
+                    <a:pt x="11657" y="819"/>
+                    <a:pt x="10428" y="819"/>
+                  </a:cubicBezTo>
+                  <a:lnTo>
+                    <a:pt x="9893" y="819"/>
+                  </a:lnTo>
+                  <a:lnTo>
+                    <a:pt x="9893" y="441"/>
+                  </a:lnTo>
+                  <a:cubicBezTo>
+                    <a:pt x="9893" y="189"/>
+                    <a:pt x="9704" y="0"/>
+                    <a:pt x="9483" y="0"/>
+                  </a:cubicBezTo>
+                  <a:close/>
+                </a:path>
+              </a:pathLst>
+            </a:custGeom>
+            <a:solidFill>
+              <a:srgbClr val="5F7D95"/>
+            </a:solidFill>
+            <a:ln>
+              <a:noFill/>
+            </a:ln>
+          </p:spPr>
+          <p:txBody>
+            <a:bodyPr spcFirstLastPara="1" wrap="square" lIns="91425" tIns="91425" rIns="91425" bIns="91425" anchor="ctr" anchorCtr="0">
+              <a:noAutofit/>
+            </a:bodyPr>
+            <a:lstStyle/>
+            <a:p>
+              <a:pPr marL="0" lvl="0" indent="0" algn="l" rtl="0">
+                <a:spcBef>
+                  <a:spcPts val="0"/>
+                </a:spcBef>
+                <a:spcAft>
+                  <a:spcPts val="0"/>
+                </a:spcAft>
+                <a:buNone/>
+              </a:pPr>
+              <a:endParaRPr/>
+            </a:p>
+          </p:txBody>
+        </p:sp>
+        <p:sp>
+          <p:nvSpPr>
+            <p:cNvPr id="7" name="Google Shape;9891;p81"/>
+            <p:cNvSpPr/>
+            <p:nvPr/>
+          </p:nvSpPr>
+          <p:spPr>
+            <a:xfrm>
+              <a:off x="-60219125" y="1938025"/>
+              <a:ext cx="51225" cy="103625"/>
+            </a:xfrm>
+            <a:custGeom>
+              <a:avLst/>
+              <a:gdLst/>
+              <a:ahLst/>
+              <a:cxnLst/>
+              <a:rect l="l" t="t" r="r" b="b"/>
+              <a:pathLst>
+                <a:path w="2049" h="4145" extrusionOk="0">
+                  <a:moveTo>
+                    <a:pt x="1068" y="0"/>
+                  </a:moveTo>
+                  <a:cubicBezTo>
+                    <a:pt x="947" y="0"/>
+                    <a:pt x="819" y="61"/>
+                    <a:pt x="725" y="155"/>
+                  </a:cubicBezTo>
+                  <a:cubicBezTo>
+                    <a:pt x="568" y="312"/>
+                    <a:pt x="568" y="564"/>
+                    <a:pt x="757" y="722"/>
+                  </a:cubicBezTo>
+                  <a:cubicBezTo>
+                    <a:pt x="1103" y="1100"/>
+                    <a:pt x="1103" y="1446"/>
+                    <a:pt x="757" y="1761"/>
+                  </a:cubicBezTo>
+                  <a:cubicBezTo>
+                    <a:pt x="32" y="2392"/>
+                    <a:pt x="1" y="3368"/>
+                    <a:pt x="757" y="4030"/>
+                  </a:cubicBezTo>
+                  <a:cubicBezTo>
+                    <a:pt x="832" y="4105"/>
+                    <a:pt x="936" y="4144"/>
+                    <a:pt x="1041" y="4144"/>
+                  </a:cubicBezTo>
+                  <a:cubicBezTo>
+                    <a:pt x="1156" y="4144"/>
+                    <a:pt x="1273" y="4097"/>
+                    <a:pt x="1356" y="3998"/>
+                  </a:cubicBezTo>
+                  <a:cubicBezTo>
+                    <a:pt x="1513" y="3841"/>
+                    <a:pt x="1513" y="3557"/>
+                    <a:pt x="1292" y="3400"/>
+                  </a:cubicBezTo>
+                  <a:cubicBezTo>
+                    <a:pt x="946" y="3085"/>
+                    <a:pt x="946" y="2707"/>
+                    <a:pt x="1292" y="2392"/>
+                  </a:cubicBezTo>
+                  <a:cubicBezTo>
+                    <a:pt x="2017" y="1761"/>
+                    <a:pt x="2049" y="785"/>
+                    <a:pt x="1292" y="92"/>
+                  </a:cubicBezTo>
+                  <a:cubicBezTo>
+                    <a:pt x="1229" y="28"/>
+                    <a:pt x="1150" y="0"/>
+                    <a:pt x="1068" y="0"/>
+                  </a:cubicBezTo>
+                  <a:close/>
+                </a:path>
+              </a:pathLst>
+            </a:custGeom>
+            <a:solidFill>
+              <a:srgbClr val="5F7D95"/>
+            </a:solidFill>
+            <a:ln>
+              <a:noFill/>
+            </a:ln>
+          </p:spPr>
+          <p:txBody>
+            <a:bodyPr spcFirstLastPara="1" wrap="square" lIns="91425" tIns="91425" rIns="91425" bIns="91425" anchor="ctr" anchorCtr="0">
+              <a:noAutofit/>
+            </a:bodyPr>
+            <a:lstStyle/>
+            <a:p>
+              <a:pPr marL="0" lvl="0" indent="0" algn="l" rtl="0">
+                <a:spcBef>
+                  <a:spcPts val="0"/>
+                </a:spcBef>
+                <a:spcAft>
+                  <a:spcPts val="0"/>
+                </a:spcAft>
+                <a:buNone/>
+              </a:pPr>
+              <a:endParaRPr/>
+            </a:p>
+          </p:txBody>
+        </p:sp>
+        <p:sp>
+          <p:nvSpPr>
+            <p:cNvPr id="8" name="Google Shape;9892;p81"/>
+            <p:cNvSpPr/>
+            <p:nvPr/>
+          </p:nvSpPr>
+          <p:spPr>
+            <a:xfrm>
+              <a:off x="-60156900" y="1938025"/>
+              <a:ext cx="51225" cy="103625"/>
+            </a:xfrm>
+            <a:custGeom>
+              <a:avLst/>
+              <a:gdLst/>
+              <a:ahLst/>
+              <a:cxnLst/>
+              <a:rect l="l" t="t" r="r" b="b"/>
+              <a:pathLst>
+                <a:path w="2049" h="4145" extrusionOk="0">
+                  <a:moveTo>
+                    <a:pt x="1057" y="0"/>
+                  </a:moveTo>
+                  <a:cubicBezTo>
+                    <a:pt x="926" y="0"/>
+                    <a:pt x="788" y="61"/>
+                    <a:pt x="694" y="155"/>
+                  </a:cubicBezTo>
+                  <a:cubicBezTo>
+                    <a:pt x="536" y="312"/>
+                    <a:pt x="536" y="564"/>
+                    <a:pt x="757" y="722"/>
+                  </a:cubicBezTo>
+                  <a:cubicBezTo>
+                    <a:pt x="1103" y="1100"/>
+                    <a:pt x="1103" y="1446"/>
+                    <a:pt x="757" y="1761"/>
+                  </a:cubicBezTo>
+                  <a:cubicBezTo>
+                    <a:pt x="32" y="2392"/>
+                    <a:pt x="1" y="3368"/>
+                    <a:pt x="757" y="4030"/>
+                  </a:cubicBezTo>
+                  <a:cubicBezTo>
+                    <a:pt x="832" y="4105"/>
+                    <a:pt x="929" y="4144"/>
+                    <a:pt x="1026" y="4144"/>
+                  </a:cubicBezTo>
+                  <a:cubicBezTo>
+                    <a:pt x="1133" y="4144"/>
+                    <a:pt x="1242" y="4097"/>
+                    <a:pt x="1324" y="3998"/>
+                  </a:cubicBezTo>
+                  <a:cubicBezTo>
+                    <a:pt x="1859" y="3463"/>
+                    <a:pt x="473" y="3179"/>
+                    <a:pt x="1292" y="2392"/>
+                  </a:cubicBezTo>
+                  <a:cubicBezTo>
+                    <a:pt x="2017" y="1761"/>
+                    <a:pt x="2049" y="785"/>
+                    <a:pt x="1292" y="92"/>
+                  </a:cubicBezTo>
+                  <a:cubicBezTo>
+                    <a:pt x="1229" y="28"/>
+                    <a:pt x="1145" y="0"/>
+                    <a:pt x="1057" y="0"/>
+                  </a:cubicBezTo>
+                  <a:close/>
+                </a:path>
+              </a:pathLst>
+            </a:custGeom>
+            <a:solidFill>
+              <a:srgbClr val="5F7D95"/>
+            </a:solidFill>
+            <a:ln>
+              <a:noFill/>
+            </a:ln>
+          </p:spPr>
+          <p:txBody>
+            <a:bodyPr spcFirstLastPara="1" wrap="square" lIns="91425" tIns="91425" rIns="91425" bIns="91425" anchor="ctr" anchorCtr="0">
+              <a:noAutofit/>
+            </a:bodyPr>
+            <a:lstStyle/>
+            <a:p>
+              <a:pPr marL="0" lvl="0" indent="0" algn="l" rtl="0">
+                <a:spcBef>
+                  <a:spcPts val="0"/>
+                </a:spcBef>
+                <a:spcAft>
+                  <a:spcPts val="0"/>
+                </a:spcAft>
+                <a:buNone/>
+              </a:pPr>
+              <a:endParaRPr/>
+            </a:p>
+          </p:txBody>
+        </p:sp>
+        <p:sp>
+          <p:nvSpPr>
+            <p:cNvPr id="9" name="Google Shape;9893;p81"/>
+            <p:cNvSpPr/>
+            <p:nvPr/>
+          </p:nvSpPr>
+          <p:spPr>
+            <a:xfrm>
+              <a:off x="-60094675" y="1938025"/>
+              <a:ext cx="51225" cy="103625"/>
+            </a:xfrm>
+            <a:custGeom>
+              <a:avLst/>
+              <a:gdLst/>
+              <a:ahLst/>
+              <a:cxnLst/>
+              <a:rect l="l" t="t" r="r" b="b"/>
+              <a:pathLst>
+                <a:path w="2049" h="4145" extrusionOk="0">
+                  <a:moveTo>
+                    <a:pt x="1056" y="0"/>
+                  </a:moveTo>
+                  <a:cubicBezTo>
+                    <a:pt x="926" y="0"/>
+                    <a:pt x="788" y="61"/>
+                    <a:pt x="694" y="155"/>
+                  </a:cubicBezTo>
+                  <a:cubicBezTo>
+                    <a:pt x="536" y="312"/>
+                    <a:pt x="536" y="564"/>
+                    <a:pt x="725" y="722"/>
+                  </a:cubicBezTo>
+                  <a:cubicBezTo>
+                    <a:pt x="1103" y="1100"/>
+                    <a:pt x="1103" y="1446"/>
+                    <a:pt x="725" y="1761"/>
+                  </a:cubicBezTo>
+                  <a:cubicBezTo>
+                    <a:pt x="32" y="2392"/>
+                    <a:pt x="1" y="3368"/>
+                    <a:pt x="725" y="4030"/>
+                  </a:cubicBezTo>
+                  <a:cubicBezTo>
+                    <a:pt x="800" y="4105"/>
+                    <a:pt x="904" y="4144"/>
+                    <a:pt x="1009" y="4144"/>
+                  </a:cubicBezTo>
+                  <a:cubicBezTo>
+                    <a:pt x="1125" y="4144"/>
+                    <a:pt x="1241" y="4097"/>
+                    <a:pt x="1324" y="3998"/>
+                  </a:cubicBezTo>
+                  <a:cubicBezTo>
+                    <a:pt x="1481" y="3841"/>
+                    <a:pt x="1481" y="3557"/>
+                    <a:pt x="1292" y="3400"/>
+                  </a:cubicBezTo>
+                  <a:cubicBezTo>
+                    <a:pt x="946" y="3085"/>
+                    <a:pt x="946" y="2707"/>
+                    <a:pt x="1292" y="2392"/>
+                  </a:cubicBezTo>
+                  <a:cubicBezTo>
+                    <a:pt x="1985" y="1761"/>
+                    <a:pt x="2048" y="785"/>
+                    <a:pt x="1292" y="92"/>
+                  </a:cubicBezTo>
+                  <a:cubicBezTo>
+                    <a:pt x="1229" y="28"/>
+                    <a:pt x="1145" y="0"/>
+                    <a:pt x="1056" y="0"/>
+                  </a:cubicBezTo>
+                  <a:close/>
+                </a:path>
+              </a:pathLst>
+            </a:custGeom>
+            <a:solidFill>
+              <a:srgbClr val="5F7D95"/>
+            </a:solidFill>
+            <a:ln>
+              <a:noFill/>
+            </a:ln>
+          </p:spPr>
+          <p:txBody>
+            <a:bodyPr spcFirstLastPara="1" wrap="square" lIns="91425" tIns="91425" rIns="91425" bIns="91425" anchor="ctr" anchorCtr="0">
+              <a:noAutofit/>
+            </a:bodyPr>
+            <a:lstStyle/>
+            <a:p>
+              <a:pPr marL="0" lvl="0" indent="0" algn="l" rtl="0">
+                <a:spcBef>
+                  <a:spcPts val="0"/>
+                </a:spcBef>
+                <a:spcAft>
+                  <a:spcPts val="0"/>
+                </a:spcAft>
+                <a:buNone/>
+              </a:pPr>
+              <a:endParaRPr/>
+            </a:p>
+          </p:txBody>
+        </p:sp>
+      </p:grpSp>
+      <p:pic>
+        <p:nvPicPr>
           <p:cNvPr id="2" name="Picture 1"/>
           <p:cNvPicPr>
             <a:picLocks noChangeAspect="1"/>
@@ -23991,8 +24721,8 @@
         </p:blipFill>
         <p:spPr>
           <a:xfrm>
-            <a:off x="600401" y="-43029"/>
-            <a:ext cx="5445396" cy="4991548"/>
+            <a:off x="-75304" y="-118334"/>
+            <a:ext cx="6121101" cy="5261833"/>
           </a:xfrm>
           <a:prstGeom prst="rect">
             <a:avLst/>
@@ -24022,7 +24752,7 @@
 </p:sld>
 </file>
 
-<file path=ppt/slides/slide23.xml><?xml version="1.0" encoding="utf-8"?>
+<file path=ppt/slides/slide24.xml><?xml version="1.0" encoding="utf-8"?>
 <p:sld xmlns:a="http://schemas.openxmlformats.org/drawingml/2006/main" xmlns:r="http://schemas.openxmlformats.org/officeDocument/2006/relationships" xmlns:p="http://schemas.openxmlformats.org/presentationml/2006/main">
   <p:cSld>
     <p:spTree>
@@ -24622,7 +25352,7 @@
 </p:sld>
 </file>
 
-<file path=ppt/slides/slide24.xml><?xml version="1.0" encoding="utf-8"?>
+<file path=ppt/slides/slide25.xml><?xml version="1.0" encoding="utf-8"?>
 <p:sld xmlns:a="http://schemas.openxmlformats.org/drawingml/2006/main" xmlns:r="http://schemas.openxmlformats.org/officeDocument/2006/relationships" xmlns:p="http://schemas.openxmlformats.org/presentationml/2006/main">
   <p:cSld>
     <p:spTree>
@@ -25933,7 +26663,7 @@
 </p:sld>
 </file>
 
-<file path=ppt/slides/slide25.xml><?xml version="1.0" encoding="utf-8"?>
+<file path=ppt/slides/slide26.xml><?xml version="1.0" encoding="utf-8"?>
 <p:sld xmlns:a="http://schemas.openxmlformats.org/drawingml/2006/main" xmlns:r="http://schemas.openxmlformats.org/officeDocument/2006/relationships" xmlns:p="http://schemas.openxmlformats.org/presentationml/2006/main">
   <p:cSld>
     <p:spTree>
@@ -28207,7 +28937,7 @@
 </p:sld>
 </file>
 
-<file path=ppt/slides/slide26.xml><?xml version="1.0" encoding="utf-8"?>
+<file path=ppt/slides/slide27.xml><?xml version="1.0" encoding="utf-8"?>
 <p:sld xmlns:a="http://schemas.openxmlformats.org/drawingml/2006/main" xmlns:r="http://schemas.openxmlformats.org/officeDocument/2006/relationships" xmlns:p="http://schemas.openxmlformats.org/presentationml/2006/main">
   <p:cSld>
     <p:spTree>
@@ -29267,7 +29997,7 @@
 </p:sld>
 </file>
 
-<file path=ppt/slides/slide27.xml><?xml version="1.0" encoding="utf-8"?>
+<file path=ppt/slides/slide28.xml><?xml version="1.0" encoding="utf-8"?>
 <p:sld xmlns:a="http://schemas.openxmlformats.org/drawingml/2006/main" xmlns:r="http://schemas.openxmlformats.org/officeDocument/2006/relationships" xmlns:p="http://schemas.openxmlformats.org/presentationml/2006/main">
   <p:cSld>
     <p:spTree>
@@ -31016,7 +31746,7 @@
 </p:sld>
 </file>
 
-<file path=ppt/slides/slide28.xml><?xml version="1.0" encoding="utf-8"?>
+<file path=ppt/slides/slide29.xml><?xml version="1.0" encoding="utf-8"?>
 <p:sld xmlns:a="http://schemas.openxmlformats.org/drawingml/2006/main" xmlns:r="http://schemas.openxmlformats.org/officeDocument/2006/relationships" xmlns:p="http://schemas.openxmlformats.org/presentationml/2006/main">
   <p:cSld>
     <p:spTree>
@@ -32752,7 +33482,491 @@
 </p:sld>
 </file>
 
-<file path=ppt/slides/slide29.xml><?xml version="1.0" encoding="utf-8"?>
+<file path=ppt/slides/slide3.xml><?xml version="1.0" encoding="utf-8"?>
+<p:sld xmlns:a="http://schemas.openxmlformats.org/drawingml/2006/main" xmlns:r="http://schemas.openxmlformats.org/officeDocument/2006/relationships" xmlns:p="http://schemas.openxmlformats.org/presentationml/2006/main">
+  <p:cSld>
+    <p:spTree>
+      <p:nvGrpSpPr>
+        <p:cNvPr id="1" name="Shape 475"/>
+        <p:cNvGrpSpPr/>
+        <p:nvPr/>
+      </p:nvGrpSpPr>
+      <p:grpSpPr>
+        <a:xfrm>
+          <a:off x="0" y="0"/>
+          <a:ext cx="0" cy="0"/>
+          <a:chOff x="0" y="0"/>
+          <a:chExt cx="0" cy="0"/>
+        </a:xfrm>
+      </p:grpSpPr>
+      <p:sp>
+        <p:nvSpPr>
+          <p:cNvPr id="476" name="Google Shape;476;p42"/>
+          <p:cNvSpPr txBox="1">
+            <a:spLocks noGrp="1"/>
+          </p:cNvSpPr>
+          <p:nvPr>
+            <p:ph type="title"/>
+          </p:nvPr>
+        </p:nvSpPr>
+        <p:spPr>
+          <a:xfrm>
+            <a:off x="3490856" y="2927618"/>
+            <a:ext cx="5567979" cy="2576145"/>
+          </a:xfrm>
+          <a:prstGeom prst="rect">
+            <a:avLst/>
+          </a:prstGeom>
+        </p:spPr>
+        <p:txBody>
+          <a:bodyPr spcFirstLastPara="1" wrap="square" lIns="91425" tIns="91425" rIns="91425" bIns="91425" anchor="ctr" anchorCtr="0">
+            <a:noAutofit/>
+          </a:bodyPr>
+          <a:lstStyle/>
+          <a:p>
+            <a:pPr marL="400050" indent="-400050" algn="l" fontAlgn="base">
+              <a:buFont typeface="Wingdings" pitchFamily="2" charset="2"/>
+              <a:buChar char="v"/>
+            </a:pPr>
+            <a:r>
+              <a:rPr lang="vi-VN" sz="2400" b="0" dirty="0">
+                <a:latin typeface="Times New Roman" panose="02020603050405020304" pitchFamily="18" charset="0"/>
+                <a:cs typeface="Times New Roman" panose="02020603050405020304" pitchFamily="18" charset="0"/>
+              </a:rPr>
+              <a:t>Lĩnh vực hoạt động kinh doanh chủ yếu của Công ty là sản xuất và phân phối các sản phẩm diệt côn trùng gia dụng và</a:t>
+            </a:r>
+            <a:r>
+              <a:rPr lang="vi-VN" sz="2400" b="0" dirty="0" smtClean="0">
+                <a:latin typeface="Times New Roman" panose="02020603050405020304" pitchFamily="18" charset="0"/>
+                <a:cs typeface="Times New Roman" panose="02020603050405020304" pitchFamily="18" charset="0"/>
+              </a:rPr>
+              <a:t>..</a:t>
+            </a:r>
+            <a:r>
+              <a:rPr lang="en-US" sz="2400" dirty="0">
+                <a:latin typeface="Times New Roman" panose="02020603050405020304" pitchFamily="18" charset="0"/>
+                <a:cs typeface="Times New Roman" panose="02020603050405020304" pitchFamily="18" charset="0"/>
+              </a:rPr>
+              <a:t/>
+            </a:r>
+            <a:br>
+              <a:rPr lang="en-US" sz="2400" dirty="0">
+                <a:latin typeface="Times New Roman" panose="02020603050405020304" pitchFamily="18" charset="0"/>
+                <a:cs typeface="Times New Roman" panose="02020603050405020304" pitchFamily="18" charset="0"/>
+              </a:rPr>
+            </a:br>
+            <a:endParaRPr sz="2400" dirty="0">
+              <a:latin typeface="Times New Roman" pitchFamily="18" charset="0"/>
+              <a:cs typeface="Times New Roman" pitchFamily="18" charset="0"/>
+            </a:endParaRPr>
+          </a:p>
+        </p:txBody>
+      </p:sp>
+      <p:sp>
+        <p:nvSpPr>
+          <p:cNvPr id="477" name="Google Shape;477;p42"/>
+          <p:cNvSpPr txBox="1">
+            <a:spLocks noGrp="1"/>
+          </p:cNvSpPr>
+          <p:nvPr>
+            <p:ph type="subTitle" idx="1"/>
+          </p:nvPr>
+        </p:nvSpPr>
+        <p:spPr>
+          <a:xfrm>
+            <a:off x="3345644" y="1051491"/>
+            <a:ext cx="5798356" cy="2272623"/>
+          </a:xfrm>
+          <a:prstGeom prst="rect">
+            <a:avLst/>
+          </a:prstGeom>
+        </p:spPr>
+        <p:txBody>
+          <a:bodyPr spcFirstLastPara="1" wrap="square" lIns="91425" tIns="91425" rIns="91425" bIns="91425" anchor="t" anchorCtr="0">
+            <a:noAutofit/>
+          </a:bodyPr>
+          <a:lstStyle/>
+          <a:p>
+            <a:pPr marL="0" indent="0" algn="l"/>
+            <a:endParaRPr lang="en-US" sz="1800" dirty="0" smtClean="0">
+              <a:latin typeface="Times New Roman" panose="02020603050405020304" pitchFamily="18" charset="0"/>
+              <a:cs typeface="Times New Roman" panose="02020603050405020304" pitchFamily="18" charset="0"/>
+            </a:endParaRPr>
+          </a:p>
+          <a:p>
+            <a:pPr marL="342900" lvl="0" algn="l">
+              <a:buFont typeface="Wingdings" panose="05000000000000000000" pitchFamily="2" charset="2"/>
+              <a:buChar char="v"/>
+            </a:pPr>
+            <a:r>
+              <a:rPr lang="en-US" sz="2400" dirty="0">
+                <a:latin typeface="Times New Roman" panose="02020603050405020304" pitchFamily="18" charset="0"/>
+                <a:cs typeface="Times New Roman" panose="02020603050405020304" pitchFamily="18" charset="0"/>
+              </a:rPr>
+              <a:t>Công ty TNHH SX TM Công nghiệp A.V.A.L được thành lập vào ngày 01/03/2000, số giấy phép đăng ký kinh doanh: 4102000321 cấp tại sở kế hoạch và đầu tư tp HCM </a:t>
+            </a:r>
+            <a:endParaRPr sz="1800" dirty="0">
+              <a:latin typeface="Times New Roman" panose="02020603050405020304" pitchFamily="18" charset="0"/>
+              <a:cs typeface="Times New Roman" panose="02020603050405020304" pitchFamily="18" charset="0"/>
+            </a:endParaRPr>
+          </a:p>
+        </p:txBody>
+      </p:sp>
+      <p:sp>
+        <p:nvSpPr>
+          <p:cNvPr id="2" name="Rectangle 1"/>
+          <p:cNvSpPr/>
+          <p:nvPr/>
+        </p:nvSpPr>
+        <p:spPr>
+          <a:xfrm>
+            <a:off x="-279699" y="89554"/>
+            <a:ext cx="7541111" cy="1200329"/>
+          </a:xfrm>
+          <a:prstGeom prst="rect">
+            <a:avLst/>
+          </a:prstGeom>
+        </p:spPr>
+        <p:txBody>
+          <a:bodyPr wrap="square">
+            <a:spAutoFit/>
+          </a:bodyPr>
+          <a:lstStyle/>
+          <a:p>
+            <a:pPr algn="ctr"/>
+            <a:r>
+              <a:rPr lang="en-US" sz="3600" b="1" dirty="0">
+                <a:solidFill>
+                  <a:schemeClr val="tx1"/>
+                </a:solidFill>
+              </a:rPr>
+              <a:t>G</a:t>
+            </a:r>
+            <a:r>
+              <a:rPr lang="en" sz="3600" b="1" dirty="0">
+                <a:solidFill>
+                  <a:schemeClr val="tx1"/>
+                </a:solidFill>
+              </a:rPr>
+              <a:t>iới thiệu chung về doanh </a:t>
+            </a:r>
+            <a:r>
+              <a:rPr lang="en" sz="3600" b="1" dirty="0" smtClean="0">
+                <a:solidFill>
+                  <a:schemeClr val="tx1"/>
+                </a:solidFill>
+              </a:rPr>
+              <a:t>nghiệp</a:t>
+            </a:r>
+            <a:endParaRPr lang="en" sz="3600" b="1" dirty="0">
+              <a:solidFill>
+                <a:schemeClr val="tx1"/>
+              </a:solidFill>
+            </a:endParaRPr>
+          </a:p>
+        </p:txBody>
+      </p:sp>
+      <p:pic>
+        <p:nvPicPr>
+          <p:cNvPr id="1026" name="Picture 2" descr="Công ty TNHH SX - TM Công Nghiệp A.V.A.L (A.V.A.L CO. LTD)"/>
+          <p:cNvPicPr>
+            <a:picLocks noChangeAspect="1" noChangeArrowheads="1"/>
+          </p:cNvPicPr>
+          <p:nvPr/>
+        </p:nvPicPr>
+        <p:blipFill>
+          <a:blip r:embed="rId3">
+            <a:extLst>
+              <a:ext uri="{28A0092B-C50C-407E-A947-70E740481C1C}">
+                <a14:useLocalDpi xmlns:a14="http://schemas.microsoft.com/office/drawing/2010/main" val="0"/>
+              </a:ext>
+            </a:extLst>
+          </a:blip>
+          <a:srcRect/>
+          <a:stretch>
+            <a:fillRect/>
+          </a:stretch>
+        </p:blipFill>
+        <p:spPr bwMode="auto">
+          <a:xfrm>
+            <a:off x="-321327" y="1947132"/>
+            <a:ext cx="3812183" cy="1807288"/>
+          </a:xfrm>
+          <a:prstGeom prst="rect">
+            <a:avLst/>
+          </a:prstGeom>
+          <a:noFill/>
+          <a:extLst>
+            <a:ext uri="{909E8E84-426E-40DD-AFC4-6F175D3DCCD1}">
+              <a14:hiddenFill xmlns:a14="http://schemas.microsoft.com/office/drawing/2010/main">
+                <a:solidFill>
+                  <a:srgbClr val="FFFFFF"/>
+                </a:solidFill>
+              </a14:hiddenFill>
+            </a:ext>
+          </a:extLst>
+        </p:spPr>
+      </p:pic>
+    </p:spTree>
+  </p:cSld>
+  <p:clrMapOvr>
+    <a:masterClrMapping/>
+  </p:clrMapOvr>
+  <p:transition spd="slow">
+    <p:wipe/>
+  </p:transition>
+  <p:timing>
+    <p:tnLst>
+      <p:par>
+        <p:cTn id="1" dur="indefinite" restart="never" nodeType="tmRoot">
+          <p:childTnLst>
+            <p:seq concurrent="1" nextAc="seek">
+              <p:cTn id="2" dur="indefinite" nodeType="mainSeq">
+                <p:childTnLst>
+                  <p:par>
+                    <p:cTn id="3" fill="hold">
+                      <p:stCondLst>
+                        <p:cond delay="indefinite"/>
+                      </p:stCondLst>
+                      <p:childTnLst>
+                        <p:par>
+                          <p:cTn id="4" fill="hold">
+                            <p:stCondLst>
+                              <p:cond delay="0"/>
+                            </p:stCondLst>
+                            <p:childTnLst>
+                              <p:par>
+                                <p:cTn id="5" presetID="53" presetClass="entr" presetSubtype="16" fill="hold" grpId="0" nodeType="clickEffect">
+                                  <p:stCondLst>
+                                    <p:cond delay="0"/>
+                                  </p:stCondLst>
+                                  <p:childTnLst>
+                                    <p:set>
+                                      <p:cBhvr>
+                                        <p:cTn id="6" dur="1" fill="hold">
+                                          <p:stCondLst>
+                                            <p:cond delay="0"/>
+                                          </p:stCondLst>
+                                        </p:cTn>
+                                        <p:tgtEl>
+                                          <p:spTgt spid="476"/>
+                                        </p:tgtEl>
+                                        <p:attrNameLst>
+                                          <p:attrName>style.visibility</p:attrName>
+                                        </p:attrNameLst>
+                                      </p:cBhvr>
+                                      <p:to>
+                                        <p:strVal val="visible"/>
+                                      </p:to>
+                                    </p:set>
+                                    <p:anim calcmode="lin" valueType="num">
+                                      <p:cBhvr>
+                                        <p:cTn id="7" dur="500" fill="hold"/>
+                                        <p:tgtEl>
+                                          <p:spTgt spid="476"/>
+                                        </p:tgtEl>
+                                        <p:attrNameLst>
+                                          <p:attrName>ppt_w</p:attrName>
+                                        </p:attrNameLst>
+                                      </p:cBhvr>
+                                      <p:tavLst>
+                                        <p:tav tm="0">
+                                          <p:val>
+                                            <p:fltVal val="0"/>
+                                          </p:val>
+                                        </p:tav>
+                                        <p:tav tm="100000">
+                                          <p:val>
+                                            <p:strVal val="#ppt_w"/>
+                                          </p:val>
+                                        </p:tav>
+                                      </p:tavLst>
+                                    </p:anim>
+                                    <p:anim calcmode="lin" valueType="num">
+                                      <p:cBhvr>
+                                        <p:cTn id="8" dur="500" fill="hold"/>
+                                        <p:tgtEl>
+                                          <p:spTgt spid="476"/>
+                                        </p:tgtEl>
+                                        <p:attrNameLst>
+                                          <p:attrName>ppt_h</p:attrName>
+                                        </p:attrNameLst>
+                                      </p:cBhvr>
+                                      <p:tavLst>
+                                        <p:tav tm="0">
+                                          <p:val>
+                                            <p:fltVal val="0"/>
+                                          </p:val>
+                                        </p:tav>
+                                        <p:tav tm="100000">
+                                          <p:val>
+                                            <p:strVal val="#ppt_h"/>
+                                          </p:val>
+                                        </p:tav>
+                                      </p:tavLst>
+                                    </p:anim>
+                                    <p:animEffect transition="in" filter="fade">
+                                      <p:cBhvr>
+                                        <p:cTn id="9" dur="500"/>
+                                        <p:tgtEl>
+                                          <p:spTgt spid="476"/>
+                                        </p:tgtEl>
+                                      </p:cBhvr>
+                                    </p:animEffect>
+                                  </p:childTnLst>
+                                </p:cTn>
+                              </p:par>
+                            </p:childTnLst>
+                          </p:cTn>
+                        </p:par>
+                      </p:childTnLst>
+                    </p:cTn>
+                  </p:par>
+                  <p:par>
+                    <p:cTn id="10" fill="hold">
+                      <p:stCondLst>
+                        <p:cond delay="indefinite"/>
+                      </p:stCondLst>
+                      <p:childTnLst>
+                        <p:par>
+                          <p:cTn id="11" fill="hold">
+                            <p:stCondLst>
+                              <p:cond delay="0"/>
+                            </p:stCondLst>
+                            <p:childTnLst>
+                              <p:par>
+                                <p:cTn id="12" presetID="53" presetClass="entr" presetSubtype="16" fill="hold" grpId="0" nodeType="clickEffect">
+                                  <p:stCondLst>
+                                    <p:cond delay="0"/>
+                                  </p:stCondLst>
+                                  <p:childTnLst>
+                                    <p:set>
+                                      <p:cBhvr>
+                                        <p:cTn id="13" dur="1" fill="hold">
+                                          <p:stCondLst>
+                                            <p:cond delay="0"/>
+                                          </p:stCondLst>
+                                        </p:cTn>
+                                        <p:tgtEl>
+                                          <p:spTgt spid="477">
+                                            <p:txEl>
+                                              <p:pRg st="1" end="1"/>
+                                            </p:txEl>
+                                          </p:spTgt>
+                                        </p:tgtEl>
+                                        <p:attrNameLst>
+                                          <p:attrName>style.visibility</p:attrName>
+                                        </p:attrNameLst>
+                                      </p:cBhvr>
+                                      <p:to>
+                                        <p:strVal val="visible"/>
+                                      </p:to>
+                                    </p:set>
+                                    <p:anim calcmode="lin" valueType="num">
+                                      <p:cBhvr>
+                                        <p:cTn id="14" dur="500" fill="hold"/>
+                                        <p:tgtEl>
+                                          <p:spTgt spid="477">
+                                            <p:txEl>
+                                              <p:pRg st="1" end="1"/>
+                                            </p:txEl>
+                                          </p:spTgt>
+                                        </p:tgtEl>
+                                        <p:attrNameLst>
+                                          <p:attrName>ppt_w</p:attrName>
+                                        </p:attrNameLst>
+                                      </p:cBhvr>
+                                      <p:tavLst>
+                                        <p:tav tm="0">
+                                          <p:val>
+                                            <p:fltVal val="0"/>
+                                          </p:val>
+                                        </p:tav>
+                                        <p:tav tm="100000">
+                                          <p:val>
+                                            <p:strVal val="#ppt_w"/>
+                                          </p:val>
+                                        </p:tav>
+                                      </p:tavLst>
+                                    </p:anim>
+                                    <p:anim calcmode="lin" valueType="num">
+                                      <p:cBhvr>
+                                        <p:cTn id="15" dur="500" fill="hold"/>
+                                        <p:tgtEl>
+                                          <p:spTgt spid="477">
+                                            <p:txEl>
+                                              <p:pRg st="1" end="1"/>
+                                            </p:txEl>
+                                          </p:spTgt>
+                                        </p:tgtEl>
+                                        <p:attrNameLst>
+                                          <p:attrName>ppt_h</p:attrName>
+                                        </p:attrNameLst>
+                                      </p:cBhvr>
+                                      <p:tavLst>
+                                        <p:tav tm="0">
+                                          <p:val>
+                                            <p:fltVal val="0"/>
+                                          </p:val>
+                                        </p:tav>
+                                        <p:tav tm="100000">
+                                          <p:val>
+                                            <p:strVal val="#ppt_h"/>
+                                          </p:val>
+                                        </p:tav>
+                                      </p:tavLst>
+                                    </p:anim>
+                                    <p:animEffect transition="in" filter="fade">
+                                      <p:cBhvr>
+                                        <p:cTn id="16" dur="500"/>
+                                        <p:tgtEl>
+                                          <p:spTgt spid="477">
+                                            <p:txEl>
+                                              <p:pRg st="1" end="1"/>
+                                            </p:txEl>
+                                          </p:spTgt>
+                                        </p:tgtEl>
+                                      </p:cBhvr>
+                                    </p:animEffect>
+                                  </p:childTnLst>
+                                </p:cTn>
+                              </p:par>
+                            </p:childTnLst>
+                          </p:cTn>
+                        </p:par>
+                      </p:childTnLst>
+                    </p:cTn>
+                  </p:par>
+                </p:childTnLst>
+              </p:cTn>
+              <p:prevCondLst>
+                <p:cond evt="onPrev" delay="0">
+                  <p:tgtEl>
+                    <p:sldTgt/>
+                  </p:tgtEl>
+                </p:cond>
+              </p:prevCondLst>
+              <p:nextCondLst>
+                <p:cond evt="onNext" delay="0">
+                  <p:tgtEl>
+                    <p:sldTgt/>
+                  </p:tgtEl>
+                </p:cond>
+              </p:nextCondLst>
+            </p:seq>
+          </p:childTnLst>
+        </p:cTn>
+      </p:par>
+    </p:tnLst>
+    <p:bldLst>
+      <p:bldP spid="476" grpId="0"/>
+      <p:bldP spid="477" grpId="0" build="p"/>
+    </p:bldLst>
+  </p:timing>
+</p:sld>
+</file>
+
+<file path=ppt/slides/slide30.xml><?xml version="1.0" encoding="utf-8"?>
 <p:sld xmlns:a="http://schemas.openxmlformats.org/drawingml/2006/main" xmlns:r="http://schemas.openxmlformats.org/officeDocument/2006/relationships" xmlns:p="http://schemas.openxmlformats.org/presentationml/2006/main">
   <p:cSld>
     <p:spTree>
@@ -34488,491 +35702,7 @@
 </p:sld>
 </file>
 
-<file path=ppt/slides/slide3.xml><?xml version="1.0" encoding="utf-8"?>
-<p:sld xmlns:a="http://schemas.openxmlformats.org/drawingml/2006/main" xmlns:r="http://schemas.openxmlformats.org/officeDocument/2006/relationships" xmlns:p="http://schemas.openxmlformats.org/presentationml/2006/main">
-  <p:cSld>
-    <p:spTree>
-      <p:nvGrpSpPr>
-        <p:cNvPr id="1" name="Shape 475"/>
-        <p:cNvGrpSpPr/>
-        <p:nvPr/>
-      </p:nvGrpSpPr>
-      <p:grpSpPr>
-        <a:xfrm>
-          <a:off x="0" y="0"/>
-          <a:ext cx="0" cy="0"/>
-          <a:chOff x="0" y="0"/>
-          <a:chExt cx="0" cy="0"/>
-        </a:xfrm>
-      </p:grpSpPr>
-      <p:sp>
-        <p:nvSpPr>
-          <p:cNvPr id="476" name="Google Shape;476;p42"/>
-          <p:cNvSpPr txBox="1">
-            <a:spLocks noGrp="1"/>
-          </p:cNvSpPr>
-          <p:nvPr>
-            <p:ph type="title"/>
-          </p:nvPr>
-        </p:nvSpPr>
-        <p:spPr>
-          <a:xfrm>
-            <a:off x="3490856" y="2927618"/>
-            <a:ext cx="5567979" cy="2576145"/>
-          </a:xfrm>
-          <a:prstGeom prst="rect">
-            <a:avLst/>
-          </a:prstGeom>
-        </p:spPr>
-        <p:txBody>
-          <a:bodyPr spcFirstLastPara="1" wrap="square" lIns="91425" tIns="91425" rIns="91425" bIns="91425" anchor="ctr" anchorCtr="0">
-            <a:noAutofit/>
-          </a:bodyPr>
-          <a:lstStyle/>
-          <a:p>
-            <a:pPr marL="400050" indent="-400050" algn="l" fontAlgn="base">
-              <a:buFont typeface="Wingdings" pitchFamily="2" charset="2"/>
-              <a:buChar char="v"/>
-            </a:pPr>
-            <a:r>
-              <a:rPr lang="vi-VN" sz="2400" b="0" dirty="0">
-                <a:latin typeface="Times New Roman" panose="02020603050405020304" pitchFamily="18" charset="0"/>
-                <a:cs typeface="Times New Roman" panose="02020603050405020304" pitchFamily="18" charset="0"/>
-              </a:rPr>
-              <a:t>Lĩnh vực hoạt động kinh doanh chủ yếu của Công ty là sản xuất và phân phối các sản phẩm diệt côn trùng gia dụng và</a:t>
-            </a:r>
-            <a:r>
-              <a:rPr lang="vi-VN" sz="2400" b="0" dirty="0" smtClean="0">
-                <a:latin typeface="Times New Roman" panose="02020603050405020304" pitchFamily="18" charset="0"/>
-                <a:cs typeface="Times New Roman" panose="02020603050405020304" pitchFamily="18" charset="0"/>
-              </a:rPr>
-              <a:t>..</a:t>
-            </a:r>
-            <a:r>
-              <a:rPr lang="en-US" sz="2400" dirty="0">
-                <a:latin typeface="Times New Roman" panose="02020603050405020304" pitchFamily="18" charset="0"/>
-                <a:cs typeface="Times New Roman" panose="02020603050405020304" pitchFamily="18" charset="0"/>
-              </a:rPr>
-              <a:t/>
-            </a:r>
-            <a:br>
-              <a:rPr lang="en-US" sz="2400" dirty="0">
-                <a:latin typeface="Times New Roman" panose="02020603050405020304" pitchFamily="18" charset="0"/>
-                <a:cs typeface="Times New Roman" panose="02020603050405020304" pitchFamily="18" charset="0"/>
-              </a:rPr>
-            </a:br>
-            <a:endParaRPr sz="2400" dirty="0">
-              <a:latin typeface="Times New Roman" pitchFamily="18" charset="0"/>
-              <a:cs typeface="Times New Roman" pitchFamily="18" charset="0"/>
-            </a:endParaRPr>
-          </a:p>
-        </p:txBody>
-      </p:sp>
-      <p:sp>
-        <p:nvSpPr>
-          <p:cNvPr id="477" name="Google Shape;477;p42"/>
-          <p:cNvSpPr txBox="1">
-            <a:spLocks noGrp="1"/>
-          </p:cNvSpPr>
-          <p:nvPr>
-            <p:ph type="subTitle" idx="1"/>
-          </p:nvPr>
-        </p:nvSpPr>
-        <p:spPr>
-          <a:xfrm>
-            <a:off x="3345644" y="1051491"/>
-            <a:ext cx="5798356" cy="2272623"/>
-          </a:xfrm>
-          <a:prstGeom prst="rect">
-            <a:avLst/>
-          </a:prstGeom>
-        </p:spPr>
-        <p:txBody>
-          <a:bodyPr spcFirstLastPara="1" wrap="square" lIns="91425" tIns="91425" rIns="91425" bIns="91425" anchor="t" anchorCtr="0">
-            <a:noAutofit/>
-          </a:bodyPr>
-          <a:lstStyle/>
-          <a:p>
-            <a:pPr marL="0" indent="0" algn="l"/>
-            <a:endParaRPr lang="en-US" sz="1800" dirty="0" smtClean="0">
-              <a:latin typeface="Times New Roman" panose="02020603050405020304" pitchFamily="18" charset="0"/>
-              <a:cs typeface="Times New Roman" panose="02020603050405020304" pitchFamily="18" charset="0"/>
-            </a:endParaRPr>
-          </a:p>
-          <a:p>
-            <a:pPr marL="342900" lvl="0" algn="l">
-              <a:buFont typeface="Wingdings" panose="05000000000000000000" pitchFamily="2" charset="2"/>
-              <a:buChar char="v"/>
-            </a:pPr>
-            <a:r>
-              <a:rPr lang="en-US" sz="2400" dirty="0">
-                <a:latin typeface="Times New Roman" panose="02020603050405020304" pitchFamily="18" charset="0"/>
-                <a:cs typeface="Times New Roman" panose="02020603050405020304" pitchFamily="18" charset="0"/>
-              </a:rPr>
-              <a:t>Công ty TNHH SX TM Công nghiệp A.V.A.L được thành lập vào ngày 01/03/2000, số giấy phép đăng ký kinh doanh: 4102000321 cấp tại sở kế hoạch và đầu tư tp HCM </a:t>
-            </a:r>
-            <a:endParaRPr sz="1800" dirty="0">
-              <a:latin typeface="Times New Roman" panose="02020603050405020304" pitchFamily="18" charset="0"/>
-              <a:cs typeface="Times New Roman" panose="02020603050405020304" pitchFamily="18" charset="0"/>
-            </a:endParaRPr>
-          </a:p>
-        </p:txBody>
-      </p:sp>
-      <p:sp>
-        <p:nvSpPr>
-          <p:cNvPr id="2" name="Rectangle 1"/>
-          <p:cNvSpPr/>
-          <p:nvPr/>
-        </p:nvSpPr>
-        <p:spPr>
-          <a:xfrm>
-            <a:off x="-279699" y="89554"/>
-            <a:ext cx="7541111" cy="1200329"/>
-          </a:xfrm>
-          <a:prstGeom prst="rect">
-            <a:avLst/>
-          </a:prstGeom>
-        </p:spPr>
-        <p:txBody>
-          <a:bodyPr wrap="square">
-            <a:spAutoFit/>
-          </a:bodyPr>
-          <a:lstStyle/>
-          <a:p>
-            <a:pPr algn="ctr"/>
-            <a:r>
-              <a:rPr lang="en-US" sz="3600" b="1" dirty="0">
-                <a:solidFill>
-                  <a:schemeClr val="tx1"/>
-                </a:solidFill>
-              </a:rPr>
-              <a:t>G</a:t>
-            </a:r>
-            <a:r>
-              <a:rPr lang="en" sz="3600" b="1" dirty="0">
-                <a:solidFill>
-                  <a:schemeClr val="tx1"/>
-                </a:solidFill>
-              </a:rPr>
-              <a:t>iới thiệu chung về doanh </a:t>
-            </a:r>
-            <a:r>
-              <a:rPr lang="en" sz="3600" b="1" dirty="0" smtClean="0">
-                <a:solidFill>
-                  <a:schemeClr val="tx1"/>
-                </a:solidFill>
-              </a:rPr>
-              <a:t>nghiệp</a:t>
-            </a:r>
-            <a:endParaRPr lang="en" sz="3600" b="1" dirty="0">
-              <a:solidFill>
-                <a:schemeClr val="tx1"/>
-              </a:solidFill>
-            </a:endParaRPr>
-          </a:p>
-        </p:txBody>
-      </p:sp>
-      <p:pic>
-        <p:nvPicPr>
-          <p:cNvPr id="1026" name="Picture 2" descr="Công ty TNHH SX - TM Công Nghiệp A.V.A.L (A.V.A.L CO. LTD)"/>
-          <p:cNvPicPr>
-            <a:picLocks noChangeAspect="1" noChangeArrowheads="1"/>
-          </p:cNvPicPr>
-          <p:nvPr/>
-        </p:nvPicPr>
-        <p:blipFill>
-          <a:blip r:embed="rId3">
-            <a:extLst>
-              <a:ext uri="{28A0092B-C50C-407E-A947-70E740481C1C}">
-                <a14:useLocalDpi xmlns:a14="http://schemas.microsoft.com/office/drawing/2010/main" val="0"/>
-              </a:ext>
-            </a:extLst>
-          </a:blip>
-          <a:srcRect/>
-          <a:stretch>
-            <a:fillRect/>
-          </a:stretch>
-        </p:blipFill>
-        <p:spPr bwMode="auto">
-          <a:xfrm>
-            <a:off x="-321327" y="1947132"/>
-            <a:ext cx="3812183" cy="1807288"/>
-          </a:xfrm>
-          <a:prstGeom prst="rect">
-            <a:avLst/>
-          </a:prstGeom>
-          <a:noFill/>
-          <a:extLst>
-            <a:ext uri="{909E8E84-426E-40DD-AFC4-6F175D3DCCD1}">
-              <a14:hiddenFill xmlns:a14="http://schemas.microsoft.com/office/drawing/2010/main">
-                <a:solidFill>
-                  <a:srgbClr val="FFFFFF"/>
-                </a:solidFill>
-              </a14:hiddenFill>
-            </a:ext>
-          </a:extLst>
-        </p:spPr>
-      </p:pic>
-    </p:spTree>
-  </p:cSld>
-  <p:clrMapOvr>
-    <a:masterClrMapping/>
-  </p:clrMapOvr>
-  <p:transition spd="slow">
-    <p:wipe/>
-  </p:transition>
-  <p:timing>
-    <p:tnLst>
-      <p:par>
-        <p:cTn id="1" dur="indefinite" restart="never" nodeType="tmRoot">
-          <p:childTnLst>
-            <p:seq concurrent="1" nextAc="seek">
-              <p:cTn id="2" dur="indefinite" nodeType="mainSeq">
-                <p:childTnLst>
-                  <p:par>
-                    <p:cTn id="3" fill="hold">
-                      <p:stCondLst>
-                        <p:cond delay="indefinite"/>
-                      </p:stCondLst>
-                      <p:childTnLst>
-                        <p:par>
-                          <p:cTn id="4" fill="hold">
-                            <p:stCondLst>
-                              <p:cond delay="0"/>
-                            </p:stCondLst>
-                            <p:childTnLst>
-                              <p:par>
-                                <p:cTn id="5" presetID="53" presetClass="entr" presetSubtype="16" fill="hold" grpId="0" nodeType="clickEffect">
-                                  <p:stCondLst>
-                                    <p:cond delay="0"/>
-                                  </p:stCondLst>
-                                  <p:childTnLst>
-                                    <p:set>
-                                      <p:cBhvr>
-                                        <p:cTn id="6" dur="1" fill="hold">
-                                          <p:stCondLst>
-                                            <p:cond delay="0"/>
-                                          </p:stCondLst>
-                                        </p:cTn>
-                                        <p:tgtEl>
-                                          <p:spTgt spid="476"/>
-                                        </p:tgtEl>
-                                        <p:attrNameLst>
-                                          <p:attrName>style.visibility</p:attrName>
-                                        </p:attrNameLst>
-                                      </p:cBhvr>
-                                      <p:to>
-                                        <p:strVal val="visible"/>
-                                      </p:to>
-                                    </p:set>
-                                    <p:anim calcmode="lin" valueType="num">
-                                      <p:cBhvr>
-                                        <p:cTn id="7" dur="500" fill="hold"/>
-                                        <p:tgtEl>
-                                          <p:spTgt spid="476"/>
-                                        </p:tgtEl>
-                                        <p:attrNameLst>
-                                          <p:attrName>ppt_w</p:attrName>
-                                        </p:attrNameLst>
-                                      </p:cBhvr>
-                                      <p:tavLst>
-                                        <p:tav tm="0">
-                                          <p:val>
-                                            <p:fltVal val="0"/>
-                                          </p:val>
-                                        </p:tav>
-                                        <p:tav tm="100000">
-                                          <p:val>
-                                            <p:strVal val="#ppt_w"/>
-                                          </p:val>
-                                        </p:tav>
-                                      </p:tavLst>
-                                    </p:anim>
-                                    <p:anim calcmode="lin" valueType="num">
-                                      <p:cBhvr>
-                                        <p:cTn id="8" dur="500" fill="hold"/>
-                                        <p:tgtEl>
-                                          <p:spTgt spid="476"/>
-                                        </p:tgtEl>
-                                        <p:attrNameLst>
-                                          <p:attrName>ppt_h</p:attrName>
-                                        </p:attrNameLst>
-                                      </p:cBhvr>
-                                      <p:tavLst>
-                                        <p:tav tm="0">
-                                          <p:val>
-                                            <p:fltVal val="0"/>
-                                          </p:val>
-                                        </p:tav>
-                                        <p:tav tm="100000">
-                                          <p:val>
-                                            <p:strVal val="#ppt_h"/>
-                                          </p:val>
-                                        </p:tav>
-                                      </p:tavLst>
-                                    </p:anim>
-                                    <p:animEffect transition="in" filter="fade">
-                                      <p:cBhvr>
-                                        <p:cTn id="9" dur="500"/>
-                                        <p:tgtEl>
-                                          <p:spTgt spid="476"/>
-                                        </p:tgtEl>
-                                      </p:cBhvr>
-                                    </p:animEffect>
-                                  </p:childTnLst>
-                                </p:cTn>
-                              </p:par>
-                            </p:childTnLst>
-                          </p:cTn>
-                        </p:par>
-                      </p:childTnLst>
-                    </p:cTn>
-                  </p:par>
-                  <p:par>
-                    <p:cTn id="10" fill="hold">
-                      <p:stCondLst>
-                        <p:cond delay="indefinite"/>
-                      </p:stCondLst>
-                      <p:childTnLst>
-                        <p:par>
-                          <p:cTn id="11" fill="hold">
-                            <p:stCondLst>
-                              <p:cond delay="0"/>
-                            </p:stCondLst>
-                            <p:childTnLst>
-                              <p:par>
-                                <p:cTn id="12" presetID="53" presetClass="entr" presetSubtype="16" fill="hold" grpId="0" nodeType="clickEffect">
-                                  <p:stCondLst>
-                                    <p:cond delay="0"/>
-                                  </p:stCondLst>
-                                  <p:childTnLst>
-                                    <p:set>
-                                      <p:cBhvr>
-                                        <p:cTn id="13" dur="1" fill="hold">
-                                          <p:stCondLst>
-                                            <p:cond delay="0"/>
-                                          </p:stCondLst>
-                                        </p:cTn>
-                                        <p:tgtEl>
-                                          <p:spTgt spid="477">
-                                            <p:txEl>
-                                              <p:pRg st="1" end="1"/>
-                                            </p:txEl>
-                                          </p:spTgt>
-                                        </p:tgtEl>
-                                        <p:attrNameLst>
-                                          <p:attrName>style.visibility</p:attrName>
-                                        </p:attrNameLst>
-                                      </p:cBhvr>
-                                      <p:to>
-                                        <p:strVal val="visible"/>
-                                      </p:to>
-                                    </p:set>
-                                    <p:anim calcmode="lin" valueType="num">
-                                      <p:cBhvr>
-                                        <p:cTn id="14" dur="500" fill="hold"/>
-                                        <p:tgtEl>
-                                          <p:spTgt spid="477">
-                                            <p:txEl>
-                                              <p:pRg st="1" end="1"/>
-                                            </p:txEl>
-                                          </p:spTgt>
-                                        </p:tgtEl>
-                                        <p:attrNameLst>
-                                          <p:attrName>ppt_w</p:attrName>
-                                        </p:attrNameLst>
-                                      </p:cBhvr>
-                                      <p:tavLst>
-                                        <p:tav tm="0">
-                                          <p:val>
-                                            <p:fltVal val="0"/>
-                                          </p:val>
-                                        </p:tav>
-                                        <p:tav tm="100000">
-                                          <p:val>
-                                            <p:strVal val="#ppt_w"/>
-                                          </p:val>
-                                        </p:tav>
-                                      </p:tavLst>
-                                    </p:anim>
-                                    <p:anim calcmode="lin" valueType="num">
-                                      <p:cBhvr>
-                                        <p:cTn id="15" dur="500" fill="hold"/>
-                                        <p:tgtEl>
-                                          <p:spTgt spid="477">
-                                            <p:txEl>
-                                              <p:pRg st="1" end="1"/>
-                                            </p:txEl>
-                                          </p:spTgt>
-                                        </p:tgtEl>
-                                        <p:attrNameLst>
-                                          <p:attrName>ppt_h</p:attrName>
-                                        </p:attrNameLst>
-                                      </p:cBhvr>
-                                      <p:tavLst>
-                                        <p:tav tm="0">
-                                          <p:val>
-                                            <p:fltVal val="0"/>
-                                          </p:val>
-                                        </p:tav>
-                                        <p:tav tm="100000">
-                                          <p:val>
-                                            <p:strVal val="#ppt_h"/>
-                                          </p:val>
-                                        </p:tav>
-                                      </p:tavLst>
-                                    </p:anim>
-                                    <p:animEffect transition="in" filter="fade">
-                                      <p:cBhvr>
-                                        <p:cTn id="16" dur="500"/>
-                                        <p:tgtEl>
-                                          <p:spTgt spid="477">
-                                            <p:txEl>
-                                              <p:pRg st="1" end="1"/>
-                                            </p:txEl>
-                                          </p:spTgt>
-                                        </p:tgtEl>
-                                      </p:cBhvr>
-                                    </p:animEffect>
-                                  </p:childTnLst>
-                                </p:cTn>
-                              </p:par>
-                            </p:childTnLst>
-                          </p:cTn>
-                        </p:par>
-                      </p:childTnLst>
-                    </p:cTn>
-                  </p:par>
-                </p:childTnLst>
-              </p:cTn>
-              <p:prevCondLst>
-                <p:cond evt="onPrev" delay="0">
-                  <p:tgtEl>
-                    <p:sldTgt/>
-                  </p:tgtEl>
-                </p:cond>
-              </p:prevCondLst>
-              <p:nextCondLst>
-                <p:cond evt="onNext" delay="0">
-                  <p:tgtEl>
-                    <p:sldTgt/>
-                  </p:tgtEl>
-                </p:cond>
-              </p:nextCondLst>
-            </p:seq>
-          </p:childTnLst>
-        </p:cTn>
-      </p:par>
-    </p:tnLst>
-    <p:bldLst>
-      <p:bldP spid="476" grpId="0"/>
-      <p:bldP spid="477" grpId="0" build="p"/>
-    </p:bldLst>
-  </p:timing>
-</p:sld>
-</file>
-
-<file path=ppt/slides/slide30.xml><?xml version="1.0" encoding="utf-8"?>
+<file path=ppt/slides/slide31.xml><?xml version="1.0" encoding="utf-8"?>
 <p:sld xmlns:a="http://schemas.openxmlformats.org/drawingml/2006/main" xmlns:r="http://schemas.openxmlformats.org/officeDocument/2006/relationships" xmlns:p="http://schemas.openxmlformats.org/presentationml/2006/main">
   <p:cSld>
     <p:spTree>
@@ -36708,7 +37438,7 @@
 </p:sld>
 </file>
 
-<file path=ppt/slides/slide31.xml><?xml version="1.0" encoding="utf-8"?>
+<file path=ppt/slides/slide32.xml><?xml version="1.0" encoding="utf-8"?>
 <p:sld xmlns:a="http://schemas.openxmlformats.org/drawingml/2006/main" xmlns:r="http://schemas.openxmlformats.org/officeDocument/2006/relationships" xmlns:p="http://schemas.openxmlformats.org/presentationml/2006/main">
   <p:cSld>
     <p:spTree>
@@ -36751,14 +37481,7 @@
                 <a:latin typeface="Times New Roman" pitchFamily="18" charset="0"/>
                 <a:cs typeface="Times New Roman" pitchFamily="18" charset="0"/>
               </a:rPr>
-              <a:t>THANK YOU FOR </a:t>
-            </a:r>
-            <a:r>
-              <a:rPr lang="en-US" sz="5400" dirty="0" smtClean="0">
-                <a:latin typeface="Times New Roman" pitchFamily="18" charset="0"/>
-                <a:cs typeface="Times New Roman" pitchFamily="18" charset="0"/>
-              </a:rPr>
-              <a:t>LISTENING</a:t>
+              <a:t>THANK YOU FOR LISTENING</a:t>
             </a:r>
             <a:endParaRPr lang="en-US" sz="3600" dirty="0">
               <a:latin typeface="Times New Roman" pitchFamily="18" charset="0"/>
